--- a/presentation/Jahresprojekt Endpräsentation.pptx
+++ b/presentation/Jahresprojekt Endpräsentation.pptx
@@ -18,12 +18,12 @@
     <p:sldId id="261" r:id="rId9"/>
     <p:sldId id="272" r:id="rId10"/>
     <p:sldId id="274" r:id="rId11"/>
-    <p:sldId id="262" r:id="rId12"/>
-    <p:sldId id="289" r:id="rId13"/>
-    <p:sldId id="277" r:id="rId14"/>
-    <p:sldId id="291" r:id="rId15"/>
-    <p:sldId id="264" r:id="rId16"/>
-    <p:sldId id="284" r:id="rId17"/>
+    <p:sldId id="289" r:id="rId12"/>
+    <p:sldId id="277" r:id="rId13"/>
+    <p:sldId id="291" r:id="rId14"/>
+    <p:sldId id="264" r:id="rId15"/>
+    <p:sldId id="284" r:id="rId16"/>
+    <p:sldId id="262" r:id="rId17"/>
     <p:sldId id="280" r:id="rId18"/>
     <p:sldId id="285" r:id="rId19"/>
     <p:sldId id="286" r:id="rId20"/>
@@ -2665,7 +2665,7 @@
       <dsp:spPr>
         <a:xfrm rot="16200000">
           <a:off x="508000" y="-508000"/>
-          <a:ext cx="2031999" cy="3048000"/>
+          <a:ext cx="2032000" cy="3048000"/>
         </a:xfrm>
         <a:prstGeom prst="round1Rect">
           <a:avLst/>
@@ -2757,7 +2757,7 @@
       <dsp:spPr>
         <a:xfrm>
           <a:off x="3048000" y="0"/>
-          <a:ext cx="3048000" cy="2031999"/>
+          <a:ext cx="3048000" cy="2032000"/>
         </a:xfrm>
         <a:prstGeom prst="round1Rect">
           <a:avLst/>
@@ -2848,8 +2848,8 @@
       </dsp:nvSpPr>
       <dsp:spPr>
         <a:xfrm rot="10800000">
-          <a:off x="0" y="2031999"/>
-          <a:ext cx="3048000" cy="2031999"/>
+          <a:off x="0" y="2032000"/>
+          <a:ext cx="3048000" cy="2032000"/>
         </a:xfrm>
         <a:prstGeom prst="round1Rect">
           <a:avLst/>
@@ -2951,7 +2951,7 @@
       <dsp:spPr>
         <a:xfrm rot="5400000">
           <a:off x="3556000" y="1523999"/>
-          <a:ext cx="2031999" cy="3048000"/>
+          <a:ext cx="2032000" cy="3048000"/>
         </a:xfrm>
         <a:prstGeom prst="round1Rect">
           <a:avLst/>
@@ -3052,8 +3052,8 @@
       </dsp:nvSpPr>
       <dsp:spPr>
         <a:xfrm>
-          <a:off x="2133599" y="1523999"/>
-          <a:ext cx="1828800" cy="1015999"/>
+          <a:off x="2133600" y="1523999"/>
+          <a:ext cx="1828800" cy="1016000"/>
         </a:xfrm>
         <a:prstGeom prst="roundRect">
           <a:avLst/>
@@ -3115,8 +3115,8 @@
         </a:p>
       </dsp:txBody>
       <dsp:txXfrm>
-        <a:off x="2183196" y="1573596"/>
-        <a:ext cx="1729606" cy="916805"/>
+        <a:off x="2183197" y="1573596"/>
+        <a:ext cx="1729606" cy="916806"/>
       </dsp:txXfrm>
     </dsp:sp>
   </dsp:spTree>
@@ -3139,7 +3139,7 @@
       <dsp:spPr>
         <a:xfrm rot="16200000">
           <a:off x="508000" y="-508000"/>
-          <a:ext cx="2031999" cy="3048000"/>
+          <a:ext cx="2032000" cy="3048000"/>
         </a:xfrm>
         <a:prstGeom prst="round1Rect">
           <a:avLst/>
@@ -3231,7 +3231,7 @@
       <dsp:spPr>
         <a:xfrm>
           <a:off x="3048000" y="0"/>
-          <a:ext cx="3048000" cy="2031999"/>
+          <a:ext cx="3048000" cy="2032000"/>
         </a:xfrm>
         <a:prstGeom prst="round1Rect">
           <a:avLst/>
@@ -3322,8 +3322,8 @@
       </dsp:nvSpPr>
       <dsp:spPr>
         <a:xfrm rot="10800000">
-          <a:off x="0" y="2031999"/>
-          <a:ext cx="3048000" cy="2031999"/>
+          <a:off x="0" y="2032000"/>
+          <a:ext cx="3048000" cy="2032000"/>
         </a:xfrm>
         <a:prstGeom prst="round1Rect">
           <a:avLst/>
@@ -3425,7 +3425,7 @@
       <dsp:spPr>
         <a:xfrm rot="5400000">
           <a:off x="3556000" y="1523999"/>
-          <a:ext cx="2031999" cy="3048000"/>
+          <a:ext cx="2032000" cy="3048000"/>
         </a:xfrm>
         <a:prstGeom prst="round1Rect">
           <a:avLst/>
@@ -3526,8 +3526,8 @@
       </dsp:nvSpPr>
       <dsp:spPr>
         <a:xfrm>
-          <a:off x="2133599" y="1523999"/>
-          <a:ext cx="1828800" cy="1015999"/>
+          <a:off x="2133600" y="1523999"/>
+          <a:ext cx="1828800" cy="1016000"/>
         </a:xfrm>
         <a:prstGeom prst="roundRect">
           <a:avLst/>
@@ -3589,8 +3589,8 @@
         </a:p>
       </dsp:txBody>
       <dsp:txXfrm>
-        <a:off x="2183196" y="1573596"/>
-        <a:ext cx="1729606" cy="916805"/>
+        <a:off x="2183197" y="1573596"/>
+        <a:ext cx="1729606" cy="916806"/>
       </dsp:txXfrm>
     </dsp:sp>
   </dsp:spTree>
@@ -6501,7 +6501,7 @@
           <a:p>
             <a:fld id="{4299B327-2CE6-4272-AFAA-7494721F78A1}" type="datetimeFigureOut">
               <a:rPr lang="de-DE" smtClean="0"/>
-              <a:t>22.06.2014</a:t>
+              <a:t>03.07.2014</a:t>
             </a:fld>
             <a:endParaRPr lang="de-DE"/>
           </a:p>
@@ -7748,445 +7748,56 @@
           <a:bodyPr/>
           <a:lstStyle/>
           <a:p>
-            <a:pPr marL="0" indent="0">
-              <a:buFont typeface="Arial" panose="020B0604020202020204" pitchFamily="34" charset="0"/>
-              <a:buNone/>
-            </a:pPr>
-            <a:r>
-              <a:rPr lang="de-DE" sz="1200" kern="1200" baseline="0" dirty="0" smtClean="0">
-                <a:solidFill>
-                  <a:schemeClr val="tx1"/>
-                </a:solidFill>
-                <a:effectLst/>
-                <a:latin typeface="+mn-lt"/>
-                <a:ea typeface="+mn-ea"/>
-                <a:cs typeface="+mn-cs"/>
-              </a:rPr>
-              <a:t>Allgemeine Grundlagen zu Maven Plugin</a:t>
-            </a:r>
-            <a:endParaRPr lang="de-DE" sz="1200" kern="1200" dirty="0" smtClean="0">
-              <a:solidFill>
-                <a:schemeClr val="tx1"/>
-              </a:solidFill>
-              <a:effectLst/>
-              <a:latin typeface="+mn-lt"/>
-              <a:ea typeface="+mn-ea"/>
-              <a:cs typeface="+mn-cs"/>
-            </a:endParaRPr>
-          </a:p>
-          <a:p>
-            <a:pPr marL="0" indent="0">
-              <a:buFont typeface="Arial" panose="020B0604020202020204" pitchFamily="34" charset="0"/>
-              <a:buNone/>
-            </a:pPr>
-            <a:endParaRPr lang="de-DE" sz="1200" kern="1200" dirty="0" smtClean="0">
-              <a:solidFill>
-                <a:schemeClr val="tx1"/>
-              </a:solidFill>
-              <a:effectLst/>
-              <a:latin typeface="+mn-lt"/>
-              <a:ea typeface="+mn-ea"/>
-              <a:cs typeface="+mn-cs"/>
-            </a:endParaRPr>
-          </a:p>
-          <a:p>
-            <a:pPr marL="0" indent="0">
-              <a:buFont typeface="Arial" panose="020B0604020202020204" pitchFamily="34" charset="0"/>
-              <a:buNone/>
-            </a:pPr>
-            <a:r>
-              <a:rPr lang="de-DE" sz="1200" kern="1200" dirty="0" smtClean="0">
-                <a:solidFill>
-                  <a:schemeClr val="tx1"/>
-                </a:solidFill>
-                <a:effectLst/>
-                <a:latin typeface="+mn-lt"/>
-                <a:ea typeface="+mn-ea"/>
-                <a:cs typeface="+mn-cs"/>
-              </a:rPr>
-              <a:t>Kurz zur </a:t>
-            </a:r>
-            <a:r>
-              <a:rPr lang="de-DE" sz="1200" kern="1200" dirty="0" err="1" smtClean="0">
-                <a:solidFill>
-                  <a:schemeClr val="tx1"/>
-                </a:solidFill>
-                <a:effectLst/>
-                <a:latin typeface="+mn-lt"/>
-                <a:ea typeface="+mn-ea"/>
-                <a:cs typeface="+mn-cs"/>
-              </a:rPr>
-              <a:t>erinnerung</a:t>
-            </a:r>
-            <a:r>
-              <a:rPr lang="de-DE" sz="1200" kern="1200" dirty="0" smtClean="0">
-                <a:solidFill>
-                  <a:schemeClr val="tx1"/>
-                </a:solidFill>
-                <a:effectLst/>
-                <a:latin typeface="+mn-lt"/>
-                <a:ea typeface="+mn-ea"/>
-                <a:cs typeface="+mn-cs"/>
-              </a:rPr>
-              <a:t> (</a:t>
-            </a:r>
-            <a:r>
-              <a:rPr lang="de-DE" sz="1200" kern="1200" dirty="0" err="1" smtClean="0">
-                <a:solidFill>
-                  <a:schemeClr val="tx1"/>
-                </a:solidFill>
-                <a:effectLst/>
-                <a:latin typeface="+mn-lt"/>
-                <a:ea typeface="+mn-ea"/>
-                <a:cs typeface="+mn-cs"/>
-              </a:rPr>
-              <a:t>huina</a:t>
-            </a:r>
-            <a:r>
-              <a:rPr lang="de-DE" sz="1200" kern="1200" dirty="0" smtClean="0">
-                <a:solidFill>
-                  <a:schemeClr val="tx1"/>
-                </a:solidFill>
-                <a:effectLst/>
-                <a:latin typeface="+mn-lt"/>
-                <a:ea typeface="+mn-ea"/>
-                <a:cs typeface="+mn-cs"/>
-              </a:rPr>
-              <a:t> schon erwähnt): Maven selbst kann eigentlich gar nicht so viel bzw. es macht nicht mehr als Plugins einzubinden und ausführbar zu machen. Alle Funktionen sind einzelne Plugins… Grund für </a:t>
-            </a:r>
-            <a:r>
-              <a:rPr lang="de-DE" sz="1200" kern="1200" dirty="0" err="1" smtClean="0">
-                <a:solidFill>
-                  <a:schemeClr val="tx1"/>
-                </a:solidFill>
-                <a:effectLst/>
-                <a:latin typeface="+mn-lt"/>
-                <a:ea typeface="+mn-ea"/>
-                <a:cs typeface="+mn-cs"/>
-              </a:rPr>
-              <a:t>erfolg</a:t>
-            </a:r>
-            <a:r>
-              <a:rPr lang="de-DE" sz="1200" kern="1200" dirty="0" smtClean="0">
-                <a:solidFill>
-                  <a:schemeClr val="tx1"/>
-                </a:solidFill>
-                <a:effectLst/>
-                <a:latin typeface="+mn-lt"/>
-                <a:ea typeface="+mn-ea"/>
-                <a:cs typeface="+mn-cs"/>
-              </a:rPr>
-              <a:t>.</a:t>
-            </a:r>
-          </a:p>
-          <a:p>
-            <a:pPr marL="0" indent="0">
-              <a:buFont typeface="Arial" panose="020B0604020202020204" pitchFamily="34" charset="0"/>
-              <a:buNone/>
-            </a:pPr>
-            <a:endParaRPr lang="de-DE" sz="1200" kern="1200" dirty="0" smtClean="0">
-              <a:solidFill>
-                <a:schemeClr val="tx1"/>
-              </a:solidFill>
-              <a:effectLst/>
-              <a:latin typeface="+mn-lt"/>
-              <a:ea typeface="+mn-ea"/>
-              <a:cs typeface="+mn-cs"/>
-            </a:endParaRPr>
-          </a:p>
-          <a:p>
-            <a:r>
-              <a:rPr lang="de-DE" sz="1200" kern="1200" dirty="0" smtClean="0">
-                <a:solidFill>
-                  <a:schemeClr val="tx1"/>
-                </a:solidFill>
-                <a:effectLst/>
-                <a:latin typeface="+mn-lt"/>
-                <a:ea typeface="+mn-ea"/>
-                <a:cs typeface="+mn-cs"/>
-              </a:rPr>
-              <a:t>Plugins müssen nicht extra installier werden, sondern werden bei Bedarf automatisch</a:t>
-            </a:r>
-            <a:r>
-              <a:rPr lang="de-DE" sz="1200" kern="1200" baseline="0" dirty="0" smtClean="0">
-                <a:solidFill>
-                  <a:schemeClr val="tx1"/>
-                </a:solidFill>
-                <a:effectLst/>
-                <a:latin typeface="+mn-lt"/>
-                <a:ea typeface="+mn-ea"/>
-                <a:cs typeface="+mn-cs"/>
-              </a:rPr>
-              <a:t> </a:t>
-            </a:r>
-            <a:r>
-              <a:rPr lang="de-DE" sz="1200" kern="1200" dirty="0" smtClean="0">
-                <a:solidFill>
-                  <a:schemeClr val="tx1"/>
-                </a:solidFill>
-                <a:effectLst/>
-                <a:latin typeface="+mn-lt"/>
-                <a:ea typeface="+mn-ea"/>
-                <a:cs typeface="+mn-cs"/>
-              </a:rPr>
-              <a:t>vom Repository heruntergeladen</a:t>
-            </a:r>
-          </a:p>
-          <a:p>
-            <a:endParaRPr lang="de-DE" sz="1200" kern="1200" dirty="0" smtClean="0">
-              <a:solidFill>
-                <a:schemeClr val="tx1"/>
-              </a:solidFill>
-              <a:effectLst/>
-              <a:latin typeface="+mn-lt"/>
-              <a:ea typeface="+mn-ea"/>
-              <a:cs typeface="+mn-cs"/>
-            </a:endParaRPr>
-          </a:p>
-          <a:p>
-            <a:r>
-              <a:rPr lang="de-DE" sz="1200" kern="1200" dirty="0" smtClean="0">
-                <a:solidFill>
-                  <a:schemeClr val="tx1"/>
-                </a:solidFill>
-                <a:effectLst/>
-                <a:latin typeface="+mn-lt"/>
-                <a:ea typeface="+mn-ea"/>
-                <a:cs typeface="+mn-cs"/>
-              </a:rPr>
-              <a:t>Ausführung eines Plugins entweder durch POM oder </a:t>
-            </a:r>
-            <a:r>
-              <a:rPr lang="de-DE" sz="1200" kern="1200" dirty="0" err="1" smtClean="0">
-                <a:solidFill>
-                  <a:schemeClr val="tx1"/>
-                </a:solidFill>
-                <a:effectLst/>
-                <a:latin typeface="+mn-lt"/>
-                <a:ea typeface="+mn-ea"/>
-                <a:cs typeface="+mn-cs"/>
-              </a:rPr>
-              <a:t>eingabe</a:t>
-            </a:r>
-            <a:r>
-              <a:rPr lang="de-DE" sz="1200" kern="1200" dirty="0" smtClean="0">
-                <a:solidFill>
-                  <a:schemeClr val="tx1"/>
-                </a:solidFill>
-                <a:effectLst/>
-                <a:latin typeface="+mn-lt"/>
-                <a:ea typeface="+mn-ea"/>
-                <a:cs typeface="+mn-cs"/>
-              </a:rPr>
-              <a:t> in Kommandozeile:</a:t>
-            </a:r>
-          </a:p>
-          <a:p>
-            <a:endParaRPr lang="de-DE" sz="1200" kern="1200" dirty="0" smtClean="0">
-              <a:solidFill>
-                <a:schemeClr val="tx1"/>
-              </a:solidFill>
-              <a:effectLst/>
-              <a:latin typeface="+mn-lt"/>
-              <a:ea typeface="+mn-ea"/>
-              <a:cs typeface="+mn-cs"/>
-            </a:endParaRPr>
-          </a:p>
-          <a:p>
-            <a:r>
-              <a:rPr lang="de-DE" sz="1200" kern="1200" dirty="0" err="1" smtClean="0">
-                <a:solidFill>
-                  <a:schemeClr val="tx1"/>
-                </a:solidFill>
-                <a:effectLst/>
-                <a:latin typeface="+mn-lt"/>
-                <a:ea typeface="+mn-ea"/>
-                <a:cs typeface="+mn-cs"/>
-              </a:rPr>
-              <a:t>groupId</a:t>
-            </a:r>
-            <a:r>
-              <a:rPr lang="de-DE" sz="1200" kern="1200" dirty="0" smtClean="0">
-                <a:solidFill>
-                  <a:schemeClr val="tx1"/>
-                </a:solidFill>
-                <a:effectLst/>
-                <a:latin typeface="+mn-lt"/>
-                <a:ea typeface="+mn-ea"/>
-                <a:cs typeface="+mn-cs"/>
-              </a:rPr>
-              <a:t> und </a:t>
-            </a:r>
-            <a:r>
-              <a:rPr lang="de-DE" sz="1200" kern="1200" dirty="0" err="1" smtClean="0">
-                <a:solidFill>
-                  <a:schemeClr val="tx1"/>
-                </a:solidFill>
-                <a:effectLst/>
-                <a:latin typeface="+mn-lt"/>
-                <a:ea typeface="+mn-ea"/>
-                <a:cs typeface="+mn-cs"/>
-              </a:rPr>
-              <a:t>artifactID</a:t>
-            </a:r>
-            <a:r>
-              <a:rPr lang="de-DE" sz="1200" kern="1200" dirty="0" smtClean="0">
-                <a:solidFill>
-                  <a:schemeClr val="tx1"/>
-                </a:solidFill>
-                <a:effectLst/>
-                <a:latin typeface="+mn-lt"/>
-                <a:ea typeface="+mn-ea"/>
-                <a:cs typeface="+mn-cs"/>
-              </a:rPr>
-              <a:t> identifizieren dabei ein Projekt, zum Beispiel unseren </a:t>
-            </a:r>
-            <a:r>
-              <a:rPr lang="de-DE" sz="1200" kern="1200" dirty="0" err="1" smtClean="0">
-                <a:solidFill>
-                  <a:schemeClr val="tx1"/>
-                </a:solidFill>
-                <a:effectLst/>
-                <a:latin typeface="+mn-lt"/>
-                <a:ea typeface="+mn-ea"/>
-                <a:cs typeface="+mn-cs"/>
-              </a:rPr>
-              <a:t>clashinspector</a:t>
-            </a:r>
-            <a:r>
-              <a:rPr lang="de-DE" sz="1200" kern="1200" dirty="0" smtClean="0">
-                <a:solidFill>
-                  <a:schemeClr val="tx1"/>
-                </a:solidFill>
-                <a:effectLst/>
-                <a:latin typeface="+mn-lt"/>
-                <a:ea typeface="+mn-ea"/>
-                <a:cs typeface="+mn-cs"/>
-              </a:rPr>
-              <a:t>… in </a:t>
-            </a:r>
-            <a:r>
-              <a:rPr lang="de-DE" sz="1200" kern="1200" dirty="0" err="1" smtClean="0">
-                <a:solidFill>
-                  <a:schemeClr val="tx1"/>
-                </a:solidFill>
-                <a:effectLst/>
-                <a:latin typeface="+mn-lt"/>
-                <a:ea typeface="+mn-ea"/>
-                <a:cs typeface="+mn-cs"/>
-              </a:rPr>
-              <a:t>verachiednen</a:t>
-            </a:r>
-            <a:r>
-              <a:rPr lang="de-DE" sz="1200" kern="1200" dirty="0" smtClean="0">
-                <a:solidFill>
-                  <a:schemeClr val="tx1"/>
-                </a:solidFill>
-                <a:effectLst/>
-                <a:latin typeface="+mn-lt"/>
-                <a:ea typeface="+mn-ea"/>
-                <a:cs typeface="+mn-cs"/>
-              </a:rPr>
-              <a:t> </a:t>
-            </a:r>
-            <a:r>
-              <a:rPr lang="de-DE" sz="1200" kern="1200" dirty="0" err="1" smtClean="0">
-                <a:solidFill>
-                  <a:schemeClr val="tx1"/>
-                </a:solidFill>
-                <a:effectLst/>
-                <a:latin typeface="+mn-lt"/>
-                <a:ea typeface="+mn-ea"/>
-                <a:cs typeface="+mn-cs"/>
-              </a:rPr>
-              <a:t>versionen</a:t>
-            </a:r>
-            <a:r>
-              <a:rPr lang="de-DE" sz="1200" kern="1200" dirty="0" smtClean="0">
-                <a:solidFill>
-                  <a:schemeClr val="tx1"/>
-                </a:solidFill>
-                <a:effectLst/>
-                <a:latin typeface="+mn-lt"/>
-                <a:ea typeface="+mn-ea"/>
-                <a:cs typeface="+mn-cs"/>
-              </a:rPr>
-              <a:t>… </a:t>
-            </a:r>
-          </a:p>
-          <a:p>
-            <a:r>
-              <a:rPr lang="de-DE" sz="1200" kern="1200" dirty="0" smtClean="0">
-                <a:solidFill>
-                  <a:schemeClr val="tx1"/>
-                </a:solidFill>
-                <a:effectLst/>
-                <a:latin typeface="+mn-lt"/>
-                <a:ea typeface="+mn-ea"/>
-                <a:cs typeface="+mn-cs"/>
-              </a:rPr>
-              <a:t>Goal gibt an welche </a:t>
-            </a:r>
-            <a:r>
-              <a:rPr lang="de-DE" sz="1200" kern="1200" dirty="0" err="1" smtClean="0">
-                <a:solidFill>
-                  <a:schemeClr val="tx1"/>
-                </a:solidFill>
-                <a:effectLst/>
-                <a:latin typeface="+mn-lt"/>
-                <a:ea typeface="+mn-ea"/>
-                <a:cs typeface="+mn-cs"/>
-              </a:rPr>
-              <a:t>funktion</a:t>
-            </a:r>
-            <a:r>
-              <a:rPr lang="de-DE" sz="1200" kern="1200" baseline="0" dirty="0" smtClean="0">
-                <a:solidFill>
-                  <a:schemeClr val="tx1"/>
-                </a:solidFill>
-                <a:effectLst/>
-                <a:latin typeface="+mn-lt"/>
-                <a:ea typeface="+mn-ea"/>
-                <a:cs typeface="+mn-cs"/>
-              </a:rPr>
-              <a:t> eines </a:t>
-            </a:r>
-            <a:r>
-              <a:rPr lang="de-DE" sz="1200" kern="1200" baseline="0" dirty="0" err="1" smtClean="0">
-                <a:solidFill>
-                  <a:schemeClr val="tx1"/>
-                </a:solidFill>
-                <a:effectLst/>
-                <a:latin typeface="+mn-lt"/>
-                <a:ea typeface="+mn-ea"/>
-                <a:cs typeface="+mn-cs"/>
-              </a:rPr>
-              <a:t>plugins</a:t>
-            </a:r>
-            <a:r>
-              <a:rPr lang="de-DE" sz="1200" kern="1200" baseline="0" dirty="0" smtClean="0">
-                <a:solidFill>
-                  <a:schemeClr val="tx1"/>
-                </a:solidFill>
-                <a:effectLst/>
-                <a:latin typeface="+mn-lt"/>
-                <a:ea typeface="+mn-ea"/>
-                <a:cs typeface="+mn-cs"/>
-              </a:rPr>
-              <a:t> aufgerufen wird</a:t>
-            </a:r>
-            <a:endParaRPr lang="de-DE" sz="1200" kern="1200" dirty="0" smtClean="0">
-              <a:solidFill>
-                <a:schemeClr val="tx1"/>
-              </a:solidFill>
-              <a:effectLst/>
-              <a:latin typeface="+mn-lt"/>
-              <a:ea typeface="+mn-ea"/>
-              <a:cs typeface="+mn-cs"/>
-            </a:endParaRPr>
-          </a:p>
-          <a:p>
-            <a:endParaRPr lang="en-US" i="1" dirty="0" smtClean="0"/>
+            <a:r>
+              <a:rPr lang="de-DE" dirty="0" smtClean="0"/>
+              <a:t>An dieser Stelle </a:t>
+            </a:r>
+            <a:r>
+              <a:rPr lang="de-DE" dirty="0" err="1" smtClean="0"/>
+              <a:t>demo</a:t>
+            </a:r>
+            <a:r>
+              <a:rPr lang="de-DE" dirty="0" smtClean="0"/>
+              <a:t> zwischenschieben</a:t>
+            </a:r>
+            <a:r>
+              <a:rPr lang="de-DE" baseline="0" dirty="0" smtClean="0"/>
+              <a:t> um zu zeigen wie unser </a:t>
+            </a:r>
+            <a:r>
+              <a:rPr lang="de-DE" baseline="0" dirty="0" err="1" smtClean="0"/>
+              <a:t>plugin</a:t>
+            </a:r>
+            <a:r>
+              <a:rPr lang="de-DE" baseline="0" dirty="0" smtClean="0"/>
+              <a:t> bisher funktioniert, damit man sich auch etwas vorstellen kann</a:t>
+            </a:r>
+          </a:p>
+          <a:p>
+            <a:endParaRPr lang="de-DE" baseline="0" dirty="0" smtClean="0"/>
+          </a:p>
+          <a:p>
+            <a:r>
+              <a:rPr lang="de-DE" baseline="0" dirty="0" smtClean="0"/>
+              <a:t>Da wir die Kommandozeile bereits </a:t>
+            </a:r>
+            <a:r>
+              <a:rPr lang="de-DE" baseline="0" dirty="0" err="1" smtClean="0"/>
+              <a:t>letztres</a:t>
+            </a:r>
+            <a:r>
+              <a:rPr lang="de-DE" baseline="0" dirty="0" smtClean="0"/>
+              <a:t> Mal vorgestellt haben wollen wir uns heute bei der Demo auf unser </a:t>
+            </a:r>
+            <a:r>
+              <a:rPr lang="de-DE" baseline="0" dirty="0" err="1" smtClean="0"/>
+              <a:t>Html</a:t>
+            </a:r>
+            <a:r>
+              <a:rPr lang="de-DE" baseline="0" dirty="0" smtClean="0"/>
+              <a:t>-Goal konzentrieren</a:t>
+            </a:r>
+            <a:endParaRPr lang="de-DE" dirty="0"/>
           </a:p>
         </p:txBody>
       </p:sp>
@@ -8216,7 +7827,7 @@
     </p:spTree>
     <p:extLst>
       <p:ext uri="{BB962C8B-B14F-4D97-AF65-F5344CB8AC3E}">
-        <p14:creationId xmlns:p14="http://schemas.microsoft.com/office/powerpoint/2010/main" val="1429224159"/>
+        <p14:creationId xmlns:p14="http://schemas.microsoft.com/office/powerpoint/2010/main" val="895408646"/>
       </p:ext>
     </p:extLst>
   </p:cSld>
@@ -8271,61 +7882,334 @@
           <a:lstStyle/>
           <a:p>
             <a:r>
-              <a:rPr lang="de-DE" dirty="0" smtClean="0"/>
-              <a:t>An dieser </a:t>
-            </a:r>
-            <a:r>
-              <a:rPr lang="de-DE" dirty="0" smtClean="0"/>
-              <a:t>Stelle </a:t>
-            </a:r>
-            <a:r>
-              <a:rPr lang="de-DE" dirty="0" err="1" smtClean="0"/>
-              <a:t>demo</a:t>
-            </a:r>
-            <a:r>
-              <a:rPr lang="de-DE" dirty="0" smtClean="0"/>
-              <a:t> zwischenschieben</a:t>
-            </a:r>
-            <a:r>
-              <a:rPr lang="de-DE" baseline="0" dirty="0" smtClean="0"/>
-              <a:t> um zu zeigen wie unser </a:t>
-            </a:r>
-            <a:r>
-              <a:rPr lang="de-DE" baseline="0" dirty="0" err="1" smtClean="0"/>
+              <a:rPr lang="de-DE" sz="1200" kern="1200" dirty="0" smtClean="0">
+                <a:solidFill>
+                  <a:schemeClr val="tx1"/>
+                </a:solidFill>
+                <a:effectLst/>
+                <a:latin typeface="+mn-lt"/>
+                <a:ea typeface="+mn-ea"/>
+                <a:cs typeface="+mn-cs"/>
+              </a:rPr>
+              <a:t>Status Quo und einem kleinen Ausblick.</a:t>
+            </a:r>
+          </a:p>
+          <a:p>
+            <a:endParaRPr lang="de-DE" sz="1200" kern="1200" dirty="0" smtClean="0">
+              <a:solidFill>
+                <a:schemeClr val="tx1"/>
+              </a:solidFill>
+              <a:effectLst/>
+              <a:latin typeface="+mn-lt"/>
+              <a:ea typeface="+mn-ea"/>
+              <a:cs typeface="+mn-cs"/>
+            </a:endParaRPr>
+          </a:p>
+          <a:p>
+            <a:r>
+              <a:rPr lang="de-DE" sz="1200" kern="1200" dirty="0" smtClean="0">
+                <a:solidFill>
+                  <a:schemeClr val="tx1"/>
+                </a:solidFill>
+                <a:effectLst/>
+                <a:latin typeface="+mn-lt"/>
+                <a:ea typeface="+mn-ea"/>
+                <a:cs typeface="+mn-cs"/>
+              </a:rPr>
+              <a:t>Gantt </a:t>
+            </a:r>
+            <a:r>
+              <a:rPr lang="de-DE" sz="1200" kern="1200" dirty="0" err="1" smtClean="0">
+                <a:solidFill>
+                  <a:schemeClr val="tx1"/>
+                </a:solidFill>
+                <a:effectLst/>
+                <a:latin typeface="+mn-lt"/>
+                <a:ea typeface="+mn-ea"/>
+                <a:cs typeface="+mn-cs"/>
+              </a:rPr>
+              <a:t>diagram</a:t>
+            </a:r>
+            <a:r>
+              <a:rPr lang="de-DE" sz="1200" kern="1200" dirty="0" smtClean="0">
+                <a:solidFill>
+                  <a:schemeClr val="tx1"/>
+                </a:solidFill>
+                <a:effectLst/>
+                <a:latin typeface="+mn-lt"/>
+                <a:ea typeface="+mn-ea"/>
+                <a:cs typeface="+mn-cs"/>
+              </a:rPr>
+              <a:t>. Grün bedeutet erledigt … blau bedeutet muss noch erledigt werden….</a:t>
+            </a:r>
+          </a:p>
+          <a:p>
+            <a:endParaRPr lang="de-DE" sz="1200" kern="1200" dirty="0" smtClean="0">
+              <a:solidFill>
+                <a:schemeClr val="tx1"/>
+              </a:solidFill>
+              <a:effectLst/>
+              <a:latin typeface="+mn-lt"/>
+              <a:ea typeface="+mn-ea"/>
+              <a:cs typeface="+mn-cs"/>
+            </a:endParaRPr>
+          </a:p>
+          <a:p>
+            <a:r>
+              <a:rPr lang="de-DE" sz="1200" kern="1200" dirty="0" smtClean="0">
+                <a:solidFill>
+                  <a:schemeClr val="tx1"/>
+                </a:solidFill>
+                <a:effectLst/>
+                <a:latin typeface="+mn-lt"/>
+                <a:ea typeface="+mn-ea"/>
+                <a:cs typeface="+mn-cs"/>
+              </a:rPr>
+              <a:t>Wir befinden uns jetzt gerade ende </a:t>
+            </a:r>
+            <a:r>
+              <a:rPr lang="de-DE" sz="1200" kern="1200" dirty="0" err="1" smtClean="0">
+                <a:solidFill>
+                  <a:schemeClr val="tx1"/>
+                </a:solidFill>
+                <a:effectLst/>
+                <a:latin typeface="+mn-lt"/>
+                <a:ea typeface="+mn-ea"/>
+                <a:cs typeface="+mn-cs"/>
+              </a:rPr>
+              <a:t>juni</a:t>
+            </a:r>
+            <a:r>
+              <a:rPr lang="de-DE" sz="1200" kern="1200" dirty="0" smtClean="0">
+                <a:solidFill>
+                  <a:schemeClr val="tx1"/>
+                </a:solidFill>
+                <a:effectLst/>
+                <a:latin typeface="+mn-lt"/>
+                <a:ea typeface="+mn-ea"/>
+                <a:cs typeface="+mn-cs"/>
+              </a:rPr>
+              <a:t>… kurz nach dem ersten </a:t>
+            </a:r>
+            <a:r>
+              <a:rPr lang="de-DE" sz="1200" kern="1200" dirty="0" err="1" smtClean="0">
+                <a:solidFill>
+                  <a:schemeClr val="tx1"/>
+                </a:solidFill>
+                <a:effectLst/>
+                <a:latin typeface="+mn-lt"/>
+                <a:ea typeface="+mn-ea"/>
+                <a:cs typeface="+mn-cs"/>
+              </a:rPr>
+              <a:t>release</a:t>
+            </a:r>
+            <a:r>
+              <a:rPr lang="de-DE" sz="1200" kern="1200" baseline="0" dirty="0" smtClean="0">
+                <a:solidFill>
+                  <a:schemeClr val="tx1"/>
+                </a:solidFill>
+                <a:effectLst/>
+                <a:latin typeface="+mn-lt"/>
+                <a:ea typeface="+mn-ea"/>
+                <a:cs typeface="+mn-cs"/>
+              </a:rPr>
+              <a:t> (</a:t>
+            </a:r>
+            <a:r>
+              <a:rPr lang="de-DE" sz="1200" kern="1200" baseline="0" dirty="0" err="1" smtClean="0">
+                <a:solidFill>
+                  <a:schemeClr val="tx1"/>
+                </a:solidFill>
+                <a:effectLst/>
+                <a:latin typeface="+mn-lt"/>
+                <a:ea typeface="+mn-ea"/>
+                <a:cs typeface="+mn-cs"/>
+              </a:rPr>
               <a:t>plugin</a:t>
             </a:r>
             <a:r>
-              <a:rPr lang="de-DE" baseline="0" dirty="0" smtClean="0"/>
-              <a:t> bisher funktioniert, damit man sich auch etwas vorstellen </a:t>
-            </a:r>
-            <a:r>
-              <a:rPr lang="de-DE" baseline="0" dirty="0" smtClean="0"/>
-              <a:t>kann</a:t>
-            </a:r>
-          </a:p>
-          <a:p>
-            <a:endParaRPr lang="de-DE" baseline="0" dirty="0" smtClean="0"/>
-          </a:p>
-          <a:p>
-            <a:r>
-              <a:rPr lang="de-DE" baseline="0" dirty="0" smtClean="0"/>
-              <a:t>Da wir die Kommandozeile bereits </a:t>
-            </a:r>
-            <a:r>
-              <a:rPr lang="de-DE" baseline="0" dirty="0" err="1" smtClean="0"/>
-              <a:t>letztres</a:t>
-            </a:r>
-            <a:r>
-              <a:rPr lang="de-DE" baseline="0" dirty="0" smtClean="0"/>
-              <a:t> Mal vorgestellt haben wollen wir uns heute bei der Demo auf unser </a:t>
-            </a:r>
-            <a:r>
-              <a:rPr lang="de-DE" baseline="0" dirty="0" err="1" smtClean="0"/>
-              <a:t>Html</a:t>
-            </a:r>
-            <a:r>
-              <a:rPr lang="de-DE" baseline="0" dirty="0" smtClean="0"/>
-              <a:t>-Goal konzentrieren</a:t>
+              <a:rPr lang="de-DE" sz="1200" kern="1200" baseline="0" dirty="0" smtClean="0">
+                <a:solidFill>
+                  <a:schemeClr val="tx1"/>
+                </a:solidFill>
+                <a:effectLst/>
+                <a:latin typeface="+mn-lt"/>
+                <a:ea typeface="+mn-ea"/>
+                <a:cs typeface="+mn-cs"/>
+              </a:rPr>
+              <a:t> schon einsatzfähig online)</a:t>
+            </a:r>
+            <a:r>
+              <a:rPr lang="de-DE" sz="1200" kern="1200" dirty="0" smtClean="0">
+                <a:solidFill>
+                  <a:schemeClr val="tx1"/>
+                </a:solidFill>
+                <a:effectLst/>
+                <a:latin typeface="+mn-lt"/>
+                <a:ea typeface="+mn-ea"/>
+                <a:cs typeface="+mn-cs"/>
+              </a:rPr>
+              <a:t> </a:t>
+            </a:r>
+          </a:p>
+          <a:p>
+            <a:endParaRPr lang="de-DE" sz="1200" kern="1200" dirty="0" smtClean="0">
+              <a:solidFill>
+                <a:schemeClr val="tx1"/>
+              </a:solidFill>
+              <a:effectLst/>
+              <a:latin typeface="+mn-lt"/>
+              <a:ea typeface="+mn-ea"/>
+              <a:cs typeface="+mn-cs"/>
+            </a:endParaRPr>
+          </a:p>
+          <a:p>
+            <a:r>
+              <a:rPr lang="de-DE" sz="1200" kern="1200" dirty="0" smtClean="0">
+                <a:solidFill>
+                  <a:schemeClr val="tx1"/>
+                </a:solidFill>
+                <a:effectLst/>
+                <a:latin typeface="+mn-lt"/>
+                <a:ea typeface="+mn-ea"/>
+                <a:cs typeface="+mn-cs"/>
+              </a:rPr>
+              <a:t>Nächsten wichtige schritte: Plugin bewerben, Userzahlen generieren ||| </a:t>
+            </a:r>
+            <a:r>
+              <a:rPr lang="de-DE" sz="1200" kern="1200" dirty="0" err="1" smtClean="0">
+                <a:solidFill>
+                  <a:schemeClr val="tx1"/>
+                </a:solidFill>
+                <a:effectLst/>
+                <a:latin typeface="+mn-lt"/>
+                <a:ea typeface="+mn-ea"/>
+                <a:cs typeface="+mn-cs"/>
+              </a:rPr>
+              <a:t>feedback</a:t>
+            </a:r>
+            <a:r>
+              <a:rPr lang="de-DE" sz="1200" kern="1200" dirty="0" smtClean="0">
+                <a:solidFill>
+                  <a:schemeClr val="tx1"/>
+                </a:solidFill>
+                <a:effectLst/>
+                <a:latin typeface="+mn-lt"/>
+                <a:ea typeface="+mn-ea"/>
+                <a:cs typeface="+mn-cs"/>
+              </a:rPr>
+              <a:t> eingehen, die </a:t>
+            </a:r>
+            <a:r>
+              <a:rPr lang="de-DE" sz="1200" kern="1200" dirty="0" err="1" smtClean="0">
+                <a:solidFill>
+                  <a:schemeClr val="tx1"/>
+                </a:solidFill>
+                <a:effectLst/>
+                <a:latin typeface="+mn-lt"/>
+                <a:ea typeface="+mn-ea"/>
+                <a:cs typeface="+mn-cs"/>
+              </a:rPr>
+              <a:t>dokumentation</a:t>
+            </a:r>
+            <a:r>
+              <a:rPr lang="de-DE" sz="1200" kern="1200" dirty="0" smtClean="0">
+                <a:solidFill>
+                  <a:schemeClr val="tx1"/>
+                </a:solidFill>
+                <a:effectLst/>
+                <a:latin typeface="+mn-lt"/>
+                <a:ea typeface="+mn-ea"/>
+                <a:cs typeface="+mn-cs"/>
+              </a:rPr>
+              <a:t> (Site) weiter zu pflegen… </a:t>
+            </a:r>
+          </a:p>
+          <a:p>
+            <a:r>
+              <a:rPr lang="de-DE" sz="1200" kern="1200" dirty="0" smtClean="0">
+                <a:solidFill>
+                  <a:schemeClr val="tx1"/>
+                </a:solidFill>
+                <a:effectLst/>
+                <a:latin typeface="+mn-lt"/>
+                <a:ea typeface="+mn-ea"/>
+                <a:cs typeface="+mn-cs"/>
+              </a:rPr>
+              <a:t>Weitere entwicklungsaufgaben und gegen ende Juni wollen wir dann den zweiten größeren Release durchführen. Dazwischen können natürlich noch </a:t>
+            </a:r>
+            <a:r>
+              <a:rPr lang="de-DE" sz="1200" kern="1200" dirty="0" err="1" smtClean="0">
+                <a:solidFill>
+                  <a:schemeClr val="tx1"/>
+                </a:solidFill>
+                <a:effectLst/>
+                <a:latin typeface="+mn-lt"/>
+                <a:ea typeface="+mn-ea"/>
+                <a:cs typeface="+mn-cs"/>
+              </a:rPr>
+              <a:t>kleineere</a:t>
+            </a:r>
+            <a:r>
+              <a:rPr lang="de-DE" sz="1200" kern="1200" dirty="0" smtClean="0">
+                <a:solidFill>
+                  <a:schemeClr val="tx1"/>
+                </a:solidFill>
+                <a:effectLst/>
+                <a:latin typeface="+mn-lt"/>
+                <a:ea typeface="+mn-ea"/>
+                <a:cs typeface="+mn-cs"/>
+              </a:rPr>
+              <a:t> Releases stattfinden.</a:t>
+            </a:r>
+          </a:p>
+          <a:p>
+            <a:endParaRPr lang="de-DE" sz="1200" kern="1200" dirty="0" smtClean="0">
+              <a:solidFill>
+                <a:schemeClr val="tx1"/>
+              </a:solidFill>
+              <a:effectLst/>
+              <a:latin typeface="+mn-lt"/>
+              <a:ea typeface="+mn-ea"/>
+              <a:cs typeface="+mn-cs"/>
+            </a:endParaRPr>
+          </a:p>
+          <a:p>
+            <a:r>
+              <a:rPr lang="de-DE" sz="1200" kern="1200" dirty="0" smtClean="0">
+                <a:solidFill>
+                  <a:schemeClr val="tx1"/>
+                </a:solidFill>
+                <a:effectLst/>
+                <a:latin typeface="+mn-lt"/>
+                <a:ea typeface="+mn-ea"/>
+                <a:cs typeface="+mn-cs"/>
+              </a:rPr>
+              <a:t>Um auch nochmal kurz auf den Funktionsumfang einzugehen, Bild von zuvor, </a:t>
+            </a:r>
+            <a:r>
+              <a:rPr lang="de-DE" sz="1200" kern="1200" dirty="0" err="1" smtClean="0">
+                <a:solidFill>
+                  <a:schemeClr val="tx1"/>
+                </a:solidFill>
+                <a:effectLst/>
+                <a:latin typeface="+mn-lt"/>
+                <a:ea typeface="+mn-ea"/>
+                <a:cs typeface="+mn-cs"/>
+              </a:rPr>
+              <a:t>martin</a:t>
+            </a:r>
+            <a:r>
+              <a:rPr lang="de-DE" sz="1200" kern="1200" dirty="0" smtClean="0">
+                <a:solidFill>
+                  <a:schemeClr val="tx1"/>
+                </a:solidFill>
+                <a:effectLst/>
+                <a:latin typeface="+mn-lt"/>
+                <a:ea typeface="+mn-ea"/>
+                <a:cs typeface="+mn-cs"/>
+              </a:rPr>
+              <a:t> schon gezeigt hat. </a:t>
             </a:r>
             <a:endParaRPr lang="de-DE" dirty="0"/>
           </a:p>
@@ -8357,7 +8241,7 @@
     </p:spTree>
     <p:extLst>
       <p:ext uri="{BB962C8B-B14F-4D97-AF65-F5344CB8AC3E}">
-        <p14:creationId xmlns:p14="http://schemas.microsoft.com/office/powerpoint/2010/main" val="895408646"/>
+        <p14:creationId xmlns:p14="http://schemas.microsoft.com/office/powerpoint/2010/main" val="2024908320"/>
       </p:ext>
     </p:extLst>
   </p:cSld>
@@ -8421,11 +8305,253 @@
                 <a:ea typeface="+mn-ea"/>
                 <a:cs typeface="+mn-cs"/>
               </a:rPr>
-              <a:t>Status Quo und einem kleinen Ausblick.</a:t>
-            </a:r>
-          </a:p>
-          <a:p>
-            <a:endParaRPr lang="de-DE" sz="1200" kern="1200" dirty="0" smtClean="0">
+              <a:t>Projekt</a:t>
+            </a:r>
+            <a:r>
+              <a:rPr lang="de-DE" sz="1200" kern="1200" baseline="0" dirty="0" smtClean="0">
+                <a:solidFill>
+                  <a:schemeClr val="tx1"/>
+                </a:solidFill>
+                <a:effectLst/>
+                <a:latin typeface="+mn-lt"/>
+                <a:ea typeface="+mn-ea"/>
+                <a:cs typeface="+mn-cs"/>
+              </a:rPr>
+              <a:t> </a:t>
+            </a:r>
+            <a:r>
+              <a:rPr lang="de-DE" sz="1200" kern="1200" baseline="0" dirty="0" err="1" smtClean="0">
+                <a:solidFill>
+                  <a:schemeClr val="tx1"/>
+                </a:solidFill>
+                <a:effectLst/>
+                <a:latin typeface="+mn-lt"/>
+                <a:ea typeface="+mn-ea"/>
+                <a:cs typeface="+mn-cs"/>
+              </a:rPr>
+              <a:t>Jigsaw</a:t>
+            </a:r>
+            <a:r>
+              <a:rPr lang="de-DE" sz="1200" kern="1200" baseline="0" dirty="0" smtClean="0">
+                <a:solidFill>
+                  <a:schemeClr val="tx1"/>
+                </a:solidFill>
+                <a:effectLst/>
+                <a:latin typeface="+mn-lt"/>
+                <a:ea typeface="+mn-ea"/>
+                <a:cs typeface="+mn-cs"/>
+              </a:rPr>
+              <a:t> zur Modularisierung von Java… </a:t>
+            </a:r>
+            <a:r>
+              <a:rPr lang="de-DE" sz="1200" kern="1200" baseline="0" dirty="0" err="1" smtClean="0">
+                <a:solidFill>
+                  <a:schemeClr val="tx1"/>
+                </a:solidFill>
+                <a:effectLst/>
+                <a:latin typeface="+mn-lt"/>
+                <a:ea typeface="+mn-ea"/>
+                <a:cs typeface="+mn-cs"/>
+              </a:rPr>
+              <a:t>abhängigkeiten</a:t>
+            </a:r>
+            <a:r>
+              <a:rPr lang="de-DE" sz="1200" kern="1200" baseline="0" dirty="0" smtClean="0">
+                <a:solidFill>
+                  <a:schemeClr val="tx1"/>
+                </a:solidFill>
+                <a:effectLst/>
+                <a:latin typeface="+mn-lt"/>
+                <a:ea typeface="+mn-ea"/>
+                <a:cs typeface="+mn-cs"/>
+              </a:rPr>
+              <a:t> aus </a:t>
+            </a:r>
+            <a:r>
+              <a:rPr lang="de-DE" sz="1200" kern="1200" baseline="0" dirty="0" err="1" smtClean="0">
+                <a:solidFill>
+                  <a:schemeClr val="tx1"/>
+                </a:solidFill>
+                <a:effectLst/>
+                <a:latin typeface="+mn-lt"/>
+                <a:ea typeface="+mn-ea"/>
+                <a:cs typeface="+mn-cs"/>
+              </a:rPr>
+              <a:t>untershciedlichen</a:t>
+            </a:r>
+            <a:r>
+              <a:rPr lang="de-DE" sz="1200" kern="1200" baseline="0" dirty="0" smtClean="0">
+                <a:solidFill>
+                  <a:schemeClr val="tx1"/>
+                </a:solidFill>
+                <a:effectLst/>
+                <a:latin typeface="+mn-lt"/>
+                <a:ea typeface="+mn-ea"/>
+                <a:cs typeface="+mn-cs"/>
+              </a:rPr>
+              <a:t> </a:t>
+            </a:r>
+            <a:r>
+              <a:rPr lang="de-DE" sz="1200" kern="1200" baseline="0" dirty="0" err="1" smtClean="0">
+                <a:solidFill>
+                  <a:schemeClr val="tx1"/>
+                </a:solidFill>
+                <a:effectLst/>
+                <a:latin typeface="+mn-lt"/>
+                <a:ea typeface="+mn-ea"/>
+                <a:cs typeface="+mn-cs"/>
+              </a:rPr>
+              <a:t>Jars</a:t>
+            </a:r>
+            <a:r>
+              <a:rPr lang="de-DE" sz="1200" kern="1200" baseline="0" dirty="0" smtClean="0">
+                <a:solidFill>
+                  <a:schemeClr val="tx1"/>
+                </a:solidFill>
+                <a:effectLst/>
+                <a:latin typeface="+mn-lt"/>
+                <a:ea typeface="+mn-ea"/>
+                <a:cs typeface="+mn-cs"/>
+              </a:rPr>
+              <a:t> können verwendet werden…</a:t>
+            </a:r>
+          </a:p>
+          <a:p>
+            <a:r>
+              <a:rPr lang="de-DE" sz="1200" kern="1200" baseline="0" dirty="0" smtClean="0">
+                <a:solidFill>
+                  <a:schemeClr val="tx1"/>
+                </a:solidFill>
+                <a:effectLst/>
+                <a:latin typeface="+mn-lt"/>
+                <a:ea typeface="+mn-ea"/>
+                <a:cs typeface="+mn-cs"/>
+              </a:rPr>
+              <a:t>Geplant war </a:t>
+            </a:r>
+            <a:r>
+              <a:rPr lang="de-DE" sz="1200" kern="1200" baseline="0" dirty="0" err="1" smtClean="0">
+                <a:solidFill>
+                  <a:schemeClr val="tx1"/>
+                </a:solidFill>
+                <a:effectLst/>
+                <a:latin typeface="+mn-lt"/>
+                <a:ea typeface="+mn-ea"/>
+                <a:cs typeface="+mn-cs"/>
+              </a:rPr>
+              <a:t>Jigsaw</a:t>
+            </a:r>
+            <a:r>
+              <a:rPr lang="de-DE" sz="1200" kern="1200" baseline="0" dirty="0" smtClean="0">
+                <a:solidFill>
+                  <a:schemeClr val="tx1"/>
+                </a:solidFill>
+                <a:effectLst/>
+                <a:latin typeface="+mn-lt"/>
+                <a:ea typeface="+mn-ea"/>
+                <a:cs typeface="+mn-cs"/>
+              </a:rPr>
+              <a:t> schon für </a:t>
+            </a:r>
+            <a:r>
+              <a:rPr lang="de-DE" sz="1200" kern="1200" baseline="0" dirty="0" err="1" smtClean="0">
+                <a:solidFill>
+                  <a:schemeClr val="tx1"/>
+                </a:solidFill>
+                <a:effectLst/>
+                <a:latin typeface="+mn-lt"/>
+                <a:ea typeface="+mn-ea"/>
+                <a:cs typeface="+mn-cs"/>
+              </a:rPr>
+              <a:t>java</a:t>
+            </a:r>
+            <a:r>
+              <a:rPr lang="de-DE" sz="1200" kern="1200" baseline="0" dirty="0" smtClean="0">
+                <a:solidFill>
+                  <a:schemeClr val="tx1"/>
+                </a:solidFill>
+                <a:effectLst/>
+                <a:latin typeface="+mn-lt"/>
+                <a:ea typeface="+mn-ea"/>
+                <a:cs typeface="+mn-cs"/>
+              </a:rPr>
+              <a:t> 7. Im </a:t>
+            </a:r>
+            <a:r>
+              <a:rPr lang="de-DE" sz="1200" kern="1200" baseline="0" dirty="0" err="1" smtClean="0">
+                <a:solidFill>
+                  <a:schemeClr val="tx1"/>
+                </a:solidFill>
+                <a:effectLst/>
+                <a:latin typeface="+mn-lt"/>
+                <a:ea typeface="+mn-ea"/>
+                <a:cs typeface="+mn-cs"/>
+              </a:rPr>
+              <a:t>jahr</a:t>
+            </a:r>
+            <a:r>
+              <a:rPr lang="de-DE" sz="1200" kern="1200" baseline="0" dirty="0" smtClean="0">
+                <a:solidFill>
+                  <a:schemeClr val="tx1"/>
+                </a:solidFill>
+                <a:effectLst/>
+                <a:latin typeface="+mn-lt"/>
+                <a:ea typeface="+mn-ea"/>
+                <a:cs typeface="+mn-cs"/>
+              </a:rPr>
+              <a:t> 2010 verschoben auf Java 8… Nachdem Java 8 veröffentlicht wurde wird mit </a:t>
+            </a:r>
+            <a:r>
+              <a:rPr lang="de-DE" sz="1200" kern="1200" baseline="0" dirty="0" err="1" smtClean="0">
+                <a:solidFill>
+                  <a:schemeClr val="tx1"/>
+                </a:solidFill>
+                <a:effectLst/>
+                <a:latin typeface="+mn-lt"/>
+                <a:ea typeface="+mn-ea"/>
+                <a:cs typeface="+mn-cs"/>
+              </a:rPr>
+              <a:t>jigsaw</a:t>
+            </a:r>
+            <a:r>
+              <a:rPr lang="de-DE" sz="1200" kern="1200" baseline="0" dirty="0" smtClean="0">
+                <a:solidFill>
+                  <a:schemeClr val="tx1"/>
+                </a:solidFill>
+                <a:effectLst/>
+                <a:latin typeface="+mn-lt"/>
+                <a:ea typeface="+mn-ea"/>
+                <a:cs typeface="+mn-cs"/>
+              </a:rPr>
+              <a:t> frühestens mit Java 9 im Jahr 2016 (2 </a:t>
+            </a:r>
+            <a:r>
+              <a:rPr lang="de-DE" sz="1200" kern="1200" baseline="0" dirty="0" err="1" smtClean="0">
+                <a:solidFill>
+                  <a:schemeClr val="tx1"/>
+                </a:solidFill>
+                <a:effectLst/>
+                <a:latin typeface="+mn-lt"/>
+                <a:ea typeface="+mn-ea"/>
+                <a:cs typeface="+mn-cs"/>
+              </a:rPr>
+              <a:t>Jahresrythmus</a:t>
+            </a:r>
+            <a:r>
+              <a:rPr lang="de-DE" sz="1200" kern="1200" baseline="0" dirty="0" smtClean="0">
+                <a:solidFill>
+                  <a:schemeClr val="tx1"/>
+                </a:solidFill>
+                <a:effectLst/>
+                <a:latin typeface="+mn-lt"/>
+                <a:ea typeface="+mn-ea"/>
+                <a:cs typeface="+mn-cs"/>
+              </a:rPr>
+              <a:t>) gerechnet.</a:t>
+            </a:r>
+          </a:p>
+          <a:p>
+            <a:endParaRPr lang="de-DE" sz="1200" kern="1200" baseline="0" dirty="0" smtClean="0">
               <a:solidFill>
                 <a:schemeClr val="tx1"/>
               </a:solidFill>
@@ -8437,7 +8563,7 @@
           </a:p>
           <a:p>
             <a:r>
-              <a:rPr lang="de-DE" sz="1200" kern="1200" dirty="0" smtClean="0">
+              <a:rPr lang="de-DE" sz="1200" kern="1200" baseline="0" dirty="0" err="1" smtClean="0">
                 <a:solidFill>
                   <a:schemeClr val="tx1"/>
                 </a:solidFill>
@@ -8446,10 +8572,10 @@
                 <a:ea typeface="+mn-ea"/>
                 <a:cs typeface="+mn-cs"/>
               </a:rPr>
-              <a:t>Gantt </a:t>
-            </a:r>
-            <a:r>
-              <a:rPr lang="de-DE" sz="1200" kern="1200" dirty="0" err="1" smtClean="0">
+              <a:t>Jigsaw</a:t>
+            </a:r>
+            <a:r>
+              <a:rPr lang="de-DE" sz="1200" kern="1200" baseline="0" dirty="0" smtClean="0">
                 <a:solidFill>
                   <a:schemeClr val="tx1"/>
                 </a:solidFill>
@@ -8458,10 +8584,10 @@
                 <a:ea typeface="+mn-ea"/>
                 <a:cs typeface="+mn-cs"/>
               </a:rPr>
-              <a:t>diagram</a:t>
-            </a:r>
-            <a:r>
-              <a:rPr lang="de-DE" sz="1200" kern="1200" dirty="0" smtClean="0">
+              <a:t> könnte unseren </a:t>
+            </a:r>
+            <a:r>
+              <a:rPr lang="de-DE" sz="1200" kern="1200" baseline="0" dirty="0" err="1" smtClean="0">
                 <a:solidFill>
                   <a:schemeClr val="tx1"/>
                 </a:solidFill>
@@ -8470,11 +8596,95 @@
                 <a:ea typeface="+mn-ea"/>
                 <a:cs typeface="+mn-cs"/>
               </a:rPr>
-              <a:t>. Grün bedeutet erledigt … blau bedeutet muss noch erledigt werden….</a:t>
-            </a:r>
-          </a:p>
-          <a:p>
-            <a:endParaRPr lang="de-DE" sz="1200" kern="1200" dirty="0" smtClean="0">
+              <a:t>Clashinspector</a:t>
+            </a:r>
+            <a:r>
+              <a:rPr lang="de-DE" sz="1200" kern="1200" baseline="0" dirty="0" smtClean="0">
+                <a:solidFill>
+                  <a:schemeClr val="tx1"/>
+                </a:solidFill>
+                <a:effectLst/>
+                <a:latin typeface="+mn-lt"/>
+                <a:ea typeface="+mn-ea"/>
+                <a:cs typeface="+mn-cs"/>
+              </a:rPr>
+              <a:t> eines Tages unnötig machen, aber so weit wollen wir noch nicht denken, denn bisher wurde </a:t>
+            </a:r>
+            <a:r>
+              <a:rPr lang="de-DE" sz="1200" kern="1200" baseline="0" dirty="0" err="1" smtClean="0">
+                <a:solidFill>
+                  <a:schemeClr val="tx1"/>
+                </a:solidFill>
+                <a:effectLst/>
+                <a:latin typeface="+mn-lt"/>
+                <a:ea typeface="+mn-ea"/>
+                <a:cs typeface="+mn-cs"/>
+              </a:rPr>
+              <a:t>Jigsaw</a:t>
+            </a:r>
+            <a:r>
+              <a:rPr lang="de-DE" sz="1200" kern="1200" baseline="0" dirty="0" smtClean="0">
+                <a:solidFill>
+                  <a:schemeClr val="tx1"/>
+                </a:solidFill>
+                <a:effectLst/>
+                <a:latin typeface="+mn-lt"/>
+                <a:ea typeface="+mn-ea"/>
+                <a:cs typeface="+mn-cs"/>
+              </a:rPr>
+              <a:t> erfolgreich von Release zu </a:t>
+            </a:r>
+            <a:r>
+              <a:rPr lang="de-DE" sz="1200" kern="1200" baseline="0" dirty="0" err="1" smtClean="0">
+                <a:solidFill>
+                  <a:schemeClr val="tx1"/>
+                </a:solidFill>
+                <a:effectLst/>
+                <a:latin typeface="+mn-lt"/>
+                <a:ea typeface="+mn-ea"/>
+                <a:cs typeface="+mn-cs"/>
+              </a:rPr>
+              <a:t>release</a:t>
+            </a:r>
+            <a:r>
+              <a:rPr lang="de-DE" sz="1200" kern="1200" baseline="0" dirty="0" smtClean="0">
+                <a:solidFill>
+                  <a:schemeClr val="tx1"/>
+                </a:solidFill>
+                <a:effectLst/>
+                <a:latin typeface="+mn-lt"/>
+                <a:ea typeface="+mn-ea"/>
+                <a:cs typeface="+mn-cs"/>
+              </a:rPr>
+              <a:t> verschoben und bis dahin kann unser </a:t>
+            </a:r>
+            <a:r>
+              <a:rPr lang="de-DE" sz="1200" kern="1200" baseline="0" dirty="0" err="1" smtClean="0">
+                <a:solidFill>
+                  <a:schemeClr val="tx1"/>
+                </a:solidFill>
+                <a:effectLst/>
+                <a:latin typeface="+mn-lt"/>
+                <a:ea typeface="+mn-ea"/>
+                <a:cs typeface="+mn-cs"/>
+              </a:rPr>
+              <a:t>Clashinspector</a:t>
+            </a:r>
+            <a:r>
+              <a:rPr lang="de-DE" sz="1200" kern="1200" baseline="0" dirty="0" smtClean="0">
+                <a:solidFill>
+                  <a:schemeClr val="tx1"/>
+                </a:solidFill>
+                <a:effectLst/>
+                <a:latin typeface="+mn-lt"/>
+                <a:ea typeface="+mn-ea"/>
+                <a:cs typeface="+mn-cs"/>
+              </a:rPr>
+              <a:t> verwendet werden.</a:t>
+            </a:r>
+          </a:p>
+          <a:p>
+            <a:endParaRPr lang="de-DE" sz="1200" kern="1200" baseline="0" dirty="0" smtClean="0">
               <a:solidFill>
                 <a:schemeClr val="tx1"/>
               </a:solidFill>
@@ -8485,105 +8695,7 @@
             </a:endParaRPr>
           </a:p>
           <a:p>
-            <a:r>
-              <a:rPr lang="de-DE" sz="1200" kern="1200" dirty="0" smtClean="0">
-                <a:solidFill>
-                  <a:schemeClr val="tx1"/>
-                </a:solidFill>
-                <a:effectLst/>
-                <a:latin typeface="+mn-lt"/>
-                <a:ea typeface="+mn-ea"/>
-                <a:cs typeface="+mn-cs"/>
-              </a:rPr>
-              <a:t>Wir befinden uns jetzt gerade ende </a:t>
-            </a:r>
-            <a:r>
-              <a:rPr lang="de-DE" sz="1200" kern="1200" dirty="0" err="1" smtClean="0">
-                <a:solidFill>
-                  <a:schemeClr val="tx1"/>
-                </a:solidFill>
-                <a:effectLst/>
-                <a:latin typeface="+mn-lt"/>
-                <a:ea typeface="+mn-ea"/>
-                <a:cs typeface="+mn-cs"/>
-              </a:rPr>
-              <a:t>juni</a:t>
-            </a:r>
-            <a:r>
-              <a:rPr lang="de-DE" sz="1200" kern="1200" dirty="0" smtClean="0">
-                <a:solidFill>
-                  <a:schemeClr val="tx1"/>
-                </a:solidFill>
-                <a:effectLst/>
-                <a:latin typeface="+mn-lt"/>
-                <a:ea typeface="+mn-ea"/>
-                <a:cs typeface="+mn-cs"/>
-              </a:rPr>
-              <a:t>… kurz nach dem ersten </a:t>
-            </a:r>
-            <a:r>
-              <a:rPr lang="de-DE" sz="1200" kern="1200" dirty="0" err="1" smtClean="0">
-                <a:solidFill>
-                  <a:schemeClr val="tx1"/>
-                </a:solidFill>
-                <a:effectLst/>
-                <a:latin typeface="+mn-lt"/>
-                <a:ea typeface="+mn-ea"/>
-                <a:cs typeface="+mn-cs"/>
-              </a:rPr>
-              <a:t>release</a:t>
-            </a:r>
-            <a:r>
-              <a:rPr lang="de-DE" sz="1200" kern="1200" baseline="0" dirty="0" smtClean="0">
-                <a:solidFill>
-                  <a:schemeClr val="tx1"/>
-                </a:solidFill>
-                <a:effectLst/>
-                <a:latin typeface="+mn-lt"/>
-                <a:ea typeface="+mn-ea"/>
-                <a:cs typeface="+mn-cs"/>
-              </a:rPr>
-              <a:t> (</a:t>
-            </a:r>
-            <a:r>
-              <a:rPr lang="de-DE" sz="1200" kern="1200" baseline="0" dirty="0" err="1" smtClean="0">
-                <a:solidFill>
-                  <a:schemeClr val="tx1"/>
-                </a:solidFill>
-                <a:effectLst/>
-                <a:latin typeface="+mn-lt"/>
-                <a:ea typeface="+mn-ea"/>
-                <a:cs typeface="+mn-cs"/>
-              </a:rPr>
-              <a:t>plugin</a:t>
-            </a:r>
-            <a:r>
-              <a:rPr lang="de-DE" sz="1200" kern="1200" baseline="0" dirty="0" smtClean="0">
-                <a:solidFill>
-                  <a:schemeClr val="tx1"/>
-                </a:solidFill>
-                <a:effectLst/>
-                <a:latin typeface="+mn-lt"/>
-                <a:ea typeface="+mn-ea"/>
-                <a:cs typeface="+mn-cs"/>
-              </a:rPr>
-              <a:t> schon einsatzfähig online)</a:t>
-            </a:r>
-            <a:r>
-              <a:rPr lang="de-DE" sz="1200" kern="1200" dirty="0" smtClean="0">
-                <a:solidFill>
-                  <a:schemeClr val="tx1"/>
-                </a:solidFill>
-                <a:effectLst/>
-                <a:latin typeface="+mn-lt"/>
-                <a:ea typeface="+mn-ea"/>
-                <a:cs typeface="+mn-cs"/>
-              </a:rPr>
-              <a:t> </a:t>
-            </a:r>
-          </a:p>
-          <a:p>
-            <a:endParaRPr lang="de-DE" sz="1200" kern="1200" dirty="0" smtClean="0">
+            <a:endParaRPr lang="de-DE" sz="1200" kern="1200" baseline="0" dirty="0" smtClean="0">
               <a:solidFill>
                 <a:schemeClr val="tx1"/>
               </a:solidFill>
@@ -8592,156 +8704,6 @@
               <a:ea typeface="+mn-ea"/>
               <a:cs typeface="+mn-cs"/>
             </a:endParaRPr>
-          </a:p>
-          <a:p>
-            <a:r>
-              <a:rPr lang="de-DE" sz="1200" kern="1200" dirty="0" smtClean="0">
-                <a:solidFill>
-                  <a:schemeClr val="tx1"/>
-                </a:solidFill>
-                <a:effectLst/>
-                <a:latin typeface="+mn-lt"/>
-                <a:ea typeface="+mn-ea"/>
-                <a:cs typeface="+mn-cs"/>
-              </a:rPr>
-              <a:t>Nächsten wichtige schritte: Plugin bewerben, Userzahlen generieren ||| </a:t>
-            </a:r>
-            <a:r>
-              <a:rPr lang="de-DE" sz="1200" kern="1200" dirty="0" err="1" smtClean="0">
-                <a:solidFill>
-                  <a:schemeClr val="tx1"/>
-                </a:solidFill>
-                <a:effectLst/>
-                <a:latin typeface="+mn-lt"/>
-                <a:ea typeface="+mn-ea"/>
-                <a:cs typeface="+mn-cs"/>
-              </a:rPr>
-              <a:t>feedback</a:t>
-            </a:r>
-            <a:r>
-              <a:rPr lang="de-DE" sz="1200" kern="1200" dirty="0" smtClean="0">
-                <a:solidFill>
-                  <a:schemeClr val="tx1"/>
-                </a:solidFill>
-                <a:effectLst/>
-                <a:latin typeface="+mn-lt"/>
-                <a:ea typeface="+mn-ea"/>
-                <a:cs typeface="+mn-cs"/>
-              </a:rPr>
-              <a:t> eingehen, die </a:t>
-            </a:r>
-            <a:r>
-              <a:rPr lang="de-DE" sz="1200" kern="1200" dirty="0" err="1" smtClean="0">
-                <a:solidFill>
-                  <a:schemeClr val="tx1"/>
-                </a:solidFill>
-                <a:effectLst/>
-                <a:latin typeface="+mn-lt"/>
-                <a:ea typeface="+mn-ea"/>
-                <a:cs typeface="+mn-cs"/>
-              </a:rPr>
-              <a:t>dokumentation</a:t>
-            </a:r>
-            <a:r>
-              <a:rPr lang="de-DE" sz="1200" kern="1200" dirty="0" smtClean="0">
-                <a:solidFill>
-                  <a:schemeClr val="tx1"/>
-                </a:solidFill>
-                <a:effectLst/>
-                <a:latin typeface="+mn-lt"/>
-                <a:ea typeface="+mn-ea"/>
-                <a:cs typeface="+mn-cs"/>
-              </a:rPr>
-              <a:t> (Site) weiter zu pflegen… </a:t>
-            </a:r>
-          </a:p>
-          <a:p>
-            <a:r>
-              <a:rPr lang="de-DE" sz="1200" kern="1200" dirty="0" smtClean="0">
-                <a:solidFill>
-                  <a:schemeClr val="tx1"/>
-                </a:solidFill>
-                <a:effectLst/>
-                <a:latin typeface="+mn-lt"/>
-                <a:ea typeface="+mn-ea"/>
-                <a:cs typeface="+mn-cs"/>
-              </a:rPr>
-              <a:t>Weitere entwicklungsaufgaben und gegen ende Juni wollen wir dann den zweiten größeren Release durchführen. Dazwischen können natürlich noch </a:t>
-            </a:r>
-            <a:r>
-              <a:rPr lang="de-DE" sz="1200" kern="1200" dirty="0" err="1" smtClean="0">
-                <a:solidFill>
-                  <a:schemeClr val="tx1"/>
-                </a:solidFill>
-                <a:effectLst/>
-                <a:latin typeface="+mn-lt"/>
-                <a:ea typeface="+mn-ea"/>
-                <a:cs typeface="+mn-cs"/>
-              </a:rPr>
-              <a:t>kleineere</a:t>
-            </a:r>
-            <a:r>
-              <a:rPr lang="de-DE" sz="1200" kern="1200" dirty="0" smtClean="0">
-                <a:solidFill>
-                  <a:schemeClr val="tx1"/>
-                </a:solidFill>
-                <a:effectLst/>
-                <a:latin typeface="+mn-lt"/>
-                <a:ea typeface="+mn-ea"/>
-                <a:cs typeface="+mn-cs"/>
-              </a:rPr>
-              <a:t> Releases stattfinden.</a:t>
-            </a:r>
-          </a:p>
-          <a:p>
-            <a:endParaRPr lang="de-DE" sz="1200" kern="1200" dirty="0" smtClean="0">
-              <a:solidFill>
-                <a:schemeClr val="tx1"/>
-              </a:solidFill>
-              <a:effectLst/>
-              <a:latin typeface="+mn-lt"/>
-              <a:ea typeface="+mn-ea"/>
-              <a:cs typeface="+mn-cs"/>
-            </a:endParaRPr>
-          </a:p>
-          <a:p>
-            <a:r>
-              <a:rPr lang="de-DE" sz="1200" kern="1200" dirty="0" smtClean="0">
-                <a:solidFill>
-                  <a:schemeClr val="tx1"/>
-                </a:solidFill>
-                <a:effectLst/>
-                <a:latin typeface="+mn-lt"/>
-                <a:ea typeface="+mn-ea"/>
-                <a:cs typeface="+mn-cs"/>
-              </a:rPr>
-              <a:t>Um auch nochmal kurz auf den Funktionsumfang einzugehen, Bild von zuvor, </a:t>
-            </a:r>
-            <a:r>
-              <a:rPr lang="de-DE" sz="1200" kern="1200" dirty="0" err="1" smtClean="0">
-                <a:solidFill>
-                  <a:schemeClr val="tx1"/>
-                </a:solidFill>
-                <a:effectLst/>
-                <a:latin typeface="+mn-lt"/>
-                <a:ea typeface="+mn-ea"/>
-                <a:cs typeface="+mn-cs"/>
-              </a:rPr>
-              <a:t>martin</a:t>
-            </a:r>
-            <a:r>
-              <a:rPr lang="de-DE" sz="1200" kern="1200" dirty="0" smtClean="0">
-                <a:solidFill>
-                  <a:schemeClr val="tx1"/>
-                </a:solidFill>
-                <a:effectLst/>
-                <a:latin typeface="+mn-lt"/>
-                <a:ea typeface="+mn-ea"/>
-                <a:cs typeface="+mn-cs"/>
-              </a:rPr>
-              <a:t> schon gezeigt hat. </a:t>
-            </a:r>
-            <a:endParaRPr lang="de-DE" dirty="0"/>
           </a:p>
         </p:txBody>
       </p:sp>
@@ -8771,7 +8733,7 @@
     </p:spTree>
     <p:extLst>
       <p:ext uri="{BB962C8B-B14F-4D97-AF65-F5344CB8AC3E}">
-        <p14:creationId xmlns:p14="http://schemas.microsoft.com/office/powerpoint/2010/main" val="2024908320"/>
+        <p14:creationId xmlns:p14="http://schemas.microsoft.com/office/powerpoint/2010/main" val="533614926"/>
       </p:ext>
     </p:extLst>
   </p:cSld>
@@ -8825,8 +8787,12 @@
           <a:bodyPr/>
           <a:lstStyle/>
           <a:p>
-            <a:r>
-              <a:rPr lang="de-DE" sz="1200" kern="1200" dirty="0" smtClean="0">
+            <a:pPr marL="0" indent="0">
+              <a:buFont typeface="Arial" panose="020B0604020202020204" pitchFamily="34" charset="0"/>
+              <a:buNone/>
+            </a:pPr>
+            <a:r>
+              <a:rPr lang="de-DE" sz="1200" kern="1200" baseline="0" dirty="0" smtClean="0">
                 <a:solidFill>
                   <a:schemeClr val="tx1"/>
                 </a:solidFill>
@@ -8835,253 +8801,9 @@
                 <a:ea typeface="+mn-ea"/>
                 <a:cs typeface="+mn-cs"/>
               </a:rPr>
-              <a:t>Projekt</a:t>
-            </a:r>
-            <a:r>
-              <a:rPr lang="de-DE" sz="1200" kern="1200" baseline="0" dirty="0" smtClean="0">
-                <a:solidFill>
-                  <a:schemeClr val="tx1"/>
-                </a:solidFill>
-                <a:effectLst/>
-                <a:latin typeface="+mn-lt"/>
-                <a:ea typeface="+mn-ea"/>
-                <a:cs typeface="+mn-cs"/>
-              </a:rPr>
-              <a:t> </a:t>
-            </a:r>
-            <a:r>
-              <a:rPr lang="de-DE" sz="1200" kern="1200" baseline="0" dirty="0" err="1" smtClean="0">
-                <a:solidFill>
-                  <a:schemeClr val="tx1"/>
-                </a:solidFill>
-                <a:effectLst/>
-                <a:latin typeface="+mn-lt"/>
-                <a:ea typeface="+mn-ea"/>
-                <a:cs typeface="+mn-cs"/>
-              </a:rPr>
-              <a:t>Jigsaw</a:t>
-            </a:r>
-            <a:r>
-              <a:rPr lang="de-DE" sz="1200" kern="1200" baseline="0" dirty="0" smtClean="0">
-                <a:solidFill>
-                  <a:schemeClr val="tx1"/>
-                </a:solidFill>
-                <a:effectLst/>
-                <a:latin typeface="+mn-lt"/>
-                <a:ea typeface="+mn-ea"/>
-                <a:cs typeface="+mn-cs"/>
-              </a:rPr>
-              <a:t> zur Modularisierung von Java… </a:t>
-            </a:r>
-            <a:r>
-              <a:rPr lang="de-DE" sz="1200" kern="1200" baseline="0" dirty="0" err="1" smtClean="0">
-                <a:solidFill>
-                  <a:schemeClr val="tx1"/>
-                </a:solidFill>
-                <a:effectLst/>
-                <a:latin typeface="+mn-lt"/>
-                <a:ea typeface="+mn-ea"/>
-                <a:cs typeface="+mn-cs"/>
-              </a:rPr>
-              <a:t>abhängigkeiten</a:t>
-            </a:r>
-            <a:r>
-              <a:rPr lang="de-DE" sz="1200" kern="1200" baseline="0" dirty="0" smtClean="0">
-                <a:solidFill>
-                  <a:schemeClr val="tx1"/>
-                </a:solidFill>
-                <a:effectLst/>
-                <a:latin typeface="+mn-lt"/>
-                <a:ea typeface="+mn-ea"/>
-                <a:cs typeface="+mn-cs"/>
-              </a:rPr>
-              <a:t> aus </a:t>
-            </a:r>
-            <a:r>
-              <a:rPr lang="de-DE" sz="1200" kern="1200" baseline="0" dirty="0" err="1" smtClean="0">
-                <a:solidFill>
-                  <a:schemeClr val="tx1"/>
-                </a:solidFill>
-                <a:effectLst/>
-                <a:latin typeface="+mn-lt"/>
-                <a:ea typeface="+mn-ea"/>
-                <a:cs typeface="+mn-cs"/>
-              </a:rPr>
-              <a:t>untershciedlichen</a:t>
-            </a:r>
-            <a:r>
-              <a:rPr lang="de-DE" sz="1200" kern="1200" baseline="0" dirty="0" smtClean="0">
-                <a:solidFill>
-                  <a:schemeClr val="tx1"/>
-                </a:solidFill>
-                <a:effectLst/>
-                <a:latin typeface="+mn-lt"/>
-                <a:ea typeface="+mn-ea"/>
-                <a:cs typeface="+mn-cs"/>
-              </a:rPr>
-              <a:t> </a:t>
-            </a:r>
-            <a:r>
-              <a:rPr lang="de-DE" sz="1200" kern="1200" baseline="0" dirty="0" err="1" smtClean="0">
-                <a:solidFill>
-                  <a:schemeClr val="tx1"/>
-                </a:solidFill>
-                <a:effectLst/>
-                <a:latin typeface="+mn-lt"/>
-                <a:ea typeface="+mn-ea"/>
-                <a:cs typeface="+mn-cs"/>
-              </a:rPr>
-              <a:t>Jars</a:t>
-            </a:r>
-            <a:r>
-              <a:rPr lang="de-DE" sz="1200" kern="1200" baseline="0" dirty="0" smtClean="0">
-                <a:solidFill>
-                  <a:schemeClr val="tx1"/>
-                </a:solidFill>
-                <a:effectLst/>
-                <a:latin typeface="+mn-lt"/>
-                <a:ea typeface="+mn-ea"/>
-                <a:cs typeface="+mn-cs"/>
-              </a:rPr>
-              <a:t> können verwendet werden…</a:t>
-            </a:r>
-          </a:p>
-          <a:p>
-            <a:r>
-              <a:rPr lang="de-DE" sz="1200" kern="1200" baseline="0" dirty="0" smtClean="0">
-                <a:solidFill>
-                  <a:schemeClr val="tx1"/>
-                </a:solidFill>
-                <a:effectLst/>
-                <a:latin typeface="+mn-lt"/>
-                <a:ea typeface="+mn-ea"/>
-                <a:cs typeface="+mn-cs"/>
-              </a:rPr>
-              <a:t>Geplant war </a:t>
-            </a:r>
-            <a:r>
-              <a:rPr lang="de-DE" sz="1200" kern="1200" baseline="0" dirty="0" err="1" smtClean="0">
-                <a:solidFill>
-                  <a:schemeClr val="tx1"/>
-                </a:solidFill>
-                <a:effectLst/>
-                <a:latin typeface="+mn-lt"/>
-                <a:ea typeface="+mn-ea"/>
-                <a:cs typeface="+mn-cs"/>
-              </a:rPr>
-              <a:t>Jigsaw</a:t>
-            </a:r>
-            <a:r>
-              <a:rPr lang="de-DE" sz="1200" kern="1200" baseline="0" dirty="0" smtClean="0">
-                <a:solidFill>
-                  <a:schemeClr val="tx1"/>
-                </a:solidFill>
-                <a:effectLst/>
-                <a:latin typeface="+mn-lt"/>
-                <a:ea typeface="+mn-ea"/>
-                <a:cs typeface="+mn-cs"/>
-              </a:rPr>
-              <a:t> schon für </a:t>
-            </a:r>
-            <a:r>
-              <a:rPr lang="de-DE" sz="1200" kern="1200" baseline="0" dirty="0" err="1" smtClean="0">
-                <a:solidFill>
-                  <a:schemeClr val="tx1"/>
-                </a:solidFill>
-                <a:effectLst/>
-                <a:latin typeface="+mn-lt"/>
-                <a:ea typeface="+mn-ea"/>
-                <a:cs typeface="+mn-cs"/>
-              </a:rPr>
-              <a:t>java</a:t>
-            </a:r>
-            <a:r>
-              <a:rPr lang="de-DE" sz="1200" kern="1200" baseline="0" dirty="0" smtClean="0">
-                <a:solidFill>
-                  <a:schemeClr val="tx1"/>
-                </a:solidFill>
-                <a:effectLst/>
-                <a:latin typeface="+mn-lt"/>
-                <a:ea typeface="+mn-ea"/>
-                <a:cs typeface="+mn-cs"/>
-              </a:rPr>
-              <a:t> 7. Im </a:t>
-            </a:r>
-            <a:r>
-              <a:rPr lang="de-DE" sz="1200" kern="1200" baseline="0" dirty="0" err="1" smtClean="0">
-                <a:solidFill>
-                  <a:schemeClr val="tx1"/>
-                </a:solidFill>
-                <a:effectLst/>
-                <a:latin typeface="+mn-lt"/>
-                <a:ea typeface="+mn-ea"/>
-                <a:cs typeface="+mn-cs"/>
-              </a:rPr>
-              <a:t>jahr</a:t>
-            </a:r>
-            <a:r>
-              <a:rPr lang="de-DE" sz="1200" kern="1200" baseline="0" dirty="0" smtClean="0">
-                <a:solidFill>
-                  <a:schemeClr val="tx1"/>
-                </a:solidFill>
-                <a:effectLst/>
-                <a:latin typeface="+mn-lt"/>
-                <a:ea typeface="+mn-ea"/>
-                <a:cs typeface="+mn-cs"/>
-              </a:rPr>
-              <a:t> 2010 verschoben auf Java 8… Nachdem Java 8 veröffentlicht wurde wird mit </a:t>
-            </a:r>
-            <a:r>
-              <a:rPr lang="de-DE" sz="1200" kern="1200" baseline="0" dirty="0" err="1" smtClean="0">
-                <a:solidFill>
-                  <a:schemeClr val="tx1"/>
-                </a:solidFill>
-                <a:effectLst/>
-                <a:latin typeface="+mn-lt"/>
-                <a:ea typeface="+mn-ea"/>
-                <a:cs typeface="+mn-cs"/>
-              </a:rPr>
-              <a:t>jigsaw</a:t>
-            </a:r>
-            <a:r>
-              <a:rPr lang="de-DE" sz="1200" kern="1200" baseline="0" dirty="0" smtClean="0">
-                <a:solidFill>
-                  <a:schemeClr val="tx1"/>
-                </a:solidFill>
-                <a:effectLst/>
-                <a:latin typeface="+mn-lt"/>
-                <a:ea typeface="+mn-ea"/>
-                <a:cs typeface="+mn-cs"/>
-              </a:rPr>
-              <a:t> frühestens mit Java 9 im Jahr 2016 (2 </a:t>
-            </a:r>
-            <a:r>
-              <a:rPr lang="de-DE" sz="1200" kern="1200" baseline="0" dirty="0" err="1" smtClean="0">
-                <a:solidFill>
-                  <a:schemeClr val="tx1"/>
-                </a:solidFill>
-                <a:effectLst/>
-                <a:latin typeface="+mn-lt"/>
-                <a:ea typeface="+mn-ea"/>
-                <a:cs typeface="+mn-cs"/>
-              </a:rPr>
-              <a:t>Jahresrythmus</a:t>
-            </a:r>
-            <a:r>
-              <a:rPr lang="de-DE" sz="1200" kern="1200" baseline="0" dirty="0" smtClean="0">
-                <a:solidFill>
-                  <a:schemeClr val="tx1"/>
-                </a:solidFill>
-                <a:effectLst/>
-                <a:latin typeface="+mn-lt"/>
-                <a:ea typeface="+mn-ea"/>
-                <a:cs typeface="+mn-cs"/>
-              </a:rPr>
-              <a:t>) gerechnet.</a:t>
-            </a:r>
-          </a:p>
-          <a:p>
-            <a:endParaRPr lang="de-DE" sz="1200" kern="1200" baseline="0" dirty="0" smtClean="0">
+              <a:t>Allgemeine Grundlagen zu Maven Plugin</a:t>
+            </a:r>
+            <a:endParaRPr lang="de-DE" sz="1200" kern="1200" dirty="0" smtClean="0">
               <a:solidFill>
                 <a:schemeClr val="tx1"/>
               </a:solidFill>
@@ -9092,129 +8814,11 @@
             </a:endParaRPr>
           </a:p>
           <a:p>
-            <a:r>
-              <a:rPr lang="de-DE" sz="1200" kern="1200" baseline="0" dirty="0" err="1" smtClean="0">
-                <a:solidFill>
-                  <a:schemeClr val="tx1"/>
-                </a:solidFill>
-                <a:effectLst/>
-                <a:latin typeface="+mn-lt"/>
-                <a:ea typeface="+mn-ea"/>
-                <a:cs typeface="+mn-cs"/>
-              </a:rPr>
-              <a:t>Jigsaw</a:t>
-            </a:r>
-            <a:r>
-              <a:rPr lang="de-DE" sz="1200" kern="1200" baseline="0" dirty="0" smtClean="0">
-                <a:solidFill>
-                  <a:schemeClr val="tx1"/>
-                </a:solidFill>
-                <a:effectLst/>
-                <a:latin typeface="+mn-lt"/>
-                <a:ea typeface="+mn-ea"/>
-                <a:cs typeface="+mn-cs"/>
-              </a:rPr>
-              <a:t> könnte unseren </a:t>
-            </a:r>
-            <a:r>
-              <a:rPr lang="de-DE" sz="1200" kern="1200" baseline="0" dirty="0" err="1" smtClean="0">
-                <a:solidFill>
-                  <a:schemeClr val="tx1"/>
-                </a:solidFill>
-                <a:effectLst/>
-                <a:latin typeface="+mn-lt"/>
-                <a:ea typeface="+mn-ea"/>
-                <a:cs typeface="+mn-cs"/>
-              </a:rPr>
-              <a:t>Clashinspector</a:t>
-            </a:r>
-            <a:r>
-              <a:rPr lang="de-DE" sz="1200" kern="1200" baseline="0" dirty="0" smtClean="0">
-                <a:solidFill>
-                  <a:schemeClr val="tx1"/>
-                </a:solidFill>
-                <a:effectLst/>
-                <a:latin typeface="+mn-lt"/>
-                <a:ea typeface="+mn-ea"/>
-                <a:cs typeface="+mn-cs"/>
-              </a:rPr>
-              <a:t> eines Tages unnötig machen, aber so weit wollen wir noch nicht denken, denn bisher wurde </a:t>
-            </a:r>
-            <a:r>
-              <a:rPr lang="de-DE" sz="1200" kern="1200" baseline="0" dirty="0" err="1" smtClean="0">
-                <a:solidFill>
-                  <a:schemeClr val="tx1"/>
-                </a:solidFill>
-                <a:effectLst/>
-                <a:latin typeface="+mn-lt"/>
-                <a:ea typeface="+mn-ea"/>
-                <a:cs typeface="+mn-cs"/>
-              </a:rPr>
-              <a:t>Jigsaw</a:t>
-            </a:r>
-            <a:r>
-              <a:rPr lang="de-DE" sz="1200" kern="1200" baseline="0" dirty="0" smtClean="0">
-                <a:solidFill>
-                  <a:schemeClr val="tx1"/>
-                </a:solidFill>
-                <a:effectLst/>
-                <a:latin typeface="+mn-lt"/>
-                <a:ea typeface="+mn-ea"/>
-                <a:cs typeface="+mn-cs"/>
-              </a:rPr>
-              <a:t> erfolgreich von Release zu </a:t>
-            </a:r>
-            <a:r>
-              <a:rPr lang="de-DE" sz="1200" kern="1200" baseline="0" dirty="0" err="1" smtClean="0">
-                <a:solidFill>
-                  <a:schemeClr val="tx1"/>
-                </a:solidFill>
-                <a:effectLst/>
-                <a:latin typeface="+mn-lt"/>
-                <a:ea typeface="+mn-ea"/>
-                <a:cs typeface="+mn-cs"/>
-              </a:rPr>
-              <a:t>release</a:t>
-            </a:r>
-            <a:r>
-              <a:rPr lang="de-DE" sz="1200" kern="1200" baseline="0" dirty="0" smtClean="0">
-                <a:solidFill>
-                  <a:schemeClr val="tx1"/>
-                </a:solidFill>
-                <a:effectLst/>
-                <a:latin typeface="+mn-lt"/>
-                <a:ea typeface="+mn-ea"/>
-                <a:cs typeface="+mn-cs"/>
-              </a:rPr>
-              <a:t> verschoben und bis dahin kann unser </a:t>
-            </a:r>
-            <a:r>
-              <a:rPr lang="de-DE" sz="1200" kern="1200" baseline="0" dirty="0" err="1" smtClean="0">
-                <a:solidFill>
-                  <a:schemeClr val="tx1"/>
-                </a:solidFill>
-                <a:effectLst/>
-                <a:latin typeface="+mn-lt"/>
-                <a:ea typeface="+mn-ea"/>
-                <a:cs typeface="+mn-cs"/>
-              </a:rPr>
-              <a:t>Clashinspector</a:t>
-            </a:r>
-            <a:r>
-              <a:rPr lang="de-DE" sz="1200" kern="1200" baseline="0" dirty="0" smtClean="0">
-                <a:solidFill>
-                  <a:schemeClr val="tx1"/>
-                </a:solidFill>
-                <a:effectLst/>
-                <a:latin typeface="+mn-lt"/>
-                <a:ea typeface="+mn-ea"/>
-                <a:cs typeface="+mn-cs"/>
-              </a:rPr>
-              <a:t> verwendet werden.</a:t>
-            </a:r>
-          </a:p>
-          <a:p>
-            <a:endParaRPr lang="de-DE" sz="1200" kern="1200" baseline="0" dirty="0" smtClean="0">
+            <a:pPr marL="0" indent="0">
+              <a:buFont typeface="Arial" panose="020B0604020202020204" pitchFamily="34" charset="0"/>
+              <a:buNone/>
+            </a:pPr>
+            <a:endParaRPr lang="de-DE" sz="1200" kern="1200" dirty="0" smtClean="0">
               <a:solidFill>
                 <a:schemeClr val="tx1"/>
               </a:solidFill>
@@ -9225,7 +8829,101 @@
             </a:endParaRPr>
           </a:p>
           <a:p>
-            <a:endParaRPr lang="de-DE" sz="1200" kern="1200" baseline="0" dirty="0" smtClean="0">
+            <a:pPr marL="0" indent="0">
+              <a:buFont typeface="Arial" panose="020B0604020202020204" pitchFamily="34" charset="0"/>
+              <a:buNone/>
+            </a:pPr>
+            <a:r>
+              <a:rPr lang="de-DE" sz="1200" kern="1200" dirty="0" smtClean="0">
+                <a:solidFill>
+                  <a:schemeClr val="tx1"/>
+                </a:solidFill>
+                <a:effectLst/>
+                <a:latin typeface="+mn-lt"/>
+                <a:ea typeface="+mn-ea"/>
+                <a:cs typeface="+mn-cs"/>
+              </a:rPr>
+              <a:t>Kurz zur </a:t>
+            </a:r>
+            <a:r>
+              <a:rPr lang="de-DE" sz="1200" kern="1200" dirty="0" err="1" smtClean="0">
+                <a:solidFill>
+                  <a:schemeClr val="tx1"/>
+                </a:solidFill>
+                <a:effectLst/>
+                <a:latin typeface="+mn-lt"/>
+                <a:ea typeface="+mn-ea"/>
+                <a:cs typeface="+mn-cs"/>
+              </a:rPr>
+              <a:t>erinnerung</a:t>
+            </a:r>
+            <a:r>
+              <a:rPr lang="de-DE" sz="1200" kern="1200" dirty="0" smtClean="0">
+                <a:solidFill>
+                  <a:schemeClr val="tx1"/>
+                </a:solidFill>
+                <a:effectLst/>
+                <a:latin typeface="+mn-lt"/>
+                <a:ea typeface="+mn-ea"/>
+                <a:cs typeface="+mn-cs"/>
+              </a:rPr>
+              <a:t> (</a:t>
+            </a:r>
+            <a:r>
+              <a:rPr lang="de-DE" sz="1200" kern="1200" dirty="0" err="1" smtClean="0">
+                <a:solidFill>
+                  <a:schemeClr val="tx1"/>
+                </a:solidFill>
+                <a:effectLst/>
+                <a:latin typeface="+mn-lt"/>
+                <a:ea typeface="+mn-ea"/>
+                <a:cs typeface="+mn-cs"/>
+              </a:rPr>
+              <a:t>huina</a:t>
+            </a:r>
+            <a:r>
+              <a:rPr lang="de-DE" sz="1200" kern="1200" dirty="0" smtClean="0">
+                <a:solidFill>
+                  <a:schemeClr val="tx1"/>
+                </a:solidFill>
+                <a:effectLst/>
+                <a:latin typeface="+mn-lt"/>
+                <a:ea typeface="+mn-ea"/>
+                <a:cs typeface="+mn-cs"/>
+              </a:rPr>
+              <a:t> schon erwähnt): Maven selbst kann eigentlich gar nicht so viel bzw. es macht nicht mehr als Plugins einzubinden und ausführbar zu machen. Alle Funktionen sind einzelne Plugins… Grund für </a:t>
+            </a:r>
+            <a:r>
+              <a:rPr lang="de-DE" sz="1200" kern="1200" dirty="0" err="1" smtClean="0">
+                <a:solidFill>
+                  <a:schemeClr val="tx1"/>
+                </a:solidFill>
+                <a:effectLst/>
+                <a:latin typeface="+mn-lt"/>
+                <a:ea typeface="+mn-ea"/>
+                <a:cs typeface="+mn-cs"/>
+              </a:rPr>
+              <a:t>erfolg</a:t>
+            </a:r>
+            <a:r>
+              <a:rPr lang="de-DE" sz="1200" kern="1200" dirty="0" smtClean="0">
+                <a:solidFill>
+                  <a:schemeClr val="tx1"/>
+                </a:solidFill>
+                <a:effectLst/>
+                <a:latin typeface="+mn-lt"/>
+                <a:ea typeface="+mn-ea"/>
+                <a:cs typeface="+mn-cs"/>
+              </a:rPr>
+              <a:t>.</a:t>
+            </a:r>
+          </a:p>
+          <a:p>
+            <a:pPr marL="0" indent="0">
+              <a:buFont typeface="Arial" panose="020B0604020202020204" pitchFamily="34" charset="0"/>
+              <a:buNone/>
+            </a:pPr>
+            <a:endParaRPr lang="de-DE" sz="1200" kern="1200" dirty="0" smtClean="0">
               <a:solidFill>
                 <a:schemeClr val="tx1"/>
               </a:solidFill>
@@ -9234,6 +8932,300 @@
               <a:ea typeface="+mn-ea"/>
               <a:cs typeface="+mn-cs"/>
             </a:endParaRPr>
+          </a:p>
+          <a:p>
+            <a:r>
+              <a:rPr lang="de-DE" sz="1200" kern="1200" dirty="0" smtClean="0">
+                <a:solidFill>
+                  <a:schemeClr val="tx1"/>
+                </a:solidFill>
+                <a:effectLst/>
+                <a:latin typeface="+mn-lt"/>
+                <a:ea typeface="+mn-ea"/>
+                <a:cs typeface="+mn-cs"/>
+              </a:rPr>
+              <a:t>Plugins müssen nicht extra installier werden, sondern werden bei Bedarf automatisch</a:t>
+            </a:r>
+            <a:r>
+              <a:rPr lang="de-DE" sz="1200" kern="1200" baseline="0" dirty="0" smtClean="0">
+                <a:solidFill>
+                  <a:schemeClr val="tx1"/>
+                </a:solidFill>
+                <a:effectLst/>
+                <a:latin typeface="+mn-lt"/>
+                <a:ea typeface="+mn-ea"/>
+                <a:cs typeface="+mn-cs"/>
+              </a:rPr>
+              <a:t> </a:t>
+            </a:r>
+            <a:r>
+              <a:rPr lang="de-DE" sz="1200" kern="1200" dirty="0" smtClean="0">
+                <a:solidFill>
+                  <a:schemeClr val="tx1"/>
+                </a:solidFill>
+                <a:effectLst/>
+                <a:latin typeface="+mn-lt"/>
+                <a:ea typeface="+mn-ea"/>
+                <a:cs typeface="+mn-cs"/>
+              </a:rPr>
+              <a:t>vom Repository heruntergeladen</a:t>
+            </a:r>
+          </a:p>
+          <a:p>
+            <a:endParaRPr lang="de-DE" sz="1200" kern="1200" dirty="0" smtClean="0">
+              <a:solidFill>
+                <a:schemeClr val="tx1"/>
+              </a:solidFill>
+              <a:effectLst/>
+              <a:latin typeface="+mn-lt"/>
+              <a:ea typeface="+mn-ea"/>
+              <a:cs typeface="+mn-cs"/>
+            </a:endParaRPr>
+          </a:p>
+          <a:p>
+            <a:r>
+              <a:rPr lang="de-DE" sz="1200" kern="1200" dirty="0" smtClean="0">
+                <a:solidFill>
+                  <a:schemeClr val="tx1"/>
+                </a:solidFill>
+                <a:effectLst/>
+                <a:latin typeface="+mn-lt"/>
+                <a:ea typeface="+mn-ea"/>
+                <a:cs typeface="+mn-cs"/>
+              </a:rPr>
+              <a:t>Ausführung eines Plugins entweder durch POM oder </a:t>
+            </a:r>
+            <a:r>
+              <a:rPr lang="de-DE" sz="1200" kern="1200" dirty="0" err="1" smtClean="0">
+                <a:solidFill>
+                  <a:schemeClr val="tx1"/>
+                </a:solidFill>
+                <a:effectLst/>
+                <a:latin typeface="+mn-lt"/>
+                <a:ea typeface="+mn-ea"/>
+                <a:cs typeface="+mn-cs"/>
+              </a:rPr>
+              <a:t>eingabe</a:t>
+            </a:r>
+            <a:r>
+              <a:rPr lang="de-DE" sz="1200" kern="1200" dirty="0" smtClean="0">
+                <a:solidFill>
+                  <a:schemeClr val="tx1"/>
+                </a:solidFill>
+                <a:effectLst/>
+                <a:latin typeface="+mn-lt"/>
+                <a:ea typeface="+mn-ea"/>
+                <a:cs typeface="+mn-cs"/>
+              </a:rPr>
+              <a:t> in Kommandozeile:</a:t>
+            </a:r>
+          </a:p>
+          <a:p>
+            <a:endParaRPr lang="de-DE" sz="1200" kern="1200" dirty="0" smtClean="0">
+              <a:solidFill>
+                <a:schemeClr val="tx1"/>
+              </a:solidFill>
+              <a:effectLst/>
+              <a:latin typeface="+mn-lt"/>
+              <a:ea typeface="+mn-ea"/>
+              <a:cs typeface="+mn-cs"/>
+            </a:endParaRPr>
+          </a:p>
+          <a:p>
+            <a:r>
+              <a:rPr lang="de-DE" sz="1200" kern="1200" dirty="0" err="1" smtClean="0">
+                <a:solidFill>
+                  <a:schemeClr val="tx1"/>
+                </a:solidFill>
+                <a:effectLst/>
+                <a:latin typeface="+mn-lt"/>
+                <a:ea typeface="+mn-ea"/>
+                <a:cs typeface="+mn-cs"/>
+              </a:rPr>
+              <a:t>groupId</a:t>
+            </a:r>
+            <a:r>
+              <a:rPr lang="de-DE" sz="1200" kern="1200" dirty="0" smtClean="0">
+                <a:solidFill>
+                  <a:schemeClr val="tx1"/>
+                </a:solidFill>
+                <a:effectLst/>
+                <a:latin typeface="+mn-lt"/>
+                <a:ea typeface="+mn-ea"/>
+                <a:cs typeface="+mn-cs"/>
+              </a:rPr>
+              <a:t> und </a:t>
+            </a:r>
+            <a:r>
+              <a:rPr lang="de-DE" sz="1200" kern="1200" dirty="0" err="1" smtClean="0">
+                <a:solidFill>
+                  <a:schemeClr val="tx1"/>
+                </a:solidFill>
+                <a:effectLst/>
+                <a:latin typeface="+mn-lt"/>
+                <a:ea typeface="+mn-ea"/>
+                <a:cs typeface="+mn-cs"/>
+              </a:rPr>
+              <a:t>artifactID</a:t>
+            </a:r>
+            <a:r>
+              <a:rPr lang="de-DE" sz="1200" kern="1200" dirty="0" smtClean="0">
+                <a:solidFill>
+                  <a:schemeClr val="tx1"/>
+                </a:solidFill>
+                <a:effectLst/>
+                <a:latin typeface="+mn-lt"/>
+                <a:ea typeface="+mn-ea"/>
+                <a:cs typeface="+mn-cs"/>
+              </a:rPr>
+              <a:t> identifizieren dabei ein Projekt, zum Beispiel unseren </a:t>
+            </a:r>
+            <a:r>
+              <a:rPr lang="de-DE" sz="1200" kern="1200" dirty="0" err="1" smtClean="0">
+                <a:solidFill>
+                  <a:schemeClr val="tx1"/>
+                </a:solidFill>
+                <a:effectLst/>
+                <a:latin typeface="+mn-lt"/>
+                <a:ea typeface="+mn-ea"/>
+                <a:cs typeface="+mn-cs"/>
+              </a:rPr>
+              <a:t>clashinspector</a:t>
+            </a:r>
+            <a:r>
+              <a:rPr lang="de-DE" sz="1200" kern="1200" dirty="0" smtClean="0">
+                <a:solidFill>
+                  <a:schemeClr val="tx1"/>
+                </a:solidFill>
+                <a:effectLst/>
+                <a:latin typeface="+mn-lt"/>
+                <a:ea typeface="+mn-ea"/>
+                <a:cs typeface="+mn-cs"/>
+              </a:rPr>
+              <a:t>… in </a:t>
+            </a:r>
+            <a:r>
+              <a:rPr lang="de-DE" sz="1200" kern="1200" dirty="0" err="1" smtClean="0">
+                <a:solidFill>
+                  <a:schemeClr val="tx1"/>
+                </a:solidFill>
+                <a:effectLst/>
+                <a:latin typeface="+mn-lt"/>
+                <a:ea typeface="+mn-ea"/>
+                <a:cs typeface="+mn-cs"/>
+              </a:rPr>
+              <a:t>verachiednen</a:t>
+            </a:r>
+            <a:r>
+              <a:rPr lang="de-DE" sz="1200" kern="1200" dirty="0" smtClean="0">
+                <a:solidFill>
+                  <a:schemeClr val="tx1"/>
+                </a:solidFill>
+                <a:effectLst/>
+                <a:latin typeface="+mn-lt"/>
+                <a:ea typeface="+mn-ea"/>
+                <a:cs typeface="+mn-cs"/>
+              </a:rPr>
+              <a:t> </a:t>
+            </a:r>
+            <a:r>
+              <a:rPr lang="de-DE" sz="1200" kern="1200" dirty="0" err="1" smtClean="0">
+                <a:solidFill>
+                  <a:schemeClr val="tx1"/>
+                </a:solidFill>
+                <a:effectLst/>
+                <a:latin typeface="+mn-lt"/>
+                <a:ea typeface="+mn-ea"/>
+                <a:cs typeface="+mn-cs"/>
+              </a:rPr>
+              <a:t>versionen</a:t>
+            </a:r>
+            <a:r>
+              <a:rPr lang="de-DE" sz="1200" kern="1200" dirty="0" smtClean="0">
+                <a:solidFill>
+                  <a:schemeClr val="tx1"/>
+                </a:solidFill>
+                <a:effectLst/>
+                <a:latin typeface="+mn-lt"/>
+                <a:ea typeface="+mn-ea"/>
+                <a:cs typeface="+mn-cs"/>
+              </a:rPr>
+              <a:t>… </a:t>
+            </a:r>
+          </a:p>
+          <a:p>
+            <a:r>
+              <a:rPr lang="de-DE" sz="1200" kern="1200" dirty="0" smtClean="0">
+                <a:solidFill>
+                  <a:schemeClr val="tx1"/>
+                </a:solidFill>
+                <a:effectLst/>
+                <a:latin typeface="+mn-lt"/>
+                <a:ea typeface="+mn-ea"/>
+                <a:cs typeface="+mn-cs"/>
+              </a:rPr>
+              <a:t>Goal gibt an welche </a:t>
+            </a:r>
+            <a:r>
+              <a:rPr lang="de-DE" sz="1200" kern="1200" dirty="0" err="1" smtClean="0">
+                <a:solidFill>
+                  <a:schemeClr val="tx1"/>
+                </a:solidFill>
+                <a:effectLst/>
+                <a:latin typeface="+mn-lt"/>
+                <a:ea typeface="+mn-ea"/>
+                <a:cs typeface="+mn-cs"/>
+              </a:rPr>
+              <a:t>funktion</a:t>
+            </a:r>
+            <a:r>
+              <a:rPr lang="de-DE" sz="1200" kern="1200" baseline="0" dirty="0" smtClean="0">
+                <a:solidFill>
+                  <a:schemeClr val="tx1"/>
+                </a:solidFill>
+                <a:effectLst/>
+                <a:latin typeface="+mn-lt"/>
+                <a:ea typeface="+mn-ea"/>
+                <a:cs typeface="+mn-cs"/>
+              </a:rPr>
+              <a:t> eines </a:t>
+            </a:r>
+            <a:r>
+              <a:rPr lang="de-DE" sz="1200" kern="1200" baseline="0" dirty="0" err="1" smtClean="0">
+                <a:solidFill>
+                  <a:schemeClr val="tx1"/>
+                </a:solidFill>
+                <a:effectLst/>
+                <a:latin typeface="+mn-lt"/>
+                <a:ea typeface="+mn-ea"/>
+                <a:cs typeface="+mn-cs"/>
+              </a:rPr>
+              <a:t>plugins</a:t>
+            </a:r>
+            <a:r>
+              <a:rPr lang="de-DE" sz="1200" kern="1200" baseline="0" dirty="0" smtClean="0">
+                <a:solidFill>
+                  <a:schemeClr val="tx1"/>
+                </a:solidFill>
+                <a:effectLst/>
+                <a:latin typeface="+mn-lt"/>
+                <a:ea typeface="+mn-ea"/>
+                <a:cs typeface="+mn-cs"/>
+              </a:rPr>
+              <a:t> aufgerufen wird</a:t>
+            </a:r>
+            <a:endParaRPr lang="de-DE" sz="1200" kern="1200" dirty="0" smtClean="0">
+              <a:solidFill>
+                <a:schemeClr val="tx1"/>
+              </a:solidFill>
+              <a:effectLst/>
+              <a:latin typeface="+mn-lt"/>
+              <a:ea typeface="+mn-ea"/>
+              <a:cs typeface="+mn-cs"/>
+            </a:endParaRPr>
+          </a:p>
+          <a:p>
+            <a:endParaRPr lang="en-US" i="1" dirty="0" smtClean="0"/>
           </a:p>
         </p:txBody>
       </p:sp>
@@ -9254,7 +9246,7 @@
           <a:p>
             <a:fld id="{D374CC15-B8E0-470E-9010-6A1D8115CB4D}" type="slidenum">
               <a:rPr lang="de-DE" smtClean="0"/>
-              <a:t>14</a:t>
+              <a:t>16</a:t>
             </a:fld>
             <a:endParaRPr lang="de-DE"/>
           </a:p>
@@ -9263,7 +9255,7 @@
     </p:spTree>
     <p:extLst>
       <p:ext uri="{BB962C8B-B14F-4D97-AF65-F5344CB8AC3E}">
-        <p14:creationId xmlns:p14="http://schemas.microsoft.com/office/powerpoint/2010/main" val="533614926"/>
+        <p14:creationId xmlns:p14="http://schemas.microsoft.com/office/powerpoint/2010/main" val="1429224159"/>
       </p:ext>
     </p:extLst>
   </p:cSld>
@@ -11732,7 +11724,7 @@
           <a:p>
             <a:fld id="{29DD2713-24AB-4543-8F19-DC5B80EB3AA3}" type="datetime1">
               <a:rPr lang="de-DE" smtClean="0"/>
-              <a:t>22.06.2014</a:t>
+              <a:t>03.07.2014</a:t>
             </a:fld>
             <a:endParaRPr lang="de-DE" dirty="0"/>
           </a:p>
@@ -11913,7 +11905,7 @@
           <a:p>
             <a:fld id="{26F833BB-7093-4DAB-BCE3-65DF9AA20469}" type="datetime1">
               <a:rPr lang="de-DE" smtClean="0"/>
-              <a:t>22.06.2014</a:t>
+              <a:t>03.07.2014</a:t>
             </a:fld>
             <a:endParaRPr lang="de-DE"/>
           </a:p>
@@ -12097,7 +12089,7 @@
           <a:p>
             <a:fld id="{CBDE480B-24ED-4B4B-991F-1CE193275643}" type="datetime1">
               <a:rPr lang="de-DE" smtClean="0"/>
-              <a:t>22.06.2014</a:t>
+              <a:t>03.07.2014</a:t>
             </a:fld>
             <a:endParaRPr lang="de-DE"/>
           </a:p>
@@ -12271,7 +12263,7 @@
           <a:p>
             <a:fld id="{72C3D25D-0767-4F2C-9B99-7C455020BD2F}" type="datetime1">
               <a:rPr lang="de-DE" smtClean="0"/>
-              <a:t>22.06.2014</a:t>
+              <a:t>03.07.2014</a:t>
             </a:fld>
             <a:endParaRPr lang="de-DE"/>
           </a:p>
@@ -12724,7 +12716,7 @@
           <a:p>
             <a:fld id="{99EA7462-C25E-4796-813E-C5415848D56B}" type="datetime1">
               <a:rPr lang="de-DE" smtClean="0"/>
-              <a:t>22.06.2014</a:t>
+              <a:t>03.07.2014</a:t>
             </a:fld>
             <a:endParaRPr lang="de-DE"/>
           </a:p>
@@ -13016,7 +13008,7 @@
           <a:p>
             <a:fld id="{1E5B7C85-E8B4-4D5F-B261-0FA9E710857C}" type="datetime1">
               <a:rPr lang="de-DE" smtClean="0"/>
-              <a:t>22.06.2014</a:t>
+              <a:t>03.07.2014</a:t>
             </a:fld>
             <a:endParaRPr lang="de-DE"/>
           </a:p>
@@ -13442,7 +13434,7 @@
           <a:p>
             <a:fld id="{183CF53D-749F-4EF4-B1A9-A074892459C3}" type="datetime1">
               <a:rPr lang="de-DE" smtClean="0"/>
-              <a:t>22.06.2014</a:t>
+              <a:t>03.07.2014</a:t>
             </a:fld>
             <a:endParaRPr lang="de-DE"/>
           </a:p>
@@ -13564,7 +13556,7 @@
           <a:p>
             <a:fld id="{03EA49C7-9C8A-4E46-9147-B44984850B6D}" type="datetime1">
               <a:rPr lang="de-DE" smtClean="0"/>
-              <a:t>22.06.2014</a:t>
+              <a:t>03.07.2014</a:t>
             </a:fld>
             <a:endParaRPr lang="de-DE"/>
           </a:p>
@@ -13663,7 +13655,7 @@
           <a:p>
             <a:fld id="{C46473E6-DBD3-4EFE-8E7E-47AF7CC7253E}" type="datetime1">
               <a:rPr lang="de-DE" smtClean="0"/>
-              <a:t>22.06.2014</a:t>
+              <a:t>03.07.2014</a:t>
             </a:fld>
             <a:endParaRPr lang="de-DE"/>
           </a:p>
@@ -13944,7 +13936,7 @@
           <a:p>
             <a:fld id="{460B3C74-DBA5-4C6F-81DD-39286F5FCA60}" type="datetime1">
               <a:rPr lang="de-DE" smtClean="0"/>
-              <a:t>22.06.2014</a:t>
+              <a:t>03.07.2014</a:t>
             </a:fld>
             <a:endParaRPr lang="de-DE"/>
           </a:p>
@@ -14201,7 +14193,7 @@
           <a:p>
             <a:fld id="{471A0868-92D4-4FF9-A0E5-DAB61D0E3EC1}" type="datetime1">
               <a:rPr lang="de-DE" smtClean="0"/>
-              <a:t>22.06.2014</a:t>
+              <a:t>03.07.2014</a:t>
             </a:fld>
             <a:endParaRPr lang="de-DE"/>
           </a:p>
@@ -14418,7 +14410,7 @@
           <a:p>
             <a:fld id="{F29EB60B-DDB2-4174-A5B0-D89DAA85AC4A}" type="datetime1">
               <a:rPr lang="de-DE" smtClean="0"/>
-              <a:t>22.06.2014</a:t>
+              <a:t>03.07.2014</a:t>
             </a:fld>
             <a:endParaRPr lang="de-DE" dirty="0"/>
           </a:p>
@@ -15218,19 +15210,7 @@
                 <a:latin typeface="Helvetica" panose="020B0604020202020204" pitchFamily="34" charset="0"/>
                 <a:cs typeface="Helvetica" panose="020B0604020202020204" pitchFamily="34" charset="0"/>
               </a:rPr>
-              <a:t>3. </a:t>
-            </a:r>
-            <a:r>
-              <a:rPr lang="de-DE" sz="2000" b="1" dirty="0" smtClean="0">
-                <a:solidFill>
-                  <a:schemeClr val="bg1">
-                    <a:lumMod val="65000"/>
-                  </a:schemeClr>
-                </a:solidFill>
-                <a:latin typeface="Helvetica" panose="020B0604020202020204" pitchFamily="34" charset="0"/>
-                <a:cs typeface="Helvetica" panose="020B0604020202020204" pitchFamily="34" charset="0"/>
-              </a:rPr>
-              <a:t>Plugin Umfang</a:t>
+              <a:t>3. Plugin Umfang</a:t>
             </a:r>
             <a:endParaRPr lang="de-DE" sz="2000" b="1" dirty="0">
               <a:solidFill>
@@ -15351,7 +15331,50 @@
       </p:sp>
       <p:sp>
         <p:nvSpPr>
-          <p:cNvPr id="13" name="Textfeld 12"/>
+          <p:cNvPr id="2" name="Textfeld 1"/>
+          <p:cNvSpPr txBox="1"/>
+          <p:nvPr/>
+        </p:nvSpPr>
+        <p:spPr>
+          <a:xfrm>
+            <a:off x="0" y="2878752"/>
+            <a:ext cx="9144000" cy="1015663"/>
+          </a:xfrm>
+          <a:prstGeom prst="rect">
+            <a:avLst/>
+          </a:prstGeom>
+          <a:noFill/>
+        </p:spPr>
+        <p:txBody>
+          <a:bodyPr wrap="square" rtlCol="0">
+            <a:spAutoFit/>
+          </a:bodyPr>
+          <a:lstStyle/>
+          <a:p>
+            <a:pPr algn="ctr"/>
+            <a:r>
+              <a:rPr lang="de-DE" sz="6000" b="1" dirty="0" smtClean="0">
+                <a:solidFill>
+                  <a:srgbClr val="0088CC"/>
+                </a:solidFill>
+                <a:latin typeface="Helvetica" panose="020B0604020202020204" pitchFamily="34" charset="0"/>
+                <a:cs typeface="Helvetica" panose="020B0604020202020204" pitchFamily="34" charset="0"/>
+              </a:rPr>
+              <a:t>Demo</a:t>
+            </a:r>
+            <a:endParaRPr lang="de-DE" sz="6000" b="1" dirty="0">
+              <a:solidFill>
+                <a:srgbClr val="0088CC"/>
+              </a:solidFill>
+              <a:latin typeface="Helvetica" panose="020B0604020202020204" pitchFamily="34" charset="0"/>
+              <a:cs typeface="Helvetica" panose="020B0604020202020204" pitchFamily="34" charset="0"/>
+            </a:endParaRPr>
+          </a:p>
+        </p:txBody>
+      </p:sp>
+      <p:sp>
+        <p:nvSpPr>
+          <p:cNvPr id="5" name="Textfeld 4"/>
           <p:cNvSpPr txBox="1"/>
           <p:nvPr/>
         </p:nvSpPr>
@@ -15375,7 +15398,7 @@
           <a:p>
             <a:pPr algn="r"/>
             <a:r>
-              <a:rPr lang="de-DE" sz="2000" b="1" dirty="0" smtClean="0">
+              <a:rPr lang="de-DE" sz="2000" b="1" dirty="0">
                 <a:solidFill>
                   <a:schemeClr val="bg1">
                     <a:lumMod val="65000"/>
@@ -15384,7 +15407,7 @@
                 <a:latin typeface="Helvetica" panose="020B0604020202020204" pitchFamily="34" charset="0"/>
                 <a:cs typeface="Helvetica" panose="020B0604020202020204" pitchFamily="34" charset="0"/>
               </a:rPr>
-              <a:t>4. </a:t>
+              <a:t>5</a:t>
             </a:r>
             <a:r>
               <a:rPr lang="de-DE" sz="2000" b="1" dirty="0" smtClean="0">
@@ -15396,7 +15419,7 @@
                 <a:latin typeface="Helvetica" panose="020B0604020202020204" pitchFamily="34" charset="0"/>
                 <a:cs typeface="Helvetica" panose="020B0604020202020204" pitchFamily="34" charset="0"/>
               </a:rPr>
-              <a:t>Demo – Grundlagen Maven Plugin</a:t>
+              <a:t>. Demo</a:t>
             </a:r>
             <a:endParaRPr lang="de-DE" sz="2000" b="1" dirty="0">
               <a:solidFill>
@@ -15410,187 +15433,10 @@
           </a:p>
         </p:txBody>
       </p:sp>
-      <p:sp>
-        <p:nvSpPr>
-          <p:cNvPr id="2" name="Textfeld 1"/>
-          <p:cNvSpPr txBox="1"/>
-          <p:nvPr/>
-        </p:nvSpPr>
-        <p:spPr>
-          <a:xfrm>
-            <a:off x="539552" y="1648019"/>
-            <a:ext cx="7992888" cy="3693319"/>
-          </a:xfrm>
-          <a:prstGeom prst="rect">
-            <a:avLst/>
-          </a:prstGeom>
-          <a:noFill/>
-        </p:spPr>
-        <p:txBody>
-          <a:bodyPr wrap="square" rtlCol="0">
-            <a:spAutoFit/>
-          </a:bodyPr>
-          <a:lstStyle/>
-          <a:p>
-            <a:pPr marL="285750" indent="-285750">
-              <a:buFont typeface="Arial" panose="020B0604020202020204" pitchFamily="34" charset="0"/>
-              <a:buChar char="•"/>
-            </a:pPr>
-            <a:r>
-              <a:rPr lang="de-DE" dirty="0" smtClean="0">
-                <a:latin typeface="Helvetica" panose="020B0604020202020204" pitchFamily="34" charset="0"/>
-                <a:cs typeface="Helvetica" panose="020B0604020202020204" pitchFamily="34" charset="0"/>
-              </a:rPr>
-              <a:t>Eigentliche Funktionen von Maven bilden die einzelnen Plugins</a:t>
-            </a:r>
-          </a:p>
-          <a:p>
-            <a:pPr marL="285750" indent="-285750">
-              <a:buFont typeface="Arial" panose="020B0604020202020204" pitchFamily="34" charset="0"/>
-              <a:buChar char="•"/>
-            </a:pPr>
-            <a:endParaRPr lang="de-DE" dirty="0" smtClean="0">
-              <a:latin typeface="Helvetica" panose="020B0604020202020204" pitchFamily="34" charset="0"/>
-              <a:cs typeface="Helvetica" panose="020B0604020202020204" pitchFamily="34" charset="0"/>
-            </a:endParaRPr>
-          </a:p>
-          <a:p>
-            <a:pPr marL="285750" indent="-285750">
-              <a:buFont typeface="Arial" panose="020B0604020202020204" pitchFamily="34" charset="0"/>
-              <a:buChar char="•"/>
-            </a:pPr>
-            <a:r>
-              <a:rPr lang="de-DE" dirty="0" smtClean="0">
-                <a:latin typeface="Helvetica" panose="020B0604020202020204" pitchFamily="34" charset="0"/>
-                <a:cs typeface="Helvetica" panose="020B0604020202020204" pitchFamily="34" charset="0"/>
-              </a:rPr>
-              <a:t>Plugins müssen nicht extra installiert werden, sondern werden bei Bedarf automatisch aus dem Repository heruntergeladen</a:t>
-            </a:r>
-          </a:p>
-          <a:p>
-            <a:pPr marL="285750" indent="-285750">
-              <a:buFont typeface="Arial" panose="020B0604020202020204" pitchFamily="34" charset="0"/>
-              <a:buChar char="•"/>
-            </a:pPr>
-            <a:endParaRPr lang="de-DE" dirty="0" smtClean="0">
-              <a:latin typeface="Helvetica" panose="020B0604020202020204" pitchFamily="34" charset="0"/>
-              <a:cs typeface="Helvetica" panose="020B0604020202020204" pitchFamily="34" charset="0"/>
-            </a:endParaRPr>
-          </a:p>
-          <a:p>
-            <a:pPr marL="285750" indent="-285750">
-              <a:buFont typeface="Arial" panose="020B0604020202020204" pitchFamily="34" charset="0"/>
-              <a:buChar char="•"/>
-            </a:pPr>
-            <a:r>
-              <a:rPr lang="de-DE" dirty="0" err="1" smtClean="0">
-                <a:latin typeface="Helvetica" panose="020B0604020202020204" pitchFamily="34" charset="0"/>
-                <a:cs typeface="Helvetica" panose="020B0604020202020204" pitchFamily="34" charset="0"/>
-              </a:rPr>
-              <a:t>Pluginausführung</a:t>
-            </a:r>
-            <a:r>
-              <a:rPr lang="de-DE" dirty="0" smtClean="0">
-                <a:latin typeface="Helvetica" panose="020B0604020202020204" pitchFamily="34" charset="0"/>
-                <a:cs typeface="Helvetica" panose="020B0604020202020204" pitchFamily="34" charset="0"/>
-              </a:rPr>
-              <a:t> entweder durch Konfiguration in der POM oder direkt in der Kommandozeile durch </a:t>
-            </a:r>
-            <a:r>
-              <a:rPr lang="de-DE" dirty="0">
-                <a:latin typeface="Helvetica" panose="020B0604020202020204" pitchFamily="34" charset="0"/>
-                <a:cs typeface="Helvetica" panose="020B0604020202020204" pitchFamily="34" charset="0"/>
-              </a:rPr>
-              <a:t>E</a:t>
-            </a:r>
-            <a:r>
-              <a:rPr lang="de-DE" dirty="0" smtClean="0">
-                <a:latin typeface="Helvetica" panose="020B0604020202020204" pitchFamily="34" charset="0"/>
-                <a:cs typeface="Helvetica" panose="020B0604020202020204" pitchFamily="34" charset="0"/>
-              </a:rPr>
-              <a:t>ingabe von </a:t>
-            </a:r>
-          </a:p>
-          <a:p>
-            <a:pPr marL="285750" indent="-285750">
-              <a:buFont typeface="Arial" panose="020B0604020202020204" pitchFamily="34" charset="0"/>
-              <a:buChar char="•"/>
-            </a:pPr>
-            <a:endParaRPr lang="de-DE" dirty="0" smtClean="0">
-              <a:latin typeface="Helvetica" panose="020B0604020202020204" pitchFamily="34" charset="0"/>
-              <a:cs typeface="Helvetica" panose="020B0604020202020204" pitchFamily="34" charset="0"/>
-            </a:endParaRPr>
-          </a:p>
-          <a:p>
-            <a:r>
-              <a:rPr lang="de-DE" dirty="0">
-                <a:latin typeface="Helvetica" panose="020B0604020202020204" pitchFamily="34" charset="0"/>
-                <a:cs typeface="Helvetica" panose="020B0604020202020204" pitchFamily="34" charset="0"/>
-              </a:rPr>
-              <a:t>	</a:t>
-            </a:r>
-            <a:r>
-              <a:rPr lang="de-DE" dirty="0" smtClean="0">
-                <a:latin typeface="Helvetica" panose="020B0604020202020204" pitchFamily="34" charset="0"/>
-                <a:cs typeface="Helvetica" panose="020B0604020202020204" pitchFamily="34" charset="0"/>
-              </a:rPr>
-              <a:t>	</a:t>
-            </a:r>
-            <a:r>
-              <a:rPr lang="de-DE" b="1" i="1" dirty="0" err="1" smtClean="0">
-                <a:latin typeface="Helvetica" panose="020B0604020202020204" pitchFamily="34" charset="0"/>
-                <a:cs typeface="Helvetica" panose="020B0604020202020204" pitchFamily="34" charset="0"/>
-              </a:rPr>
-              <a:t>mvn</a:t>
-            </a:r>
-            <a:r>
-              <a:rPr lang="de-DE" b="1" i="1" dirty="0" smtClean="0">
-                <a:latin typeface="Helvetica" panose="020B0604020202020204" pitchFamily="34" charset="0"/>
-                <a:cs typeface="Helvetica" panose="020B0604020202020204" pitchFamily="34" charset="0"/>
-              </a:rPr>
-              <a:t> </a:t>
-            </a:r>
-            <a:r>
-              <a:rPr lang="de-DE" b="1" i="1" dirty="0" err="1" smtClean="0">
-                <a:latin typeface="Helvetica" panose="020B0604020202020204" pitchFamily="34" charset="0"/>
-                <a:cs typeface="Helvetica" panose="020B0604020202020204" pitchFamily="34" charset="0"/>
-              </a:rPr>
-              <a:t>groupId:artifactId:version:goal</a:t>
-            </a:r>
-            <a:endParaRPr lang="de-DE" b="1" i="1" dirty="0" smtClean="0">
-              <a:latin typeface="Helvetica" panose="020B0604020202020204" pitchFamily="34" charset="0"/>
-              <a:cs typeface="Helvetica" panose="020B0604020202020204" pitchFamily="34" charset="0"/>
-            </a:endParaRPr>
-          </a:p>
-          <a:p>
-            <a:endParaRPr lang="de-DE" b="1" i="1" dirty="0">
-              <a:latin typeface="Helvetica" panose="020B0604020202020204" pitchFamily="34" charset="0"/>
-              <a:cs typeface="Helvetica" panose="020B0604020202020204" pitchFamily="34" charset="0"/>
-            </a:endParaRPr>
-          </a:p>
-          <a:p>
-            <a:pPr marL="285750" indent="-285750">
-              <a:buFont typeface="Arial" panose="020B0604020202020204" pitchFamily="34" charset="0"/>
-              <a:buChar char="•"/>
-            </a:pPr>
-            <a:r>
-              <a:rPr lang="de-DE" dirty="0" smtClean="0">
-                <a:latin typeface="Helvetica" panose="020B0604020202020204" pitchFamily="34" charset="0"/>
-                <a:cs typeface="Helvetica" panose="020B0604020202020204" pitchFamily="34" charset="0"/>
-              </a:rPr>
-              <a:t>Jedes Plugin besitzt sogenannte Goals, über welche die eigentlichen Funktionen eines Plugins aufgerufen werden (z.B. com.clashinspector:clashinspector:0.3:tree)</a:t>
-            </a:r>
-            <a:endParaRPr lang="de-DE" dirty="0">
-              <a:latin typeface="Helvetica" panose="020B0604020202020204" pitchFamily="34" charset="0"/>
-              <a:cs typeface="Helvetica" panose="020B0604020202020204" pitchFamily="34" charset="0"/>
-            </a:endParaRPr>
-          </a:p>
-        </p:txBody>
-      </p:sp>
     </p:spTree>
     <p:extLst>
       <p:ext uri="{BB962C8B-B14F-4D97-AF65-F5344CB8AC3E}">
-        <p14:creationId xmlns:p14="http://schemas.microsoft.com/office/powerpoint/2010/main" val="606394329"/>
+        <p14:creationId xmlns:p14="http://schemas.microsoft.com/office/powerpoint/2010/main" val="1066769853"/>
       </p:ext>
     </p:extLst>
   </p:cSld>
@@ -15672,193 +15518,6 @@
       </p:sp>
       <p:sp>
         <p:nvSpPr>
-          <p:cNvPr id="2" name="Textfeld 1"/>
-          <p:cNvSpPr txBox="1"/>
-          <p:nvPr/>
-        </p:nvSpPr>
-        <p:spPr>
-          <a:xfrm>
-            <a:off x="0" y="2878752"/>
-            <a:ext cx="9144000" cy="1015663"/>
-          </a:xfrm>
-          <a:prstGeom prst="rect">
-            <a:avLst/>
-          </a:prstGeom>
-          <a:noFill/>
-        </p:spPr>
-        <p:txBody>
-          <a:bodyPr wrap="square" rtlCol="0">
-            <a:spAutoFit/>
-          </a:bodyPr>
-          <a:lstStyle/>
-          <a:p>
-            <a:pPr algn="ctr"/>
-            <a:r>
-              <a:rPr lang="de-DE" sz="6000" b="1" dirty="0" smtClean="0">
-                <a:solidFill>
-                  <a:srgbClr val="0088CC"/>
-                </a:solidFill>
-                <a:latin typeface="Helvetica" panose="020B0604020202020204" pitchFamily="34" charset="0"/>
-                <a:cs typeface="Helvetica" panose="020B0604020202020204" pitchFamily="34" charset="0"/>
-              </a:rPr>
-              <a:t>Demo</a:t>
-            </a:r>
-            <a:endParaRPr lang="de-DE" sz="6000" b="1" dirty="0">
-              <a:solidFill>
-                <a:srgbClr val="0088CC"/>
-              </a:solidFill>
-              <a:latin typeface="Helvetica" panose="020B0604020202020204" pitchFamily="34" charset="0"/>
-              <a:cs typeface="Helvetica" panose="020B0604020202020204" pitchFamily="34" charset="0"/>
-            </a:endParaRPr>
-          </a:p>
-        </p:txBody>
-      </p:sp>
-      <p:sp>
-        <p:nvSpPr>
-          <p:cNvPr id="5" name="Textfeld 4"/>
-          <p:cNvSpPr txBox="1"/>
-          <p:nvPr/>
-        </p:nvSpPr>
-        <p:spPr>
-          <a:xfrm>
-            <a:off x="2051720" y="796642"/>
-            <a:ext cx="6840761" cy="400110"/>
-          </a:xfrm>
-          <a:prstGeom prst="rect">
-            <a:avLst/>
-          </a:prstGeom>
-          <a:solidFill>
-            <a:schemeClr val="bg1"/>
-          </a:solidFill>
-        </p:spPr>
-        <p:txBody>
-          <a:bodyPr wrap="square" rtlCol="0">
-            <a:spAutoFit/>
-          </a:bodyPr>
-          <a:lstStyle/>
-          <a:p>
-            <a:pPr algn="r"/>
-            <a:r>
-              <a:rPr lang="de-DE" sz="2000" b="1" dirty="0">
-                <a:solidFill>
-                  <a:schemeClr val="bg1">
-                    <a:lumMod val="65000"/>
-                  </a:schemeClr>
-                </a:solidFill>
-                <a:latin typeface="Helvetica" panose="020B0604020202020204" pitchFamily="34" charset="0"/>
-                <a:cs typeface="Helvetica" panose="020B0604020202020204" pitchFamily="34" charset="0"/>
-              </a:rPr>
-              <a:t>5</a:t>
-            </a:r>
-            <a:r>
-              <a:rPr lang="de-DE" sz="2000" b="1" dirty="0" smtClean="0">
-                <a:solidFill>
-                  <a:schemeClr val="bg1">
-                    <a:lumMod val="65000"/>
-                  </a:schemeClr>
-                </a:solidFill>
-                <a:latin typeface="Helvetica" panose="020B0604020202020204" pitchFamily="34" charset="0"/>
-                <a:cs typeface="Helvetica" panose="020B0604020202020204" pitchFamily="34" charset="0"/>
-              </a:rPr>
-              <a:t>. Demo</a:t>
-            </a:r>
-            <a:endParaRPr lang="de-DE" sz="2000" b="1" dirty="0">
-              <a:solidFill>
-                <a:schemeClr val="bg1">
-                  <a:lumMod val="65000"/>
-                </a:schemeClr>
-              </a:solidFill>
-              <a:latin typeface="Helvetica" panose="020B0604020202020204" pitchFamily="34" charset="0"/>
-              <a:cs typeface="Helvetica" panose="020B0604020202020204" pitchFamily="34" charset="0"/>
-            </a:endParaRPr>
-          </a:p>
-        </p:txBody>
-      </p:sp>
-    </p:spTree>
-    <p:extLst>
-      <p:ext uri="{BB962C8B-B14F-4D97-AF65-F5344CB8AC3E}">
-        <p14:creationId xmlns:p14="http://schemas.microsoft.com/office/powerpoint/2010/main" val="1066769853"/>
-      </p:ext>
-    </p:extLst>
-  </p:cSld>
-  <p:clrMapOvr>
-    <a:masterClrMapping/>
-  </p:clrMapOvr>
-  <p:timing>
-    <p:tnLst>
-      <p:par>
-        <p:cTn id="1" dur="indefinite" restart="never" nodeType="tmRoot"/>
-      </p:par>
-    </p:tnLst>
-  </p:timing>
-</p:sld>
-</file>
-
-<file path=ppt/slides/slide13.xml><?xml version="1.0" encoding="utf-8"?>
-<p:sld xmlns:a="http://schemas.openxmlformats.org/drawingml/2006/main" xmlns:r="http://schemas.openxmlformats.org/officeDocument/2006/relationships" xmlns:p="http://schemas.openxmlformats.org/presentationml/2006/main">
-  <p:cSld>
-    <p:spTree>
-      <p:nvGrpSpPr>
-        <p:cNvPr id="1" name=""/>
-        <p:cNvGrpSpPr/>
-        <p:nvPr/>
-      </p:nvGrpSpPr>
-      <p:grpSpPr>
-        <a:xfrm>
-          <a:off x="0" y="0"/>
-          <a:ext cx="0" cy="0"/>
-          <a:chOff x="0" y="0"/>
-          <a:chExt cx="0" cy="0"/>
-        </a:xfrm>
-      </p:grpSpPr>
-      <p:sp>
-        <p:nvSpPr>
-          <p:cNvPr id="4" name="Fußzeilenplatzhalter 3"/>
-          <p:cNvSpPr>
-            <a:spLocks noGrp="1"/>
-          </p:cNvSpPr>
-          <p:nvPr>
-            <p:ph type="ftr" sz="quarter" idx="11"/>
-          </p:nvPr>
-        </p:nvSpPr>
-        <p:spPr/>
-        <p:txBody>
-          <a:bodyPr/>
-          <a:lstStyle/>
-          <a:p>
-            <a:r>
-              <a:rPr lang="de-DE" smtClean="0"/>
-              <a:t>Michael Behr, Martin Kampa, Huina Zhu, Betreuer: Johannes Schneider</a:t>
-            </a:r>
-            <a:endParaRPr lang="de-DE"/>
-          </a:p>
-        </p:txBody>
-      </p:sp>
-      <p:sp>
-        <p:nvSpPr>
-          <p:cNvPr id="7" name="Foliennummernplatzhalter 6"/>
-          <p:cNvSpPr>
-            <a:spLocks noGrp="1"/>
-          </p:cNvSpPr>
-          <p:nvPr>
-            <p:ph type="sldNum" sz="quarter" idx="12"/>
-          </p:nvPr>
-        </p:nvSpPr>
-        <p:spPr/>
-        <p:txBody>
-          <a:bodyPr/>
-          <a:lstStyle/>
-          <a:p>
-            <a:fld id="{7FBB16D6-E964-4041-9FFF-CB6ECC1FFCE6}" type="slidenum">
-              <a:rPr lang="de-DE" smtClean="0"/>
-              <a:t>13</a:t>
-            </a:fld>
-            <a:endParaRPr lang="de-DE"/>
-          </a:p>
-        </p:txBody>
-      </p:sp>
-      <p:sp>
-        <p:nvSpPr>
           <p:cNvPr id="13" name="Textfeld 12"/>
           <p:cNvSpPr txBox="1"/>
           <p:nvPr/>
@@ -15904,19 +15563,7 @@
                 <a:latin typeface="Helvetica" panose="020B0604020202020204" pitchFamily="34" charset="0"/>
                 <a:cs typeface="Helvetica" panose="020B0604020202020204" pitchFamily="34" charset="0"/>
               </a:rPr>
-              <a:t>. </a:t>
-            </a:r>
-            <a:r>
-              <a:rPr lang="de-DE" sz="2000" b="1" dirty="0" smtClean="0">
-                <a:solidFill>
-                  <a:schemeClr val="bg1">
-                    <a:lumMod val="65000"/>
-                  </a:schemeClr>
-                </a:solidFill>
-                <a:latin typeface="Helvetica" panose="020B0604020202020204" pitchFamily="34" charset="0"/>
-                <a:cs typeface="Helvetica" panose="020B0604020202020204" pitchFamily="34" charset="0"/>
-              </a:rPr>
-              <a:t>Projekt-Fazit</a:t>
+              <a:t>. Projekt-Fazit</a:t>
             </a:r>
             <a:endParaRPr lang="de-DE" sz="2000" b="1" dirty="0">
               <a:solidFill>
@@ -17858,7 +17505,7 @@
 </p:sld>
 </file>
 
-<file path=ppt/slides/slide14.xml><?xml version="1.0" encoding="utf-8"?>
+<file path=ppt/slides/slide13.xml><?xml version="1.0" encoding="utf-8"?>
 <p:sld xmlns:a="http://schemas.openxmlformats.org/drawingml/2006/main" xmlns:r="http://schemas.openxmlformats.org/officeDocument/2006/relationships" xmlns:p="http://schemas.openxmlformats.org/presentationml/2006/main">
   <p:cSld>
     <p:spTree>
@@ -17915,7 +17562,7 @@
           <a:p>
             <a:fld id="{7FBB16D6-E964-4041-9FFF-CB6ECC1FFCE6}" type="slidenum">
               <a:rPr lang="de-DE" smtClean="0"/>
-              <a:t>14</a:t>
+              <a:t>13</a:t>
             </a:fld>
             <a:endParaRPr lang="de-DE"/>
           </a:p>
@@ -18077,10 +17724,6 @@
               </a:rPr>
               <a:t> frühestens mit Java 9 (evtl. 2016)</a:t>
             </a:r>
-            <a:endParaRPr lang="de-DE" dirty="0" smtClean="0">
-              <a:latin typeface="Helvetica" panose="020B0604020202020204" pitchFamily="34" charset="0"/>
-              <a:cs typeface="Helvetica" panose="020B0604020202020204" pitchFamily="34" charset="0"/>
-            </a:endParaRPr>
           </a:p>
           <a:p>
             <a:pPr marL="285750" indent="-285750">
@@ -18125,21 +17768,7 @@
                 <a:latin typeface="Helvetica" panose="020B0604020202020204" pitchFamily="34" charset="0"/>
                 <a:cs typeface="Helvetica" panose="020B0604020202020204" pitchFamily="34" charset="0"/>
               </a:rPr>
-              <a:t>“module </a:t>
-            </a:r>
-            <a:r>
-              <a:rPr lang="en-US" dirty="0">
-                <a:latin typeface="Helvetica" panose="020B0604020202020204" pitchFamily="34" charset="0"/>
-                <a:cs typeface="Helvetica" panose="020B0604020202020204" pitchFamily="34" charset="0"/>
-              </a:rPr>
-              <a:t>A depends on version 1.0 of module C, and module B depends on version 2.0 of module C, the java runtime can figure out which version of the classes in module C to be seen by either module A or module </a:t>
-            </a:r>
-            <a:r>
-              <a:rPr lang="en-US" dirty="0">
-                <a:latin typeface="Helvetica" panose="020B0604020202020204" pitchFamily="34" charset="0"/>
-                <a:cs typeface="Helvetica" panose="020B0604020202020204" pitchFamily="34" charset="0"/>
-              </a:rPr>
-              <a:t>B</a:t>
+              <a:t>“module A depends on version 1.0 of module C, and module B depends on version 2.0 of module C, the java runtime can figure out which version of the classes in module C to be seen by either module A or module B</a:t>
             </a:r>
             <a:r>
               <a:rPr lang="en-US" dirty="0" smtClean="0">
@@ -18470,6 +18099,145 @@
 </p:sld>
 </file>
 
+<file path=ppt/slides/slide14.xml><?xml version="1.0" encoding="utf-8"?>
+<p:sld xmlns:a="http://schemas.openxmlformats.org/drawingml/2006/main" xmlns:r="http://schemas.openxmlformats.org/officeDocument/2006/relationships" xmlns:p="http://schemas.openxmlformats.org/presentationml/2006/main">
+  <p:cSld>
+    <p:spTree>
+      <p:nvGrpSpPr>
+        <p:cNvPr id="1" name=""/>
+        <p:cNvGrpSpPr/>
+        <p:nvPr/>
+      </p:nvGrpSpPr>
+      <p:grpSpPr>
+        <a:xfrm>
+          <a:off x="0" y="0"/>
+          <a:ext cx="0" cy="0"/>
+          <a:chOff x="0" y="0"/>
+          <a:chExt cx="0" cy="0"/>
+        </a:xfrm>
+      </p:grpSpPr>
+      <p:sp>
+        <p:nvSpPr>
+          <p:cNvPr id="4" name="Fußzeilenplatzhalter 3"/>
+          <p:cNvSpPr>
+            <a:spLocks noGrp="1"/>
+          </p:cNvSpPr>
+          <p:nvPr>
+            <p:ph type="ftr" sz="quarter" idx="11"/>
+          </p:nvPr>
+        </p:nvSpPr>
+        <p:spPr/>
+        <p:txBody>
+          <a:bodyPr/>
+          <a:lstStyle/>
+          <a:p>
+            <a:r>
+              <a:rPr lang="de-DE" smtClean="0"/>
+              <a:t>Michael Behr, Martin Kampa, Huina Zhu, Betreuer: Johannes Schneider</a:t>
+            </a:r>
+            <a:endParaRPr lang="de-DE"/>
+          </a:p>
+        </p:txBody>
+      </p:sp>
+      <p:sp>
+        <p:nvSpPr>
+          <p:cNvPr id="7" name="Foliennummernplatzhalter 6"/>
+          <p:cNvSpPr>
+            <a:spLocks noGrp="1"/>
+          </p:cNvSpPr>
+          <p:nvPr>
+            <p:ph type="sldNum" sz="quarter" idx="12"/>
+          </p:nvPr>
+        </p:nvSpPr>
+        <p:spPr/>
+        <p:txBody>
+          <a:bodyPr/>
+          <a:lstStyle/>
+          <a:p>
+            <a:fld id="{7FBB16D6-E964-4041-9FFF-CB6ECC1FFCE6}" type="slidenum">
+              <a:rPr lang="de-DE" smtClean="0"/>
+              <a:t>14</a:t>
+            </a:fld>
+            <a:endParaRPr lang="de-DE"/>
+          </a:p>
+        </p:txBody>
+      </p:sp>
+      <p:sp>
+        <p:nvSpPr>
+          <p:cNvPr id="2" name="Textfeld 1"/>
+          <p:cNvSpPr txBox="1"/>
+          <p:nvPr/>
+        </p:nvSpPr>
+        <p:spPr>
+          <a:xfrm>
+            <a:off x="0" y="2878752"/>
+            <a:ext cx="9144000" cy="1323439"/>
+          </a:xfrm>
+          <a:prstGeom prst="rect">
+            <a:avLst/>
+          </a:prstGeom>
+          <a:noFill/>
+        </p:spPr>
+        <p:txBody>
+          <a:bodyPr wrap="square" rtlCol="0">
+            <a:spAutoFit/>
+          </a:bodyPr>
+          <a:lstStyle/>
+          <a:p>
+            <a:pPr algn="ctr"/>
+            <a:r>
+              <a:rPr lang="de-DE" sz="6000" b="1" dirty="0" smtClean="0">
+                <a:solidFill>
+                  <a:srgbClr val="0088CC"/>
+                </a:solidFill>
+                <a:latin typeface="Helvetica" panose="020B0604020202020204" pitchFamily="34" charset="0"/>
+                <a:cs typeface="Helvetica" panose="020B0604020202020204" pitchFamily="34" charset="0"/>
+              </a:rPr>
+              <a:t>Vielen Dank</a:t>
+            </a:r>
+          </a:p>
+          <a:p>
+            <a:pPr algn="ctr"/>
+            <a:r>
+              <a:rPr lang="de-DE" sz="2000" b="1" dirty="0" smtClean="0">
+                <a:solidFill>
+                  <a:srgbClr val="0088CC"/>
+                </a:solidFill>
+                <a:latin typeface="Helvetica" panose="020B0604020202020204" pitchFamily="34" charset="0"/>
+                <a:cs typeface="Helvetica" panose="020B0604020202020204" pitchFamily="34" charset="0"/>
+              </a:rPr>
+              <a:t>www.clashinspector.com</a:t>
+            </a:r>
+            <a:endParaRPr lang="de-DE" sz="2000" b="1" dirty="0">
+              <a:solidFill>
+                <a:srgbClr val="0088CC"/>
+              </a:solidFill>
+              <a:latin typeface="Helvetica" panose="020B0604020202020204" pitchFamily="34" charset="0"/>
+              <a:cs typeface="Helvetica" panose="020B0604020202020204" pitchFamily="34" charset="0"/>
+            </a:endParaRPr>
+          </a:p>
+        </p:txBody>
+      </p:sp>
+    </p:spTree>
+    <p:extLst>
+      <p:ext uri="{BB962C8B-B14F-4D97-AF65-F5344CB8AC3E}">
+        <p14:creationId xmlns:p14="http://schemas.microsoft.com/office/powerpoint/2010/main" val="2769632234"/>
+      </p:ext>
+    </p:extLst>
+  </p:cSld>
+  <p:clrMapOvr>
+    <a:masterClrMapping/>
+  </p:clrMapOvr>
+  <p:timing>
+    <p:tnLst>
+      <p:par>
+        <p:cTn id="1" dur="indefinite" restart="never" nodeType="tmRoot"/>
+      </p:par>
+    </p:tnLst>
+  </p:timing>
+</p:sld>
+</file>
+
 <file path=ppt/slides/slide15.xml><?xml version="1.0" encoding="utf-8"?>
 <p:sld xmlns:a="http://schemas.openxmlformats.org/drawingml/2006/main" xmlns:r="http://schemas.openxmlformats.org/officeDocument/2006/relationships" xmlns:p="http://schemas.openxmlformats.org/presentationml/2006/main">
   <p:cSld>
@@ -18542,7 +18310,7 @@
         <p:spPr>
           <a:xfrm>
             <a:off x="0" y="2878752"/>
-            <a:ext cx="9144000" cy="1323439"/>
+            <a:ext cx="9144000" cy="1015663"/>
           </a:xfrm>
           <a:prstGeom prst="rect">
             <a:avLst/>
@@ -18564,22 +18332,9 @@
                 <a:latin typeface="Helvetica" panose="020B0604020202020204" pitchFamily="34" charset="0"/>
                 <a:cs typeface="Helvetica" panose="020B0604020202020204" pitchFamily="34" charset="0"/>
               </a:rPr>
-              <a:t>Vielen Dank</a:t>
-            </a:r>
-          </a:p>
-          <a:p>
-            <a:pPr algn="ctr"/>
-            <a:r>
-              <a:rPr lang="de-DE" sz="2000" b="1" dirty="0" smtClean="0">
-                <a:solidFill>
-                  <a:srgbClr val="0088CC"/>
-                </a:solidFill>
-                <a:latin typeface="Helvetica" panose="020B0604020202020204" pitchFamily="34" charset="0"/>
-                <a:cs typeface="Helvetica" panose="020B0604020202020204" pitchFamily="34" charset="0"/>
-              </a:rPr>
-              <a:t>www.clashinspector.com</a:t>
-            </a:r>
-            <a:endParaRPr lang="de-DE" sz="2000" b="1" dirty="0">
+              <a:t>Backup</a:t>
+            </a:r>
+            <a:endParaRPr lang="de-DE" sz="6000" b="1" dirty="0">
               <a:solidFill>
                 <a:srgbClr val="0088CC"/>
               </a:solidFill>
@@ -18592,7 +18347,7 @@
     </p:spTree>
     <p:extLst>
       <p:ext uri="{BB962C8B-B14F-4D97-AF65-F5344CB8AC3E}">
-        <p14:creationId xmlns:p14="http://schemas.microsoft.com/office/powerpoint/2010/main" val="2769632234"/>
+        <p14:creationId xmlns:p14="http://schemas.microsoft.com/office/powerpoint/2010/main" val="3409035635"/>
       </p:ext>
     </p:extLst>
   </p:cSld>
@@ -18674,14 +18429,63 @@
       </p:sp>
       <p:sp>
         <p:nvSpPr>
+          <p:cNvPr id="13" name="Textfeld 12"/>
+          <p:cNvSpPr txBox="1"/>
+          <p:nvPr/>
+        </p:nvSpPr>
+        <p:spPr>
+          <a:xfrm>
+            <a:off x="2051720" y="796642"/>
+            <a:ext cx="6840761" cy="400110"/>
+          </a:xfrm>
+          <a:prstGeom prst="rect">
+            <a:avLst/>
+          </a:prstGeom>
+          <a:solidFill>
+            <a:schemeClr val="bg1"/>
+          </a:solidFill>
+        </p:spPr>
+        <p:txBody>
+          <a:bodyPr wrap="square" rtlCol="0">
+            <a:spAutoFit/>
+          </a:bodyPr>
+          <a:lstStyle/>
+          <a:p>
+            <a:pPr algn="r"/>
+            <a:r>
+              <a:rPr lang="de-DE" sz="2000" b="1" dirty="0" smtClean="0">
+                <a:solidFill>
+                  <a:schemeClr val="bg1">
+                    <a:lumMod val="65000"/>
+                  </a:schemeClr>
+                </a:solidFill>
+                <a:latin typeface="Helvetica" panose="020B0604020202020204" pitchFamily="34" charset="0"/>
+                <a:cs typeface="Helvetica" panose="020B0604020202020204" pitchFamily="34" charset="0"/>
+              </a:rPr>
+              <a:t>4. Demo – Grundlagen Maven Plugin</a:t>
+            </a:r>
+            <a:endParaRPr lang="de-DE" sz="2000" b="1" dirty="0">
+              <a:solidFill>
+                <a:schemeClr val="bg1">
+                  <a:lumMod val="65000"/>
+                </a:schemeClr>
+              </a:solidFill>
+              <a:latin typeface="Helvetica" panose="020B0604020202020204" pitchFamily="34" charset="0"/>
+              <a:cs typeface="Helvetica" panose="020B0604020202020204" pitchFamily="34" charset="0"/>
+            </a:endParaRPr>
+          </a:p>
+        </p:txBody>
+      </p:sp>
+      <p:sp>
+        <p:nvSpPr>
           <p:cNvPr id="2" name="Textfeld 1"/>
           <p:cNvSpPr txBox="1"/>
           <p:nvPr/>
         </p:nvSpPr>
         <p:spPr>
           <a:xfrm>
-            <a:off x="0" y="2878752"/>
-            <a:ext cx="9144000" cy="1015663"/>
+            <a:off x="539552" y="1648019"/>
+            <a:ext cx="7992888" cy="3693319"/>
           </a:xfrm>
           <a:prstGeom prst="rect">
             <a:avLst/>
@@ -18694,21 +18498,155 @@
           </a:bodyPr>
           <a:lstStyle/>
           <a:p>
-            <a:pPr algn="ctr"/>
-            <a:r>
-              <a:rPr lang="de-DE" sz="6000" b="1" dirty="0" smtClean="0">
-                <a:solidFill>
-                  <a:srgbClr val="0088CC"/>
-                </a:solidFill>
+            <a:pPr marL="285750" indent="-285750">
+              <a:buFont typeface="Arial" panose="020B0604020202020204" pitchFamily="34" charset="0"/>
+              <a:buChar char="•"/>
+            </a:pPr>
+            <a:r>
+              <a:rPr lang="de-DE" dirty="0" smtClean="0">
                 <a:latin typeface="Helvetica" panose="020B0604020202020204" pitchFamily="34" charset="0"/>
                 <a:cs typeface="Helvetica" panose="020B0604020202020204" pitchFamily="34" charset="0"/>
               </a:rPr>
-              <a:t>Backup</a:t>
-            </a:r>
-            <a:endParaRPr lang="de-DE" sz="6000" b="1" dirty="0">
-              <a:solidFill>
-                <a:srgbClr val="0088CC"/>
-              </a:solidFill>
+              <a:t>Eigentliche Funktionen von Maven bilden die einzelnen Plugins</a:t>
+            </a:r>
+          </a:p>
+          <a:p>
+            <a:pPr marL="285750" indent="-285750">
+              <a:buFont typeface="Arial" panose="020B0604020202020204" pitchFamily="34" charset="0"/>
+              <a:buChar char="•"/>
+            </a:pPr>
+            <a:endParaRPr lang="de-DE" dirty="0" smtClean="0">
+              <a:latin typeface="Helvetica" panose="020B0604020202020204" pitchFamily="34" charset="0"/>
+              <a:cs typeface="Helvetica" panose="020B0604020202020204" pitchFamily="34" charset="0"/>
+            </a:endParaRPr>
+          </a:p>
+          <a:p>
+            <a:pPr marL="285750" indent="-285750">
+              <a:buFont typeface="Arial" panose="020B0604020202020204" pitchFamily="34" charset="0"/>
+              <a:buChar char="•"/>
+            </a:pPr>
+            <a:r>
+              <a:rPr lang="de-DE" dirty="0" smtClean="0">
+                <a:latin typeface="Helvetica" panose="020B0604020202020204" pitchFamily="34" charset="0"/>
+                <a:cs typeface="Helvetica" panose="020B0604020202020204" pitchFamily="34" charset="0"/>
+              </a:rPr>
+              <a:t>Plugins müssen nicht extra installiert werden, sondern werden bei Bedarf automatisch aus dem Repository heruntergeladen</a:t>
+            </a:r>
+          </a:p>
+          <a:p>
+            <a:pPr marL="285750" indent="-285750">
+              <a:buFont typeface="Arial" panose="020B0604020202020204" pitchFamily="34" charset="0"/>
+              <a:buChar char="•"/>
+            </a:pPr>
+            <a:endParaRPr lang="de-DE" dirty="0" smtClean="0">
+              <a:latin typeface="Helvetica" panose="020B0604020202020204" pitchFamily="34" charset="0"/>
+              <a:cs typeface="Helvetica" panose="020B0604020202020204" pitchFamily="34" charset="0"/>
+            </a:endParaRPr>
+          </a:p>
+          <a:p>
+            <a:pPr marL="285750" indent="-285750">
+              <a:buFont typeface="Arial" panose="020B0604020202020204" pitchFamily="34" charset="0"/>
+              <a:buChar char="•"/>
+            </a:pPr>
+            <a:r>
+              <a:rPr lang="de-DE" dirty="0" err="1" smtClean="0">
+                <a:latin typeface="Helvetica" panose="020B0604020202020204" pitchFamily="34" charset="0"/>
+                <a:cs typeface="Helvetica" panose="020B0604020202020204" pitchFamily="34" charset="0"/>
+              </a:rPr>
+              <a:t>Pluginausführung</a:t>
+            </a:r>
+            <a:r>
+              <a:rPr lang="de-DE" dirty="0" smtClean="0">
+                <a:latin typeface="Helvetica" panose="020B0604020202020204" pitchFamily="34" charset="0"/>
+                <a:cs typeface="Helvetica" panose="020B0604020202020204" pitchFamily="34" charset="0"/>
+              </a:rPr>
+              <a:t> entweder durch Konfiguration in der POM oder direkt in der Kommandozeile durch </a:t>
+            </a:r>
+            <a:r>
+              <a:rPr lang="de-DE" dirty="0">
+                <a:latin typeface="Helvetica" panose="020B0604020202020204" pitchFamily="34" charset="0"/>
+                <a:cs typeface="Helvetica" panose="020B0604020202020204" pitchFamily="34" charset="0"/>
+              </a:rPr>
+              <a:t>E</a:t>
+            </a:r>
+            <a:r>
+              <a:rPr lang="de-DE" dirty="0" smtClean="0">
+                <a:latin typeface="Helvetica" panose="020B0604020202020204" pitchFamily="34" charset="0"/>
+                <a:cs typeface="Helvetica" panose="020B0604020202020204" pitchFamily="34" charset="0"/>
+              </a:rPr>
+              <a:t>ingabe von </a:t>
+            </a:r>
+          </a:p>
+          <a:p>
+            <a:pPr marL="285750" indent="-285750">
+              <a:buFont typeface="Arial" panose="020B0604020202020204" pitchFamily="34" charset="0"/>
+              <a:buChar char="•"/>
+            </a:pPr>
+            <a:endParaRPr lang="de-DE" dirty="0" smtClean="0">
+              <a:latin typeface="Helvetica" panose="020B0604020202020204" pitchFamily="34" charset="0"/>
+              <a:cs typeface="Helvetica" panose="020B0604020202020204" pitchFamily="34" charset="0"/>
+            </a:endParaRPr>
+          </a:p>
+          <a:p>
+            <a:r>
+              <a:rPr lang="de-DE" dirty="0">
+                <a:latin typeface="Helvetica" panose="020B0604020202020204" pitchFamily="34" charset="0"/>
+                <a:cs typeface="Helvetica" panose="020B0604020202020204" pitchFamily="34" charset="0"/>
+              </a:rPr>
+              <a:t>	</a:t>
+            </a:r>
+            <a:r>
+              <a:rPr lang="de-DE" dirty="0" smtClean="0">
+                <a:latin typeface="Helvetica" panose="020B0604020202020204" pitchFamily="34" charset="0"/>
+                <a:cs typeface="Helvetica" panose="020B0604020202020204" pitchFamily="34" charset="0"/>
+              </a:rPr>
+              <a:t>	</a:t>
+            </a:r>
+            <a:r>
+              <a:rPr lang="de-DE" b="1" i="1" dirty="0" err="1" smtClean="0">
+                <a:latin typeface="Helvetica" panose="020B0604020202020204" pitchFamily="34" charset="0"/>
+                <a:cs typeface="Helvetica" panose="020B0604020202020204" pitchFamily="34" charset="0"/>
+              </a:rPr>
+              <a:t>mvn</a:t>
+            </a:r>
+            <a:r>
+              <a:rPr lang="de-DE" b="1" i="1" dirty="0" smtClean="0">
+                <a:latin typeface="Helvetica" panose="020B0604020202020204" pitchFamily="34" charset="0"/>
+                <a:cs typeface="Helvetica" panose="020B0604020202020204" pitchFamily="34" charset="0"/>
+              </a:rPr>
+              <a:t> </a:t>
+            </a:r>
+            <a:r>
+              <a:rPr lang="de-DE" b="1" i="1" dirty="0" err="1" smtClean="0">
+                <a:latin typeface="Helvetica" panose="020B0604020202020204" pitchFamily="34" charset="0"/>
+                <a:cs typeface="Helvetica" panose="020B0604020202020204" pitchFamily="34" charset="0"/>
+              </a:rPr>
+              <a:t>groupId:artifactId:version:goal</a:t>
+            </a:r>
+            <a:endParaRPr lang="de-DE" b="1" i="1" dirty="0" smtClean="0">
+              <a:latin typeface="Helvetica" panose="020B0604020202020204" pitchFamily="34" charset="0"/>
+              <a:cs typeface="Helvetica" panose="020B0604020202020204" pitchFamily="34" charset="0"/>
+            </a:endParaRPr>
+          </a:p>
+          <a:p>
+            <a:endParaRPr lang="de-DE" b="1" i="1" dirty="0">
+              <a:latin typeface="Helvetica" panose="020B0604020202020204" pitchFamily="34" charset="0"/>
+              <a:cs typeface="Helvetica" panose="020B0604020202020204" pitchFamily="34" charset="0"/>
+            </a:endParaRPr>
+          </a:p>
+          <a:p>
+            <a:pPr marL="285750" indent="-285750">
+              <a:buFont typeface="Arial" panose="020B0604020202020204" pitchFamily="34" charset="0"/>
+              <a:buChar char="•"/>
+            </a:pPr>
+            <a:r>
+              <a:rPr lang="de-DE" dirty="0" smtClean="0">
+                <a:latin typeface="Helvetica" panose="020B0604020202020204" pitchFamily="34" charset="0"/>
+                <a:cs typeface="Helvetica" panose="020B0604020202020204" pitchFamily="34" charset="0"/>
+              </a:rPr>
+              <a:t>Jedes Plugin besitzt sogenannte Goals, über welche die eigentlichen Funktionen eines Plugins aufgerufen werden (z.B. com.clashinspector:clashinspector:0.3:tree)</a:t>
+            </a:r>
+            <a:endParaRPr lang="de-DE" dirty="0">
               <a:latin typeface="Helvetica" panose="020B0604020202020204" pitchFamily="34" charset="0"/>
               <a:cs typeface="Helvetica" panose="020B0604020202020204" pitchFamily="34" charset="0"/>
             </a:endParaRPr>
@@ -18718,7 +18656,7 @@
     </p:spTree>
     <p:extLst>
       <p:ext uri="{BB962C8B-B14F-4D97-AF65-F5344CB8AC3E}">
-        <p14:creationId xmlns:p14="http://schemas.microsoft.com/office/powerpoint/2010/main" val="3409035635"/>
+        <p14:creationId xmlns:p14="http://schemas.microsoft.com/office/powerpoint/2010/main" val="606394329"/>
       </p:ext>
     </p:extLst>
   </p:cSld>
@@ -18833,19 +18771,7 @@
                 <a:latin typeface="Helvetica" panose="020B0604020202020204" pitchFamily="34" charset="0"/>
                 <a:cs typeface="Helvetica" panose="020B0604020202020204" pitchFamily="34" charset="0"/>
               </a:rPr>
-              <a:t>Verwendete </a:t>
-            </a:r>
-            <a:r>
-              <a:rPr lang="de-DE" sz="2000" b="1" dirty="0" smtClean="0">
-                <a:solidFill>
-                  <a:schemeClr val="bg1">
-                    <a:lumMod val="65000"/>
-                  </a:schemeClr>
-                </a:solidFill>
-                <a:latin typeface="Helvetica" panose="020B0604020202020204" pitchFamily="34" charset="0"/>
-                <a:cs typeface="Helvetica" panose="020B0604020202020204" pitchFamily="34" charset="0"/>
-              </a:rPr>
-              <a:t>Werkzeuge</a:t>
+              <a:t>Verwendete Werkzeuge</a:t>
             </a:r>
             <a:endParaRPr lang="de-DE" sz="2000" b="1" dirty="0">
               <a:solidFill>
@@ -19440,19 +19366,7 @@
                 <a:latin typeface="Helvetica" panose="020B0604020202020204" pitchFamily="34" charset="0"/>
                 <a:cs typeface="Helvetica" panose="020B0604020202020204" pitchFamily="34" charset="0"/>
               </a:rPr>
-              <a:t>Einblick </a:t>
-            </a:r>
-            <a:r>
-              <a:rPr lang="de-DE" sz="2000" b="1" dirty="0" smtClean="0">
-                <a:solidFill>
-                  <a:schemeClr val="bg1">
-                    <a:lumMod val="65000"/>
-                  </a:schemeClr>
-                </a:solidFill>
-                <a:latin typeface="Helvetica" panose="020B0604020202020204" pitchFamily="34" charset="0"/>
-                <a:cs typeface="Helvetica" panose="020B0604020202020204" pitchFamily="34" charset="0"/>
-              </a:rPr>
-              <a:t>Umsetzung – Grobes Vorgehen</a:t>
+              <a:t>Einblick Umsetzung – Grobes Vorgehen</a:t>
             </a:r>
             <a:endParaRPr lang="de-DE" sz="2000" b="1" dirty="0">
               <a:solidFill>
@@ -21798,19 +21712,7 @@
                 <a:latin typeface="Helvetica" panose="020B0604020202020204" pitchFamily="34" charset="0"/>
                 <a:cs typeface="Helvetica" panose="020B0604020202020204" pitchFamily="34" charset="0"/>
               </a:rPr>
-              <a:t>Einblick </a:t>
-            </a:r>
-            <a:r>
-              <a:rPr lang="de-DE" sz="2000" b="1" dirty="0" smtClean="0">
-                <a:solidFill>
-                  <a:schemeClr val="bg1">
-                    <a:lumMod val="65000"/>
-                  </a:schemeClr>
-                </a:solidFill>
-                <a:latin typeface="Helvetica" panose="020B0604020202020204" pitchFamily="34" charset="0"/>
-                <a:cs typeface="Helvetica" panose="020B0604020202020204" pitchFamily="34" charset="0"/>
-              </a:rPr>
-              <a:t>Umsetzung – Grobes Vorgehen</a:t>
+              <a:t>Einblick Umsetzung – Grobes Vorgehen</a:t>
             </a:r>
             <a:endParaRPr lang="de-DE" sz="2000" b="1" dirty="0">
               <a:solidFill>
@@ -22486,13 +22388,6 @@
               </a:rPr>
               <a:t>Umfang des Plugins</a:t>
             </a:r>
-            <a:endParaRPr lang="de-DE" sz="2800" b="1" dirty="0" smtClean="0">
-              <a:solidFill>
-                <a:srgbClr val="262626"/>
-              </a:solidFill>
-              <a:latin typeface="Helvetica" panose="020B0604020202020204" pitchFamily="34" charset="0"/>
-              <a:cs typeface="Helvetica" panose="020B0604020202020204" pitchFamily="34" charset="0"/>
-            </a:endParaRPr>
           </a:p>
           <a:p>
             <a:pPr marL="514350" indent="-514350" algn="l">
@@ -22529,17 +22424,8 @@
                 <a:latin typeface="Helvetica" panose="020B0604020202020204" pitchFamily="34" charset="0"/>
                 <a:cs typeface="Helvetica" panose="020B0604020202020204" pitchFamily="34" charset="0"/>
               </a:rPr>
-              <a:t>Demo</a:t>
-            </a:r>
-          </a:p>
-          <a:p>
-            <a:pPr marL="514350" indent="-514350" algn="l">
-              <a:lnSpc>
-                <a:spcPct val="150000"/>
-              </a:lnSpc>
-              <a:buFont typeface="+mj-lt"/>
-              <a:buAutoNum type="arabicPeriod"/>
-            </a:pPr>
+              <a:t>Fazit </a:t>
+            </a:r>
             <a:r>
               <a:rPr lang="de-DE" sz="2800" b="1" dirty="0" smtClean="0">
                 <a:solidFill>
@@ -22548,15 +22434,8 @@
                 <a:latin typeface="Helvetica" panose="020B0604020202020204" pitchFamily="34" charset="0"/>
                 <a:cs typeface="Helvetica" panose="020B0604020202020204" pitchFamily="34" charset="0"/>
               </a:rPr>
-              <a:t>Fazit &amp; Ausblick</a:t>
-            </a:r>
-            <a:endParaRPr lang="de-DE" sz="2800" b="1" dirty="0" smtClean="0">
-              <a:solidFill>
-                <a:srgbClr val="262626"/>
-              </a:solidFill>
-              <a:latin typeface="Helvetica" panose="020B0604020202020204" pitchFamily="34" charset="0"/>
-              <a:cs typeface="Helvetica" panose="020B0604020202020204" pitchFamily="34" charset="0"/>
-            </a:endParaRPr>
+              <a:t>&amp; Ausblick</a:t>
+            </a:r>
           </a:p>
         </p:txBody>
       </p:sp>
@@ -22902,19 +22781,7 @@
                 <a:latin typeface="Helvetica" panose="020B0604020202020204" pitchFamily="34" charset="0"/>
                 <a:cs typeface="Helvetica" panose="020B0604020202020204" pitchFamily="34" charset="0"/>
               </a:rPr>
-              <a:t>Einblick </a:t>
-            </a:r>
-            <a:r>
-              <a:rPr lang="de-DE" sz="2000" b="1" dirty="0" smtClean="0">
-                <a:solidFill>
-                  <a:schemeClr val="bg1">
-                    <a:lumMod val="65000"/>
-                  </a:schemeClr>
-                </a:solidFill>
-                <a:latin typeface="Helvetica" panose="020B0604020202020204" pitchFamily="34" charset="0"/>
-                <a:cs typeface="Helvetica" panose="020B0604020202020204" pitchFamily="34" charset="0"/>
-              </a:rPr>
-              <a:t>Umsetzung – Goal: </a:t>
+              <a:t>Einblick Umsetzung – Goal: </a:t>
             </a:r>
             <a:r>
               <a:rPr lang="de-DE" sz="2000" b="1" dirty="0" err="1">
@@ -23124,19 +22991,7 @@
                 <a:latin typeface="Helvetica" panose="020B0604020202020204" pitchFamily="34" charset="0"/>
                 <a:cs typeface="Helvetica" panose="020B0604020202020204" pitchFamily="34" charset="0"/>
               </a:rPr>
-              <a:t>Einblick </a:t>
-            </a:r>
-            <a:r>
-              <a:rPr lang="de-DE" sz="2000" b="1" dirty="0" smtClean="0">
-                <a:solidFill>
-                  <a:schemeClr val="bg1">
-                    <a:lumMod val="65000"/>
-                  </a:schemeClr>
-                </a:solidFill>
-                <a:latin typeface="Helvetica" panose="020B0604020202020204" pitchFamily="34" charset="0"/>
-                <a:cs typeface="Helvetica" panose="020B0604020202020204" pitchFamily="34" charset="0"/>
-              </a:rPr>
-              <a:t>Umsetzung – Goal: </a:t>
+              <a:t>Einblick Umsetzung – Goal: </a:t>
             </a:r>
             <a:r>
               <a:rPr lang="de-DE" sz="2000" b="1" dirty="0" err="1">
@@ -25127,6 +24982,767 @@
       </p:grpSpPr>
       <p:sp>
         <p:nvSpPr>
+          <p:cNvPr id="14" name="Rechteck 13"/>
+          <p:cNvSpPr/>
+          <p:nvPr/>
+        </p:nvSpPr>
+        <p:spPr>
+          <a:xfrm>
+            <a:off x="2233882" y="3895041"/>
+            <a:ext cx="609926" cy="240125"/>
+          </a:xfrm>
+          <a:prstGeom prst="rect">
+            <a:avLst/>
+          </a:prstGeom>
+          <a:noFill/>
+          <a:ln>
+            <a:solidFill>
+              <a:srgbClr val="0088CC"/>
+            </a:solidFill>
+          </a:ln>
+        </p:spPr>
+        <p:style>
+          <a:lnRef idx="2">
+            <a:schemeClr val="accent1">
+              <a:shade val="50000"/>
+            </a:schemeClr>
+          </a:lnRef>
+          <a:fillRef idx="1">
+            <a:schemeClr val="accent1"/>
+          </a:fillRef>
+          <a:effectRef idx="0">
+            <a:schemeClr val="accent1"/>
+          </a:effectRef>
+          <a:fontRef idx="minor">
+            <a:schemeClr val="lt1"/>
+          </a:fontRef>
+        </p:style>
+        <p:txBody>
+          <a:bodyPr rtlCol="0" anchor="ctr"/>
+          <a:lstStyle/>
+          <a:p>
+            <a:pPr algn="ctr"/>
+            <a:endParaRPr lang="de-DE"/>
+          </a:p>
+        </p:txBody>
+      </p:sp>
+      <p:sp>
+        <p:nvSpPr>
+          <p:cNvPr id="15" name="Rechteck 14"/>
+          <p:cNvSpPr/>
+          <p:nvPr/>
+        </p:nvSpPr>
+        <p:spPr>
+          <a:xfrm>
+            <a:off x="2233022" y="4178045"/>
+            <a:ext cx="610785" cy="240125"/>
+          </a:xfrm>
+          <a:prstGeom prst="rect">
+            <a:avLst/>
+          </a:prstGeom>
+          <a:noFill/>
+          <a:ln>
+            <a:solidFill>
+              <a:srgbClr val="0088CC"/>
+            </a:solidFill>
+          </a:ln>
+        </p:spPr>
+        <p:style>
+          <a:lnRef idx="2">
+            <a:schemeClr val="accent1">
+              <a:shade val="50000"/>
+            </a:schemeClr>
+          </a:lnRef>
+          <a:fillRef idx="1">
+            <a:schemeClr val="accent1"/>
+          </a:fillRef>
+          <a:effectRef idx="0">
+            <a:schemeClr val="accent1"/>
+          </a:effectRef>
+          <a:fontRef idx="minor">
+            <a:schemeClr val="lt1"/>
+          </a:fontRef>
+        </p:style>
+        <p:txBody>
+          <a:bodyPr rtlCol="0" anchor="ctr"/>
+          <a:lstStyle/>
+          <a:p>
+            <a:pPr algn="ctr"/>
+            <a:endParaRPr lang="de-DE"/>
+          </a:p>
+        </p:txBody>
+      </p:sp>
+      <p:sp>
+        <p:nvSpPr>
+          <p:cNvPr id="16" name="Rechteck 15"/>
+          <p:cNvSpPr/>
+          <p:nvPr/>
+        </p:nvSpPr>
+        <p:spPr>
+          <a:xfrm>
+            <a:off x="2234640" y="3618534"/>
+            <a:ext cx="216024" cy="240125"/>
+          </a:xfrm>
+          <a:prstGeom prst="rect">
+            <a:avLst/>
+          </a:prstGeom>
+          <a:noFill/>
+          <a:ln>
+            <a:solidFill>
+              <a:srgbClr val="0088CC"/>
+            </a:solidFill>
+          </a:ln>
+        </p:spPr>
+        <p:style>
+          <a:lnRef idx="2">
+            <a:schemeClr val="accent1">
+              <a:shade val="50000"/>
+            </a:schemeClr>
+          </a:lnRef>
+          <a:fillRef idx="1">
+            <a:schemeClr val="accent1"/>
+          </a:fillRef>
+          <a:effectRef idx="0">
+            <a:schemeClr val="accent1"/>
+          </a:effectRef>
+          <a:fontRef idx="minor">
+            <a:schemeClr val="lt1"/>
+          </a:fontRef>
+        </p:style>
+        <p:txBody>
+          <a:bodyPr rtlCol="0" anchor="ctr"/>
+          <a:lstStyle/>
+          <a:p>
+            <a:pPr algn="ctr"/>
+            <a:endParaRPr lang="de-DE"/>
+          </a:p>
+        </p:txBody>
+      </p:sp>
+      <p:sp>
+        <p:nvSpPr>
+          <p:cNvPr id="8" name="Rechteck 7"/>
+          <p:cNvSpPr/>
+          <p:nvPr/>
+        </p:nvSpPr>
+        <p:spPr>
+          <a:xfrm>
+            <a:off x="1727305" y="3897431"/>
+            <a:ext cx="216024" cy="240124"/>
+          </a:xfrm>
+          <a:prstGeom prst="rect">
+            <a:avLst/>
+          </a:prstGeom>
+          <a:noFill/>
+          <a:ln>
+            <a:solidFill>
+              <a:srgbClr val="0088CC"/>
+            </a:solidFill>
+          </a:ln>
+        </p:spPr>
+        <p:style>
+          <a:lnRef idx="2">
+            <a:schemeClr val="accent1">
+              <a:shade val="50000"/>
+            </a:schemeClr>
+          </a:lnRef>
+          <a:fillRef idx="1">
+            <a:schemeClr val="accent1"/>
+          </a:fillRef>
+          <a:effectRef idx="0">
+            <a:schemeClr val="accent1"/>
+          </a:effectRef>
+          <a:fontRef idx="minor">
+            <a:schemeClr val="lt1"/>
+          </a:fontRef>
+        </p:style>
+        <p:txBody>
+          <a:bodyPr rtlCol="0" anchor="ctr"/>
+          <a:lstStyle/>
+          <a:p>
+            <a:pPr algn="ctr"/>
+            <a:endParaRPr lang="de-DE"/>
+          </a:p>
+        </p:txBody>
+      </p:sp>
+      <p:sp>
+        <p:nvSpPr>
+          <p:cNvPr id="9" name="Rechteck 8"/>
+          <p:cNvSpPr/>
+          <p:nvPr/>
+        </p:nvSpPr>
+        <p:spPr>
+          <a:xfrm>
+            <a:off x="1726446" y="4180435"/>
+            <a:ext cx="216024" cy="240125"/>
+          </a:xfrm>
+          <a:prstGeom prst="rect">
+            <a:avLst/>
+          </a:prstGeom>
+          <a:noFill/>
+          <a:ln>
+            <a:solidFill>
+              <a:srgbClr val="0088CC"/>
+            </a:solidFill>
+          </a:ln>
+        </p:spPr>
+        <p:style>
+          <a:lnRef idx="2">
+            <a:schemeClr val="accent1">
+              <a:shade val="50000"/>
+            </a:schemeClr>
+          </a:lnRef>
+          <a:fillRef idx="1">
+            <a:schemeClr val="accent1"/>
+          </a:fillRef>
+          <a:effectRef idx="0">
+            <a:schemeClr val="accent1"/>
+          </a:effectRef>
+          <a:fontRef idx="minor">
+            <a:schemeClr val="lt1"/>
+          </a:fontRef>
+        </p:style>
+        <p:txBody>
+          <a:bodyPr rtlCol="0" anchor="ctr"/>
+          <a:lstStyle/>
+          <a:p>
+            <a:pPr algn="ctr"/>
+            <a:endParaRPr lang="de-DE"/>
+          </a:p>
+        </p:txBody>
+      </p:sp>
+      <p:sp>
+        <p:nvSpPr>
+          <p:cNvPr id="3" name="Rechteck 2"/>
+          <p:cNvSpPr/>
+          <p:nvPr/>
+        </p:nvSpPr>
+        <p:spPr>
+          <a:xfrm>
+            <a:off x="1728063" y="3620924"/>
+            <a:ext cx="216024" cy="240124"/>
+          </a:xfrm>
+          <a:prstGeom prst="rect">
+            <a:avLst/>
+          </a:prstGeom>
+          <a:noFill/>
+          <a:ln>
+            <a:solidFill>
+              <a:srgbClr val="0088CC"/>
+            </a:solidFill>
+          </a:ln>
+        </p:spPr>
+        <p:style>
+          <a:lnRef idx="2">
+            <a:schemeClr val="accent1">
+              <a:shade val="50000"/>
+            </a:schemeClr>
+          </a:lnRef>
+          <a:fillRef idx="1">
+            <a:schemeClr val="accent1"/>
+          </a:fillRef>
+          <a:effectRef idx="0">
+            <a:schemeClr val="accent1"/>
+          </a:effectRef>
+          <a:fontRef idx="minor">
+            <a:schemeClr val="lt1"/>
+          </a:fontRef>
+        </p:style>
+        <p:txBody>
+          <a:bodyPr rtlCol="0" anchor="ctr"/>
+          <a:lstStyle/>
+          <a:p>
+            <a:pPr algn="ctr"/>
+            <a:endParaRPr lang="de-DE"/>
+          </a:p>
+        </p:txBody>
+      </p:sp>
+      <p:sp>
+        <p:nvSpPr>
+          <p:cNvPr id="17" name="Rechteck 16"/>
+          <p:cNvSpPr/>
+          <p:nvPr/>
+        </p:nvSpPr>
+        <p:spPr>
+          <a:xfrm>
+            <a:off x="2763524" y="3618534"/>
+            <a:ext cx="584340" cy="240124"/>
+          </a:xfrm>
+          <a:prstGeom prst="rect">
+            <a:avLst/>
+          </a:prstGeom>
+          <a:noFill/>
+          <a:ln>
+            <a:solidFill>
+              <a:srgbClr val="0088CC"/>
+            </a:solidFill>
+          </a:ln>
+        </p:spPr>
+        <p:style>
+          <a:lnRef idx="2">
+            <a:schemeClr val="accent1">
+              <a:shade val="50000"/>
+            </a:schemeClr>
+          </a:lnRef>
+          <a:fillRef idx="1">
+            <a:schemeClr val="accent1"/>
+          </a:fillRef>
+          <a:effectRef idx="0">
+            <a:schemeClr val="accent1"/>
+          </a:effectRef>
+          <a:fontRef idx="minor">
+            <a:schemeClr val="lt1"/>
+          </a:fontRef>
+        </p:style>
+        <p:txBody>
+          <a:bodyPr rtlCol="0" anchor="ctr"/>
+          <a:lstStyle/>
+          <a:p>
+            <a:pPr algn="ctr"/>
+            <a:endParaRPr lang="de-DE"/>
+          </a:p>
+        </p:txBody>
+      </p:sp>
+      <p:sp>
+        <p:nvSpPr>
+          <p:cNvPr id="2" name="Textfeld 1"/>
+          <p:cNvSpPr txBox="1"/>
+          <p:nvPr/>
+        </p:nvSpPr>
+        <p:spPr>
+          <a:xfrm>
+            <a:off x="1155103" y="1912764"/>
+            <a:ext cx="7377337" cy="3416320"/>
+          </a:xfrm>
+          <a:prstGeom prst="rect">
+            <a:avLst/>
+          </a:prstGeom>
+          <a:noFill/>
+        </p:spPr>
+        <p:txBody>
+          <a:bodyPr wrap="square" rtlCol="0">
+            <a:spAutoFit/>
+          </a:bodyPr>
+          <a:lstStyle/>
+          <a:p>
+            <a:r>
+              <a:rPr lang="de-DE" dirty="0" smtClean="0">
+                <a:latin typeface="Helvetica" panose="020B0604020202020204" pitchFamily="34" charset="0"/>
+                <a:cs typeface="Helvetica" panose="020B0604020202020204" pitchFamily="34" charset="0"/>
+              </a:rPr>
+              <a:t>Seit Maven 2.0:  “</a:t>
+            </a:r>
+            <a:r>
+              <a:rPr lang="de-DE" b="1" dirty="0" err="1" smtClean="0">
+                <a:latin typeface="Helvetica" panose="020B0604020202020204" pitchFamily="34" charset="0"/>
+                <a:cs typeface="Helvetica" panose="020B0604020202020204" pitchFamily="34" charset="0"/>
+              </a:rPr>
+              <a:t>Nearest</a:t>
+            </a:r>
+            <a:r>
+              <a:rPr lang="de-DE" b="1" dirty="0" smtClean="0">
+                <a:latin typeface="Helvetica" panose="020B0604020202020204" pitchFamily="34" charset="0"/>
+                <a:cs typeface="Helvetica" panose="020B0604020202020204" pitchFamily="34" charset="0"/>
+              </a:rPr>
+              <a:t> </a:t>
+            </a:r>
+            <a:r>
+              <a:rPr lang="de-DE" b="1" dirty="0">
+                <a:latin typeface="Helvetica" panose="020B0604020202020204" pitchFamily="34" charset="0"/>
+                <a:cs typeface="Helvetica" panose="020B0604020202020204" pitchFamily="34" charset="0"/>
+              </a:rPr>
+              <a:t>Definition</a:t>
+            </a:r>
+            <a:r>
+              <a:rPr lang="de-DE" dirty="0">
+                <a:latin typeface="Helvetica" panose="020B0604020202020204" pitchFamily="34" charset="0"/>
+                <a:cs typeface="Helvetica" panose="020B0604020202020204" pitchFamily="34" charset="0"/>
+              </a:rPr>
+              <a:t>“:</a:t>
+            </a:r>
+          </a:p>
+          <a:p>
+            <a:pPr lvl="0"/>
+            <a:r>
+              <a:rPr lang="de-DE" dirty="0" smtClean="0">
+                <a:latin typeface="Helvetica" panose="020B0604020202020204" pitchFamily="34" charset="0"/>
+                <a:cs typeface="Helvetica" panose="020B0604020202020204" pitchFamily="34" charset="0"/>
+              </a:rPr>
+              <a:t>Es </a:t>
+            </a:r>
+            <a:r>
+              <a:rPr lang="de-DE" dirty="0">
+                <a:latin typeface="Helvetica" panose="020B0604020202020204" pitchFamily="34" charset="0"/>
+                <a:cs typeface="Helvetica" panose="020B0604020202020204" pitchFamily="34" charset="0"/>
+              </a:rPr>
+              <a:t>wird die „</a:t>
+            </a:r>
+            <a:r>
+              <a:rPr lang="de-DE" dirty="0" err="1">
+                <a:latin typeface="Helvetica" panose="020B0604020202020204" pitchFamily="34" charset="0"/>
+                <a:cs typeface="Helvetica" panose="020B0604020202020204" pitchFamily="34" charset="0"/>
+              </a:rPr>
+              <a:t>naheliegendste</a:t>
+            </a:r>
+            <a:r>
+              <a:rPr lang="de-DE" dirty="0">
+                <a:latin typeface="Helvetica" panose="020B0604020202020204" pitchFamily="34" charset="0"/>
+                <a:cs typeface="Helvetica" panose="020B0604020202020204" pitchFamily="34" charset="0"/>
+              </a:rPr>
+              <a:t>“ Version einer </a:t>
+            </a:r>
+            <a:r>
+              <a:rPr lang="de-DE" dirty="0" smtClean="0">
+                <a:latin typeface="Helvetica" panose="020B0604020202020204" pitchFamily="34" charset="0"/>
+                <a:cs typeface="Helvetica" panose="020B0604020202020204" pitchFamily="34" charset="0"/>
+              </a:rPr>
+              <a:t>Abhängigkeit für den Klassenpfad verwendet.</a:t>
+            </a:r>
+          </a:p>
+          <a:p>
+            <a:pPr lvl="0"/>
+            <a:endParaRPr lang="de-DE" dirty="0">
+              <a:latin typeface="Helvetica" panose="020B0604020202020204" pitchFamily="34" charset="0"/>
+              <a:cs typeface="Helvetica" panose="020B0604020202020204" pitchFamily="34" charset="0"/>
+            </a:endParaRPr>
+          </a:p>
+          <a:p>
+            <a:r>
+              <a:rPr lang="en-US" dirty="0" err="1">
+                <a:latin typeface="Helvetica" panose="020B0604020202020204" pitchFamily="34" charset="0"/>
+                <a:cs typeface="Helvetica" panose="020B0604020202020204" pitchFamily="34" charset="0"/>
+              </a:rPr>
+              <a:t>Beispiel</a:t>
+            </a:r>
+            <a:r>
+              <a:rPr lang="en-US" dirty="0" smtClean="0">
+                <a:latin typeface="Helvetica" panose="020B0604020202020204" pitchFamily="34" charset="0"/>
+                <a:cs typeface="Helvetica" panose="020B0604020202020204" pitchFamily="34" charset="0"/>
+              </a:rPr>
+              <a:t>:</a:t>
+            </a:r>
+          </a:p>
+          <a:p>
+            <a:endParaRPr lang="de-DE" dirty="0">
+              <a:latin typeface="Helvetica" panose="020B0604020202020204" pitchFamily="34" charset="0"/>
+              <a:cs typeface="Helvetica" panose="020B0604020202020204" pitchFamily="34" charset="0"/>
+            </a:endParaRPr>
+          </a:p>
+          <a:p>
+            <a:r>
+              <a:rPr lang="en-US" b="1" dirty="0">
+                <a:latin typeface="Helvetica" panose="020B0604020202020204" pitchFamily="34" charset="0"/>
+                <a:cs typeface="Helvetica" panose="020B0604020202020204" pitchFamily="34" charset="0"/>
+              </a:rPr>
+              <a:t>A </a:t>
+            </a:r>
+            <a:r>
+              <a:rPr lang="en-US" dirty="0" smtClean="0">
+                <a:latin typeface="Helvetica" panose="020B0604020202020204" pitchFamily="34" charset="0"/>
+                <a:cs typeface="Helvetica" panose="020B0604020202020204" pitchFamily="34" charset="0"/>
+                <a:sym typeface="Wingdings" panose="05000000000000000000" pitchFamily="2" charset="2"/>
+              </a:rPr>
+              <a:t></a:t>
+            </a:r>
+            <a:r>
+              <a:rPr lang="en-US" dirty="0" smtClean="0">
+                <a:latin typeface="Helvetica" panose="020B0604020202020204" pitchFamily="34" charset="0"/>
+                <a:cs typeface="Helvetica" panose="020B0604020202020204" pitchFamily="34" charset="0"/>
+              </a:rPr>
+              <a:t> </a:t>
+            </a:r>
+            <a:r>
+              <a:rPr lang="en-US" b="1" dirty="0">
+                <a:latin typeface="Helvetica" panose="020B0604020202020204" pitchFamily="34" charset="0"/>
+                <a:cs typeface="Helvetica" panose="020B0604020202020204" pitchFamily="34" charset="0"/>
+              </a:rPr>
+              <a:t>B</a:t>
+            </a:r>
+            <a:r>
+              <a:rPr lang="en-US" dirty="0">
+                <a:latin typeface="Helvetica" panose="020B0604020202020204" pitchFamily="34" charset="0"/>
+                <a:cs typeface="Helvetica" panose="020B0604020202020204" pitchFamily="34" charset="0"/>
+              </a:rPr>
+              <a:t> </a:t>
+            </a:r>
+            <a:r>
+              <a:rPr lang="en-US" dirty="0" smtClean="0">
+                <a:latin typeface="Helvetica" panose="020B0604020202020204" pitchFamily="34" charset="0"/>
+                <a:cs typeface="Helvetica" panose="020B0604020202020204" pitchFamily="34" charset="0"/>
+                <a:sym typeface="Wingdings" panose="05000000000000000000" pitchFamily="2" charset="2"/>
+              </a:rPr>
+              <a:t></a:t>
+            </a:r>
+            <a:r>
+              <a:rPr lang="en-US" dirty="0" smtClean="0">
+                <a:latin typeface="Helvetica" panose="020B0604020202020204" pitchFamily="34" charset="0"/>
+                <a:cs typeface="Helvetica" panose="020B0604020202020204" pitchFamily="34" charset="0"/>
+              </a:rPr>
+              <a:t> </a:t>
+            </a:r>
+            <a:r>
+              <a:rPr lang="en-US" b="1" dirty="0">
+                <a:latin typeface="Helvetica" panose="020B0604020202020204" pitchFamily="34" charset="0"/>
+                <a:cs typeface="Helvetica" panose="020B0604020202020204" pitchFamily="34" charset="0"/>
+              </a:rPr>
+              <a:t>C</a:t>
+            </a:r>
+            <a:r>
+              <a:rPr lang="en-US" dirty="0">
+                <a:latin typeface="Helvetica" panose="020B0604020202020204" pitchFamily="34" charset="0"/>
+                <a:cs typeface="Helvetica" panose="020B0604020202020204" pitchFamily="34" charset="0"/>
+              </a:rPr>
+              <a:t> </a:t>
+            </a:r>
+            <a:r>
+              <a:rPr lang="en-US" dirty="0" smtClean="0">
+                <a:latin typeface="Helvetica" panose="020B0604020202020204" pitchFamily="34" charset="0"/>
+                <a:cs typeface="Helvetica" panose="020B0604020202020204" pitchFamily="34" charset="0"/>
+                <a:sym typeface="Wingdings" panose="05000000000000000000" pitchFamily="2" charset="2"/>
+              </a:rPr>
+              <a:t></a:t>
+            </a:r>
+            <a:r>
+              <a:rPr lang="en-US" dirty="0" smtClean="0">
+                <a:latin typeface="Helvetica" panose="020B0604020202020204" pitchFamily="34" charset="0"/>
+                <a:cs typeface="Helvetica" panose="020B0604020202020204" pitchFamily="34" charset="0"/>
+              </a:rPr>
+              <a:t> </a:t>
+            </a:r>
+            <a:r>
+              <a:rPr lang="en-US" b="1" dirty="0">
+                <a:latin typeface="Helvetica" panose="020B0604020202020204" pitchFamily="34" charset="0"/>
+                <a:cs typeface="Helvetica" panose="020B0604020202020204" pitchFamily="34" charset="0"/>
+              </a:rPr>
+              <a:t>D </a:t>
+            </a:r>
+            <a:r>
+              <a:rPr lang="en-US" b="1" dirty="0" smtClean="0">
+                <a:latin typeface="Helvetica" panose="020B0604020202020204" pitchFamily="34" charset="0"/>
+                <a:cs typeface="Helvetica" panose="020B0604020202020204" pitchFamily="34" charset="0"/>
+              </a:rPr>
+              <a:t>2.0</a:t>
+            </a:r>
+            <a:endParaRPr lang="de-DE" b="1" dirty="0">
+              <a:latin typeface="Helvetica" panose="020B0604020202020204" pitchFamily="34" charset="0"/>
+              <a:cs typeface="Helvetica" panose="020B0604020202020204" pitchFamily="34" charset="0"/>
+            </a:endParaRPr>
+          </a:p>
+          <a:p>
+            <a:r>
+              <a:rPr lang="en-US" b="1" dirty="0">
+                <a:latin typeface="Helvetica" panose="020B0604020202020204" pitchFamily="34" charset="0"/>
+                <a:cs typeface="Helvetica" panose="020B0604020202020204" pitchFamily="34" charset="0"/>
+              </a:rPr>
+              <a:t>A </a:t>
+            </a:r>
+            <a:r>
+              <a:rPr lang="en-US" dirty="0" smtClean="0">
+                <a:latin typeface="Helvetica" panose="020B0604020202020204" pitchFamily="34" charset="0"/>
+                <a:cs typeface="Helvetica" panose="020B0604020202020204" pitchFamily="34" charset="0"/>
+                <a:sym typeface="Wingdings" panose="05000000000000000000" pitchFamily="2" charset="2"/>
+              </a:rPr>
+              <a:t></a:t>
+            </a:r>
+            <a:r>
+              <a:rPr lang="en-US" dirty="0" smtClean="0">
+                <a:latin typeface="Helvetica" panose="020B0604020202020204" pitchFamily="34" charset="0"/>
+                <a:cs typeface="Helvetica" panose="020B0604020202020204" pitchFamily="34" charset="0"/>
+              </a:rPr>
+              <a:t> </a:t>
+            </a:r>
+            <a:r>
+              <a:rPr lang="en-US" b="1" dirty="0">
+                <a:latin typeface="Helvetica" panose="020B0604020202020204" pitchFamily="34" charset="0"/>
+                <a:cs typeface="Helvetica" panose="020B0604020202020204" pitchFamily="34" charset="0"/>
+              </a:rPr>
+              <a:t>E</a:t>
+            </a:r>
+            <a:r>
+              <a:rPr lang="en-US" dirty="0">
+                <a:latin typeface="Helvetica" panose="020B0604020202020204" pitchFamily="34" charset="0"/>
+                <a:cs typeface="Helvetica" panose="020B0604020202020204" pitchFamily="34" charset="0"/>
+              </a:rPr>
+              <a:t> </a:t>
+            </a:r>
+            <a:r>
+              <a:rPr lang="en-US" dirty="0" smtClean="0">
+                <a:latin typeface="Helvetica" panose="020B0604020202020204" pitchFamily="34" charset="0"/>
+                <a:cs typeface="Helvetica" panose="020B0604020202020204" pitchFamily="34" charset="0"/>
+                <a:sym typeface="Wingdings" panose="05000000000000000000" pitchFamily="2" charset="2"/>
+              </a:rPr>
+              <a:t></a:t>
+            </a:r>
+            <a:r>
+              <a:rPr lang="en-US" dirty="0" smtClean="0">
+                <a:latin typeface="Helvetica" panose="020B0604020202020204" pitchFamily="34" charset="0"/>
+                <a:cs typeface="Helvetica" panose="020B0604020202020204" pitchFamily="34" charset="0"/>
+              </a:rPr>
+              <a:t> </a:t>
+            </a:r>
+            <a:r>
+              <a:rPr lang="en-US" b="1" dirty="0">
+                <a:latin typeface="Helvetica" panose="020B0604020202020204" pitchFamily="34" charset="0"/>
+                <a:cs typeface="Helvetica" panose="020B0604020202020204" pitchFamily="34" charset="0"/>
+              </a:rPr>
+              <a:t>D </a:t>
+            </a:r>
+            <a:r>
+              <a:rPr lang="en-US" b="1" dirty="0" smtClean="0">
+                <a:latin typeface="Helvetica" panose="020B0604020202020204" pitchFamily="34" charset="0"/>
+                <a:cs typeface="Helvetica" panose="020B0604020202020204" pitchFamily="34" charset="0"/>
+              </a:rPr>
+              <a:t>1.0</a:t>
+            </a:r>
+          </a:p>
+          <a:p>
+            <a:r>
+              <a:rPr lang="en-US" b="1" dirty="0">
+                <a:latin typeface="Helvetica" panose="020B0604020202020204" pitchFamily="34" charset="0"/>
+                <a:cs typeface="Helvetica" panose="020B0604020202020204" pitchFamily="34" charset="0"/>
+              </a:rPr>
+              <a:t>A </a:t>
+            </a:r>
+            <a:r>
+              <a:rPr lang="en-US" dirty="0">
+                <a:latin typeface="Helvetica" panose="020B0604020202020204" pitchFamily="34" charset="0"/>
+                <a:cs typeface="Helvetica" panose="020B0604020202020204" pitchFamily="34" charset="0"/>
+                <a:sym typeface="Wingdings" panose="05000000000000000000" pitchFamily="2" charset="2"/>
+              </a:rPr>
+              <a:t></a:t>
+            </a:r>
+            <a:r>
+              <a:rPr lang="en-US" dirty="0">
+                <a:latin typeface="Helvetica" panose="020B0604020202020204" pitchFamily="34" charset="0"/>
+                <a:cs typeface="Helvetica" panose="020B0604020202020204" pitchFamily="34" charset="0"/>
+              </a:rPr>
+              <a:t> </a:t>
+            </a:r>
+            <a:r>
+              <a:rPr lang="en-US" b="1" dirty="0">
+                <a:latin typeface="Helvetica" panose="020B0604020202020204" pitchFamily="34" charset="0"/>
+                <a:cs typeface="Helvetica" panose="020B0604020202020204" pitchFamily="34" charset="0"/>
+              </a:rPr>
+              <a:t>F</a:t>
+            </a:r>
+            <a:r>
+              <a:rPr lang="en-US" dirty="0" smtClean="0">
+                <a:latin typeface="Helvetica" panose="020B0604020202020204" pitchFamily="34" charset="0"/>
+                <a:cs typeface="Helvetica" panose="020B0604020202020204" pitchFamily="34" charset="0"/>
+              </a:rPr>
+              <a:t> </a:t>
+            </a:r>
+            <a:r>
+              <a:rPr lang="en-US" dirty="0">
+                <a:latin typeface="Helvetica" panose="020B0604020202020204" pitchFamily="34" charset="0"/>
+                <a:cs typeface="Helvetica" panose="020B0604020202020204" pitchFamily="34" charset="0"/>
+                <a:sym typeface="Wingdings" panose="05000000000000000000" pitchFamily="2" charset="2"/>
+              </a:rPr>
+              <a:t></a:t>
+            </a:r>
+            <a:r>
+              <a:rPr lang="en-US" dirty="0">
+                <a:latin typeface="Helvetica" panose="020B0604020202020204" pitchFamily="34" charset="0"/>
+                <a:cs typeface="Helvetica" panose="020B0604020202020204" pitchFamily="34" charset="0"/>
+              </a:rPr>
+              <a:t> </a:t>
+            </a:r>
+            <a:r>
+              <a:rPr lang="en-US" b="1" dirty="0">
+                <a:latin typeface="Helvetica" panose="020B0604020202020204" pitchFamily="34" charset="0"/>
+                <a:cs typeface="Helvetica" panose="020B0604020202020204" pitchFamily="34" charset="0"/>
+              </a:rPr>
+              <a:t>D </a:t>
+            </a:r>
+            <a:r>
+              <a:rPr lang="en-US" b="1" dirty="0" smtClean="0">
+                <a:latin typeface="Helvetica" panose="020B0604020202020204" pitchFamily="34" charset="0"/>
+                <a:cs typeface="Helvetica" panose="020B0604020202020204" pitchFamily="34" charset="0"/>
+              </a:rPr>
+              <a:t>3.0</a:t>
+            </a:r>
+          </a:p>
+          <a:p>
+            <a:endParaRPr lang="de-DE" dirty="0">
+              <a:latin typeface="Helvetica" panose="020B0604020202020204" pitchFamily="34" charset="0"/>
+              <a:cs typeface="Helvetica" panose="020B0604020202020204" pitchFamily="34" charset="0"/>
+            </a:endParaRPr>
+          </a:p>
+          <a:p>
+            <a:r>
+              <a:rPr lang="de-DE" dirty="0">
+                <a:latin typeface="Helvetica" panose="020B0604020202020204" pitchFamily="34" charset="0"/>
+                <a:cs typeface="Helvetica" panose="020B0604020202020204" pitchFamily="34" charset="0"/>
+              </a:rPr>
+              <a:t>Der zweite Pfad ist </a:t>
+            </a:r>
+            <a:r>
+              <a:rPr lang="de-DE" dirty="0" smtClean="0">
+                <a:latin typeface="Helvetica" panose="020B0604020202020204" pitchFamily="34" charset="0"/>
+                <a:cs typeface="Helvetica" panose="020B0604020202020204" pitchFamily="34" charset="0"/>
+              </a:rPr>
+              <a:t>der kürzeste, </a:t>
+            </a:r>
+            <a:r>
+              <a:rPr lang="de-DE" dirty="0">
+                <a:latin typeface="Helvetica" panose="020B0604020202020204" pitchFamily="34" charset="0"/>
+                <a:cs typeface="Helvetica" panose="020B0604020202020204" pitchFamily="34" charset="0"/>
+              </a:rPr>
+              <a:t>weshalb </a:t>
+            </a:r>
+            <a:r>
+              <a:rPr lang="de-DE" b="1" dirty="0">
+                <a:latin typeface="Helvetica" panose="020B0604020202020204" pitchFamily="34" charset="0"/>
+                <a:cs typeface="Helvetica" panose="020B0604020202020204" pitchFamily="34" charset="0"/>
+              </a:rPr>
+              <a:t>D 1.0 </a:t>
+            </a:r>
+            <a:r>
+              <a:rPr lang="de-DE" dirty="0">
+                <a:latin typeface="Helvetica" panose="020B0604020202020204" pitchFamily="34" charset="0"/>
+                <a:cs typeface="Helvetica" panose="020B0604020202020204" pitchFamily="34" charset="0"/>
+              </a:rPr>
+              <a:t>für das </a:t>
+            </a:r>
+            <a:r>
+              <a:rPr lang="de-DE" dirty="0" smtClean="0">
+                <a:latin typeface="Helvetica" panose="020B0604020202020204" pitchFamily="34" charset="0"/>
+                <a:cs typeface="Helvetica" panose="020B0604020202020204" pitchFamily="34" charset="0"/>
+              </a:rPr>
+              <a:t>Gesamtprojekt </a:t>
+            </a:r>
+            <a:r>
+              <a:rPr lang="de-DE" b="1" dirty="0" smtClean="0">
+                <a:latin typeface="Helvetica" panose="020B0604020202020204" pitchFamily="34" charset="0"/>
+                <a:cs typeface="Helvetica" panose="020B0604020202020204" pitchFamily="34" charset="0"/>
+              </a:rPr>
+              <a:t>A</a:t>
+            </a:r>
+            <a:r>
+              <a:rPr lang="de-DE" dirty="0" smtClean="0">
+                <a:latin typeface="Helvetica" panose="020B0604020202020204" pitchFamily="34" charset="0"/>
+                <a:cs typeface="Helvetica" panose="020B0604020202020204" pitchFamily="34" charset="0"/>
+              </a:rPr>
+              <a:t> </a:t>
+            </a:r>
+            <a:r>
+              <a:rPr lang="de-DE" dirty="0">
+                <a:latin typeface="Helvetica" panose="020B0604020202020204" pitchFamily="34" charset="0"/>
+                <a:cs typeface="Helvetica" panose="020B0604020202020204" pitchFamily="34" charset="0"/>
+              </a:rPr>
+              <a:t>verwendet wird</a:t>
+            </a:r>
+            <a:r>
+              <a:rPr lang="de-DE" dirty="0" smtClean="0">
+                <a:latin typeface="Helvetica" panose="020B0604020202020204" pitchFamily="34" charset="0"/>
+                <a:cs typeface="Helvetica" panose="020B0604020202020204" pitchFamily="34" charset="0"/>
+              </a:rPr>
+              <a:t>.</a:t>
+            </a:r>
+          </a:p>
+        </p:txBody>
+      </p:sp>
+      <p:sp>
+        <p:nvSpPr>
           <p:cNvPr id="4" name="Fußzeilenplatzhalter 3"/>
           <p:cNvSpPr>
             <a:spLocks noGrp="1"/>
@@ -25220,343 +25836,6 @@
           </a:p>
         </p:txBody>
       </p:sp>
-      <p:sp>
-        <p:nvSpPr>
-          <p:cNvPr id="2" name="Textfeld 1"/>
-          <p:cNvSpPr txBox="1"/>
-          <p:nvPr/>
-        </p:nvSpPr>
-        <p:spPr>
-          <a:xfrm>
-            <a:off x="1155103" y="1912764"/>
-            <a:ext cx="7377337" cy="3139321"/>
-          </a:xfrm>
-          <a:prstGeom prst="rect">
-            <a:avLst/>
-          </a:prstGeom>
-          <a:noFill/>
-        </p:spPr>
-        <p:txBody>
-          <a:bodyPr wrap="square" rtlCol="0">
-            <a:spAutoFit/>
-          </a:bodyPr>
-          <a:lstStyle/>
-          <a:p>
-            <a:r>
-              <a:rPr lang="de-DE" dirty="0" smtClean="0">
-                <a:latin typeface="Helvetica" panose="020B0604020202020204" pitchFamily="34" charset="0"/>
-                <a:cs typeface="Helvetica" panose="020B0604020202020204" pitchFamily="34" charset="0"/>
-              </a:rPr>
-              <a:t>Seit Maven 2.0:  “</a:t>
-            </a:r>
-            <a:r>
-              <a:rPr lang="de-DE" b="1" dirty="0" err="1" smtClean="0">
-                <a:latin typeface="Helvetica" panose="020B0604020202020204" pitchFamily="34" charset="0"/>
-                <a:cs typeface="Helvetica" panose="020B0604020202020204" pitchFamily="34" charset="0"/>
-              </a:rPr>
-              <a:t>Nearest</a:t>
-            </a:r>
-            <a:r>
-              <a:rPr lang="de-DE" b="1" dirty="0" smtClean="0">
-                <a:latin typeface="Helvetica" panose="020B0604020202020204" pitchFamily="34" charset="0"/>
-                <a:cs typeface="Helvetica" panose="020B0604020202020204" pitchFamily="34" charset="0"/>
-              </a:rPr>
-              <a:t> </a:t>
-            </a:r>
-            <a:r>
-              <a:rPr lang="de-DE" b="1" dirty="0">
-                <a:latin typeface="Helvetica" panose="020B0604020202020204" pitchFamily="34" charset="0"/>
-                <a:cs typeface="Helvetica" panose="020B0604020202020204" pitchFamily="34" charset="0"/>
-              </a:rPr>
-              <a:t>Definition</a:t>
-            </a:r>
-            <a:r>
-              <a:rPr lang="de-DE" dirty="0">
-                <a:latin typeface="Helvetica" panose="020B0604020202020204" pitchFamily="34" charset="0"/>
-                <a:cs typeface="Helvetica" panose="020B0604020202020204" pitchFamily="34" charset="0"/>
-              </a:rPr>
-              <a:t>“:</a:t>
-            </a:r>
-          </a:p>
-          <a:p>
-            <a:pPr lvl="0"/>
-            <a:r>
-              <a:rPr lang="de-DE" dirty="0" smtClean="0">
-                <a:latin typeface="Helvetica" panose="020B0604020202020204" pitchFamily="34" charset="0"/>
-                <a:cs typeface="Helvetica" panose="020B0604020202020204" pitchFamily="34" charset="0"/>
-              </a:rPr>
-              <a:t>Es </a:t>
-            </a:r>
-            <a:r>
-              <a:rPr lang="de-DE" dirty="0">
-                <a:latin typeface="Helvetica" panose="020B0604020202020204" pitchFamily="34" charset="0"/>
-                <a:cs typeface="Helvetica" panose="020B0604020202020204" pitchFamily="34" charset="0"/>
-              </a:rPr>
-              <a:t>wird die „</a:t>
-            </a:r>
-            <a:r>
-              <a:rPr lang="de-DE" dirty="0" err="1">
-                <a:latin typeface="Helvetica" panose="020B0604020202020204" pitchFamily="34" charset="0"/>
-                <a:cs typeface="Helvetica" panose="020B0604020202020204" pitchFamily="34" charset="0"/>
-              </a:rPr>
-              <a:t>naheliegendste</a:t>
-            </a:r>
-            <a:r>
-              <a:rPr lang="de-DE" dirty="0">
-                <a:latin typeface="Helvetica" panose="020B0604020202020204" pitchFamily="34" charset="0"/>
-                <a:cs typeface="Helvetica" panose="020B0604020202020204" pitchFamily="34" charset="0"/>
-              </a:rPr>
-              <a:t>“ Version einer </a:t>
-            </a:r>
-            <a:r>
-              <a:rPr lang="de-DE" dirty="0" smtClean="0">
-                <a:latin typeface="Helvetica" panose="020B0604020202020204" pitchFamily="34" charset="0"/>
-                <a:cs typeface="Helvetica" panose="020B0604020202020204" pitchFamily="34" charset="0"/>
-              </a:rPr>
-              <a:t>Abhängigkeit für den Klassenpfad verwendet.</a:t>
-            </a:r>
-          </a:p>
-          <a:p>
-            <a:pPr lvl="0"/>
-            <a:endParaRPr lang="de-DE" dirty="0">
-              <a:latin typeface="Helvetica" panose="020B0604020202020204" pitchFamily="34" charset="0"/>
-              <a:cs typeface="Helvetica" panose="020B0604020202020204" pitchFamily="34" charset="0"/>
-            </a:endParaRPr>
-          </a:p>
-          <a:p>
-            <a:r>
-              <a:rPr lang="en-US" dirty="0" err="1">
-                <a:latin typeface="Helvetica" panose="020B0604020202020204" pitchFamily="34" charset="0"/>
-                <a:cs typeface="Helvetica" panose="020B0604020202020204" pitchFamily="34" charset="0"/>
-              </a:rPr>
-              <a:t>Beispiel</a:t>
-            </a:r>
-            <a:r>
-              <a:rPr lang="en-US" dirty="0" smtClean="0">
-                <a:latin typeface="Helvetica" panose="020B0604020202020204" pitchFamily="34" charset="0"/>
-                <a:cs typeface="Helvetica" panose="020B0604020202020204" pitchFamily="34" charset="0"/>
-              </a:rPr>
-              <a:t>:</a:t>
-            </a:r>
-          </a:p>
-          <a:p>
-            <a:endParaRPr lang="de-DE" dirty="0">
-              <a:latin typeface="Helvetica" panose="020B0604020202020204" pitchFamily="34" charset="0"/>
-              <a:cs typeface="Helvetica" panose="020B0604020202020204" pitchFamily="34" charset="0"/>
-            </a:endParaRPr>
-          </a:p>
-          <a:p>
-            <a:r>
-              <a:rPr lang="en-US" b="1" dirty="0">
-                <a:latin typeface="Helvetica" panose="020B0604020202020204" pitchFamily="34" charset="0"/>
-                <a:cs typeface="Helvetica" panose="020B0604020202020204" pitchFamily="34" charset="0"/>
-              </a:rPr>
-              <a:t>A </a:t>
-            </a:r>
-            <a:r>
-              <a:rPr lang="en-US" dirty="0" smtClean="0">
-                <a:latin typeface="Helvetica" panose="020B0604020202020204" pitchFamily="34" charset="0"/>
-                <a:cs typeface="Helvetica" panose="020B0604020202020204" pitchFamily="34" charset="0"/>
-                <a:sym typeface="Wingdings" panose="05000000000000000000" pitchFamily="2" charset="2"/>
-              </a:rPr>
-              <a:t></a:t>
-            </a:r>
-            <a:r>
-              <a:rPr lang="en-US" dirty="0" smtClean="0">
-                <a:latin typeface="Helvetica" panose="020B0604020202020204" pitchFamily="34" charset="0"/>
-                <a:cs typeface="Helvetica" panose="020B0604020202020204" pitchFamily="34" charset="0"/>
-              </a:rPr>
-              <a:t> </a:t>
-            </a:r>
-            <a:r>
-              <a:rPr lang="en-US" b="1" dirty="0">
-                <a:latin typeface="Helvetica" panose="020B0604020202020204" pitchFamily="34" charset="0"/>
-                <a:cs typeface="Helvetica" panose="020B0604020202020204" pitchFamily="34" charset="0"/>
-              </a:rPr>
-              <a:t>B</a:t>
-            </a:r>
-            <a:r>
-              <a:rPr lang="en-US" dirty="0">
-                <a:latin typeface="Helvetica" panose="020B0604020202020204" pitchFamily="34" charset="0"/>
-                <a:cs typeface="Helvetica" panose="020B0604020202020204" pitchFamily="34" charset="0"/>
-              </a:rPr>
-              <a:t> </a:t>
-            </a:r>
-            <a:r>
-              <a:rPr lang="en-US" dirty="0" smtClean="0">
-                <a:latin typeface="Helvetica" panose="020B0604020202020204" pitchFamily="34" charset="0"/>
-                <a:cs typeface="Helvetica" panose="020B0604020202020204" pitchFamily="34" charset="0"/>
-                <a:sym typeface="Wingdings" panose="05000000000000000000" pitchFamily="2" charset="2"/>
-              </a:rPr>
-              <a:t></a:t>
-            </a:r>
-            <a:r>
-              <a:rPr lang="en-US" dirty="0" smtClean="0">
-                <a:latin typeface="Helvetica" panose="020B0604020202020204" pitchFamily="34" charset="0"/>
-                <a:cs typeface="Helvetica" panose="020B0604020202020204" pitchFamily="34" charset="0"/>
-              </a:rPr>
-              <a:t> </a:t>
-            </a:r>
-            <a:r>
-              <a:rPr lang="en-US" b="1" dirty="0">
-                <a:latin typeface="Helvetica" panose="020B0604020202020204" pitchFamily="34" charset="0"/>
-                <a:cs typeface="Helvetica" panose="020B0604020202020204" pitchFamily="34" charset="0"/>
-              </a:rPr>
-              <a:t>C</a:t>
-            </a:r>
-            <a:r>
-              <a:rPr lang="en-US" dirty="0">
-                <a:latin typeface="Helvetica" panose="020B0604020202020204" pitchFamily="34" charset="0"/>
-                <a:cs typeface="Helvetica" panose="020B0604020202020204" pitchFamily="34" charset="0"/>
-              </a:rPr>
-              <a:t> </a:t>
-            </a:r>
-            <a:r>
-              <a:rPr lang="en-US" dirty="0" smtClean="0">
-                <a:latin typeface="Helvetica" panose="020B0604020202020204" pitchFamily="34" charset="0"/>
-                <a:cs typeface="Helvetica" panose="020B0604020202020204" pitchFamily="34" charset="0"/>
-                <a:sym typeface="Wingdings" panose="05000000000000000000" pitchFamily="2" charset="2"/>
-              </a:rPr>
-              <a:t></a:t>
-            </a:r>
-            <a:r>
-              <a:rPr lang="en-US" dirty="0" smtClean="0">
-                <a:latin typeface="Helvetica" panose="020B0604020202020204" pitchFamily="34" charset="0"/>
-                <a:cs typeface="Helvetica" panose="020B0604020202020204" pitchFamily="34" charset="0"/>
-              </a:rPr>
-              <a:t> </a:t>
-            </a:r>
-            <a:r>
-              <a:rPr lang="en-US" b="1" dirty="0">
-                <a:latin typeface="Helvetica" panose="020B0604020202020204" pitchFamily="34" charset="0"/>
-                <a:cs typeface="Helvetica" panose="020B0604020202020204" pitchFamily="34" charset="0"/>
-              </a:rPr>
-              <a:t>D 2.0</a:t>
-            </a:r>
-            <a:endParaRPr lang="de-DE" b="1" dirty="0">
-              <a:latin typeface="Helvetica" panose="020B0604020202020204" pitchFamily="34" charset="0"/>
-              <a:cs typeface="Helvetica" panose="020B0604020202020204" pitchFamily="34" charset="0"/>
-            </a:endParaRPr>
-          </a:p>
-          <a:p>
-            <a:r>
-              <a:rPr lang="en-US" b="1" dirty="0">
-                <a:latin typeface="Helvetica" panose="020B0604020202020204" pitchFamily="34" charset="0"/>
-                <a:cs typeface="Helvetica" panose="020B0604020202020204" pitchFamily="34" charset="0"/>
-              </a:rPr>
-              <a:t>A </a:t>
-            </a:r>
-            <a:r>
-              <a:rPr lang="en-US" dirty="0" smtClean="0">
-                <a:latin typeface="Helvetica" panose="020B0604020202020204" pitchFamily="34" charset="0"/>
-                <a:cs typeface="Helvetica" panose="020B0604020202020204" pitchFamily="34" charset="0"/>
-                <a:sym typeface="Wingdings" panose="05000000000000000000" pitchFamily="2" charset="2"/>
-              </a:rPr>
-              <a:t></a:t>
-            </a:r>
-            <a:r>
-              <a:rPr lang="en-US" dirty="0" smtClean="0">
-                <a:latin typeface="Helvetica" panose="020B0604020202020204" pitchFamily="34" charset="0"/>
-                <a:cs typeface="Helvetica" panose="020B0604020202020204" pitchFamily="34" charset="0"/>
-              </a:rPr>
-              <a:t> </a:t>
-            </a:r>
-            <a:r>
-              <a:rPr lang="en-US" b="1" dirty="0">
-                <a:latin typeface="Helvetica" panose="020B0604020202020204" pitchFamily="34" charset="0"/>
-                <a:cs typeface="Helvetica" panose="020B0604020202020204" pitchFamily="34" charset="0"/>
-              </a:rPr>
-              <a:t>E</a:t>
-            </a:r>
-            <a:r>
-              <a:rPr lang="en-US" dirty="0">
-                <a:latin typeface="Helvetica" panose="020B0604020202020204" pitchFamily="34" charset="0"/>
-                <a:cs typeface="Helvetica" panose="020B0604020202020204" pitchFamily="34" charset="0"/>
-              </a:rPr>
-              <a:t> </a:t>
-            </a:r>
-            <a:r>
-              <a:rPr lang="en-US" dirty="0" smtClean="0">
-                <a:latin typeface="Helvetica" panose="020B0604020202020204" pitchFamily="34" charset="0"/>
-                <a:cs typeface="Helvetica" panose="020B0604020202020204" pitchFamily="34" charset="0"/>
-                <a:sym typeface="Wingdings" panose="05000000000000000000" pitchFamily="2" charset="2"/>
-              </a:rPr>
-              <a:t></a:t>
-            </a:r>
-            <a:r>
-              <a:rPr lang="en-US" dirty="0" smtClean="0">
-                <a:latin typeface="Helvetica" panose="020B0604020202020204" pitchFamily="34" charset="0"/>
-                <a:cs typeface="Helvetica" panose="020B0604020202020204" pitchFamily="34" charset="0"/>
-              </a:rPr>
-              <a:t> </a:t>
-            </a:r>
-            <a:r>
-              <a:rPr lang="en-US" b="1" dirty="0">
-                <a:latin typeface="Helvetica" panose="020B0604020202020204" pitchFamily="34" charset="0"/>
-                <a:cs typeface="Helvetica" panose="020B0604020202020204" pitchFamily="34" charset="0"/>
-              </a:rPr>
-              <a:t>D </a:t>
-            </a:r>
-            <a:r>
-              <a:rPr lang="en-US" b="1" dirty="0" smtClean="0">
-                <a:latin typeface="Helvetica" panose="020B0604020202020204" pitchFamily="34" charset="0"/>
-                <a:cs typeface="Helvetica" panose="020B0604020202020204" pitchFamily="34" charset="0"/>
-              </a:rPr>
-              <a:t>1.0</a:t>
-            </a:r>
-          </a:p>
-          <a:p>
-            <a:endParaRPr lang="de-DE" dirty="0">
-              <a:latin typeface="Helvetica" panose="020B0604020202020204" pitchFamily="34" charset="0"/>
-              <a:cs typeface="Helvetica" panose="020B0604020202020204" pitchFamily="34" charset="0"/>
-            </a:endParaRPr>
-          </a:p>
-          <a:p>
-            <a:r>
-              <a:rPr lang="de-DE" dirty="0">
-                <a:latin typeface="Helvetica" panose="020B0604020202020204" pitchFamily="34" charset="0"/>
-                <a:cs typeface="Helvetica" panose="020B0604020202020204" pitchFamily="34" charset="0"/>
-              </a:rPr>
-              <a:t>Der zweite Pfad ist kürzer, weshalb </a:t>
-            </a:r>
-            <a:r>
-              <a:rPr lang="de-DE" b="1" dirty="0">
-                <a:latin typeface="Helvetica" panose="020B0604020202020204" pitchFamily="34" charset="0"/>
-                <a:cs typeface="Helvetica" panose="020B0604020202020204" pitchFamily="34" charset="0"/>
-              </a:rPr>
-              <a:t>D 1.0 </a:t>
-            </a:r>
-            <a:r>
-              <a:rPr lang="de-DE" dirty="0">
-                <a:latin typeface="Helvetica" panose="020B0604020202020204" pitchFamily="34" charset="0"/>
-                <a:cs typeface="Helvetica" panose="020B0604020202020204" pitchFamily="34" charset="0"/>
-              </a:rPr>
-              <a:t>für das </a:t>
-            </a:r>
-            <a:r>
-              <a:rPr lang="de-DE" dirty="0" smtClean="0">
-                <a:latin typeface="Helvetica" panose="020B0604020202020204" pitchFamily="34" charset="0"/>
-                <a:cs typeface="Helvetica" panose="020B0604020202020204" pitchFamily="34" charset="0"/>
-              </a:rPr>
-              <a:t>Gesamtprojekt </a:t>
-            </a:r>
-            <a:r>
-              <a:rPr lang="de-DE" dirty="0">
-                <a:latin typeface="Helvetica" panose="020B0604020202020204" pitchFamily="34" charset="0"/>
-                <a:cs typeface="Helvetica" panose="020B0604020202020204" pitchFamily="34" charset="0"/>
-              </a:rPr>
-              <a:t>verwendet wird</a:t>
-            </a:r>
-            <a:r>
-              <a:rPr lang="de-DE" dirty="0" smtClean="0">
-                <a:latin typeface="Helvetica" panose="020B0604020202020204" pitchFamily="34" charset="0"/>
-                <a:cs typeface="Helvetica" panose="020B0604020202020204" pitchFamily="34" charset="0"/>
-              </a:rPr>
-              <a:t>.</a:t>
-            </a:r>
-          </a:p>
-        </p:txBody>
-      </p:sp>
     </p:spTree>
     <p:extLst>
       <p:ext uri="{BB962C8B-B14F-4D97-AF65-F5344CB8AC3E}">
@@ -25570,9 +25849,778 @@
   <p:timing>
     <p:tnLst>
       <p:par>
-        <p:cTn id="1" dur="indefinite" restart="never" nodeType="tmRoot"/>
+        <p:cTn id="1" dur="indefinite" restart="never" nodeType="tmRoot">
+          <p:childTnLst>
+            <p:seq concurrent="1" nextAc="seek">
+              <p:cTn id="2" dur="indefinite" nodeType="mainSeq">
+                <p:childTnLst>
+                  <p:par>
+                    <p:cTn id="3" fill="hold">
+                      <p:stCondLst>
+                        <p:cond delay="indefinite"/>
+                      </p:stCondLst>
+                      <p:childTnLst>
+                        <p:par>
+                          <p:cTn id="4" fill="hold">
+                            <p:stCondLst>
+                              <p:cond delay="0"/>
+                            </p:stCondLst>
+                            <p:childTnLst>
+                              <p:par>
+                                <p:cTn id="5" presetID="10" presetClass="entr" presetSubtype="0" fill="hold" grpId="0" nodeType="clickEffect">
+                                  <p:stCondLst>
+                                    <p:cond delay="0"/>
+                                  </p:stCondLst>
+                                  <p:childTnLst>
+                                    <p:set>
+                                      <p:cBhvr>
+                                        <p:cTn id="6" dur="1" fill="hold">
+                                          <p:stCondLst>
+                                            <p:cond delay="0"/>
+                                          </p:stCondLst>
+                                        </p:cTn>
+                                        <p:tgtEl>
+                                          <p:spTgt spid="3"/>
+                                        </p:tgtEl>
+                                        <p:attrNameLst>
+                                          <p:attrName>style.visibility</p:attrName>
+                                        </p:attrNameLst>
+                                      </p:cBhvr>
+                                      <p:to>
+                                        <p:strVal val="visible"/>
+                                      </p:to>
+                                    </p:set>
+                                    <p:animEffect transition="in" filter="fade">
+                                      <p:cBhvr>
+                                        <p:cTn id="7" dur="500"/>
+                                        <p:tgtEl>
+                                          <p:spTgt spid="3"/>
+                                        </p:tgtEl>
+                                      </p:cBhvr>
+                                    </p:animEffect>
+                                  </p:childTnLst>
+                                </p:cTn>
+                              </p:par>
+                            </p:childTnLst>
+                          </p:cTn>
+                        </p:par>
+                        <p:par>
+                          <p:cTn id="8" fill="hold">
+                            <p:stCondLst>
+                              <p:cond delay="500"/>
+                            </p:stCondLst>
+                            <p:childTnLst>
+                              <p:par>
+                                <p:cTn id="9" presetID="1" presetClass="emph" presetSubtype="2" fill="hold" nodeType="afterEffect">
+                                  <p:stCondLst>
+                                    <p:cond delay="0"/>
+                                  </p:stCondLst>
+                                  <p:childTnLst>
+                                    <p:animClr clrSpc="rgb" dir="cw">
+                                      <p:cBhvr>
+                                        <p:cTn id="10" dur="2000" fill="hold"/>
+                                        <p:tgtEl>
+                                          <p:spTgt spid="3"/>
+                                        </p:tgtEl>
+                                        <p:attrNameLst>
+                                          <p:attrName>fillcolor</p:attrName>
+                                        </p:attrNameLst>
+                                      </p:cBhvr>
+                                      <p:to>
+                                        <a:srgbClr val="11FD11"/>
+                                      </p:to>
+                                    </p:animClr>
+                                    <p:set>
+                                      <p:cBhvr>
+                                        <p:cTn id="11" dur="2000" fill="hold"/>
+                                        <p:tgtEl>
+                                          <p:spTgt spid="3"/>
+                                        </p:tgtEl>
+                                        <p:attrNameLst>
+                                          <p:attrName>fill.type</p:attrName>
+                                        </p:attrNameLst>
+                                      </p:cBhvr>
+                                      <p:to>
+                                        <p:strVal val="solid"/>
+                                      </p:to>
+                                    </p:set>
+                                    <p:set>
+                                      <p:cBhvr>
+                                        <p:cTn id="12" dur="2000" fill="hold"/>
+                                        <p:tgtEl>
+                                          <p:spTgt spid="3"/>
+                                        </p:tgtEl>
+                                        <p:attrNameLst>
+                                          <p:attrName>fill.on</p:attrName>
+                                        </p:attrNameLst>
+                                      </p:cBhvr>
+                                      <p:to>
+                                        <p:strVal val="true"/>
+                                      </p:to>
+                                    </p:set>
+                                  </p:childTnLst>
+                                </p:cTn>
+                              </p:par>
+                            </p:childTnLst>
+                          </p:cTn>
+                        </p:par>
+                        <p:par>
+                          <p:cTn id="13" fill="hold">
+                            <p:stCondLst>
+                              <p:cond delay="2500"/>
+                            </p:stCondLst>
+                            <p:childTnLst>
+                              <p:par>
+                                <p:cTn id="14" presetID="10" presetClass="entr" presetSubtype="0" fill="hold" grpId="0" nodeType="afterEffect">
+                                  <p:stCondLst>
+                                    <p:cond delay="0"/>
+                                  </p:stCondLst>
+                                  <p:childTnLst>
+                                    <p:set>
+                                      <p:cBhvr>
+                                        <p:cTn id="15" dur="1" fill="hold">
+                                          <p:stCondLst>
+                                            <p:cond delay="0"/>
+                                          </p:stCondLst>
+                                        </p:cTn>
+                                        <p:tgtEl>
+                                          <p:spTgt spid="8"/>
+                                        </p:tgtEl>
+                                        <p:attrNameLst>
+                                          <p:attrName>style.visibility</p:attrName>
+                                        </p:attrNameLst>
+                                      </p:cBhvr>
+                                      <p:to>
+                                        <p:strVal val="visible"/>
+                                      </p:to>
+                                    </p:set>
+                                    <p:animEffect transition="in" filter="fade">
+                                      <p:cBhvr>
+                                        <p:cTn id="16" dur="500"/>
+                                        <p:tgtEl>
+                                          <p:spTgt spid="8"/>
+                                        </p:tgtEl>
+                                      </p:cBhvr>
+                                    </p:animEffect>
+                                  </p:childTnLst>
+                                </p:cTn>
+                              </p:par>
+                            </p:childTnLst>
+                          </p:cTn>
+                        </p:par>
+                        <p:par>
+                          <p:cTn id="17" fill="hold">
+                            <p:stCondLst>
+                              <p:cond delay="3000"/>
+                            </p:stCondLst>
+                            <p:childTnLst>
+                              <p:par>
+                                <p:cTn id="18" presetID="1" presetClass="emph" presetSubtype="2" fill="hold" nodeType="afterEffect">
+                                  <p:stCondLst>
+                                    <p:cond delay="0"/>
+                                  </p:stCondLst>
+                                  <p:childTnLst>
+                                    <p:animClr clrSpc="rgb" dir="cw">
+                                      <p:cBhvr>
+                                        <p:cTn id="19" dur="2000" fill="hold"/>
+                                        <p:tgtEl>
+                                          <p:spTgt spid="8"/>
+                                        </p:tgtEl>
+                                        <p:attrNameLst>
+                                          <p:attrName>fillcolor</p:attrName>
+                                        </p:attrNameLst>
+                                      </p:cBhvr>
+                                      <p:to>
+                                        <a:srgbClr val="11FD11"/>
+                                      </p:to>
+                                    </p:animClr>
+                                    <p:set>
+                                      <p:cBhvr>
+                                        <p:cTn id="20" dur="2000" fill="hold"/>
+                                        <p:tgtEl>
+                                          <p:spTgt spid="8"/>
+                                        </p:tgtEl>
+                                        <p:attrNameLst>
+                                          <p:attrName>fill.type</p:attrName>
+                                        </p:attrNameLst>
+                                      </p:cBhvr>
+                                      <p:to>
+                                        <p:strVal val="solid"/>
+                                      </p:to>
+                                    </p:set>
+                                    <p:set>
+                                      <p:cBhvr>
+                                        <p:cTn id="21" dur="2000" fill="hold"/>
+                                        <p:tgtEl>
+                                          <p:spTgt spid="8"/>
+                                        </p:tgtEl>
+                                        <p:attrNameLst>
+                                          <p:attrName>fill.on</p:attrName>
+                                        </p:attrNameLst>
+                                      </p:cBhvr>
+                                      <p:to>
+                                        <p:strVal val="true"/>
+                                      </p:to>
+                                    </p:set>
+                                  </p:childTnLst>
+                                </p:cTn>
+                              </p:par>
+                            </p:childTnLst>
+                          </p:cTn>
+                        </p:par>
+                        <p:par>
+                          <p:cTn id="22" fill="hold">
+                            <p:stCondLst>
+                              <p:cond delay="5000"/>
+                            </p:stCondLst>
+                            <p:childTnLst>
+                              <p:par>
+                                <p:cTn id="23" presetID="10" presetClass="entr" presetSubtype="0" fill="hold" grpId="0" nodeType="afterEffect">
+                                  <p:stCondLst>
+                                    <p:cond delay="0"/>
+                                  </p:stCondLst>
+                                  <p:childTnLst>
+                                    <p:set>
+                                      <p:cBhvr>
+                                        <p:cTn id="24" dur="1" fill="hold">
+                                          <p:stCondLst>
+                                            <p:cond delay="0"/>
+                                          </p:stCondLst>
+                                        </p:cTn>
+                                        <p:tgtEl>
+                                          <p:spTgt spid="9"/>
+                                        </p:tgtEl>
+                                        <p:attrNameLst>
+                                          <p:attrName>style.visibility</p:attrName>
+                                        </p:attrNameLst>
+                                      </p:cBhvr>
+                                      <p:to>
+                                        <p:strVal val="visible"/>
+                                      </p:to>
+                                    </p:set>
+                                    <p:animEffect transition="in" filter="fade">
+                                      <p:cBhvr>
+                                        <p:cTn id="25" dur="500"/>
+                                        <p:tgtEl>
+                                          <p:spTgt spid="9"/>
+                                        </p:tgtEl>
+                                      </p:cBhvr>
+                                    </p:animEffect>
+                                  </p:childTnLst>
+                                </p:cTn>
+                              </p:par>
+                            </p:childTnLst>
+                          </p:cTn>
+                        </p:par>
+                        <p:par>
+                          <p:cTn id="26" fill="hold">
+                            <p:stCondLst>
+                              <p:cond delay="5500"/>
+                            </p:stCondLst>
+                            <p:childTnLst>
+                              <p:par>
+                                <p:cTn id="27" presetID="1" presetClass="emph" presetSubtype="2" fill="hold" nodeType="afterEffect">
+                                  <p:stCondLst>
+                                    <p:cond delay="0"/>
+                                  </p:stCondLst>
+                                  <p:childTnLst>
+                                    <p:animClr clrSpc="rgb" dir="cw">
+                                      <p:cBhvr>
+                                        <p:cTn id="28" dur="2000" fill="hold"/>
+                                        <p:tgtEl>
+                                          <p:spTgt spid="9"/>
+                                        </p:tgtEl>
+                                        <p:attrNameLst>
+                                          <p:attrName>fillcolor</p:attrName>
+                                        </p:attrNameLst>
+                                      </p:cBhvr>
+                                      <p:to>
+                                        <a:srgbClr val="11FD11"/>
+                                      </p:to>
+                                    </p:animClr>
+                                    <p:set>
+                                      <p:cBhvr>
+                                        <p:cTn id="29" dur="2000" fill="hold"/>
+                                        <p:tgtEl>
+                                          <p:spTgt spid="9"/>
+                                        </p:tgtEl>
+                                        <p:attrNameLst>
+                                          <p:attrName>fill.type</p:attrName>
+                                        </p:attrNameLst>
+                                      </p:cBhvr>
+                                      <p:to>
+                                        <p:strVal val="solid"/>
+                                      </p:to>
+                                    </p:set>
+                                    <p:set>
+                                      <p:cBhvr>
+                                        <p:cTn id="30" dur="2000" fill="hold"/>
+                                        <p:tgtEl>
+                                          <p:spTgt spid="9"/>
+                                        </p:tgtEl>
+                                        <p:attrNameLst>
+                                          <p:attrName>fill.on</p:attrName>
+                                        </p:attrNameLst>
+                                      </p:cBhvr>
+                                      <p:to>
+                                        <p:strVal val="true"/>
+                                      </p:to>
+                                    </p:set>
+                                  </p:childTnLst>
+                                </p:cTn>
+                              </p:par>
+                            </p:childTnLst>
+                          </p:cTn>
+                        </p:par>
+                        <p:par>
+                          <p:cTn id="31" fill="hold">
+                            <p:stCondLst>
+                              <p:cond delay="7500"/>
+                            </p:stCondLst>
+                            <p:childTnLst>
+                              <p:par>
+                                <p:cTn id="32" presetID="10" presetClass="entr" presetSubtype="0" fill="hold" grpId="0" nodeType="afterEffect">
+                                  <p:stCondLst>
+                                    <p:cond delay="0"/>
+                                  </p:stCondLst>
+                                  <p:childTnLst>
+                                    <p:set>
+                                      <p:cBhvr>
+                                        <p:cTn id="33" dur="1" fill="hold">
+                                          <p:stCondLst>
+                                            <p:cond delay="0"/>
+                                          </p:stCondLst>
+                                        </p:cTn>
+                                        <p:tgtEl>
+                                          <p:spTgt spid="16"/>
+                                        </p:tgtEl>
+                                        <p:attrNameLst>
+                                          <p:attrName>style.visibility</p:attrName>
+                                        </p:attrNameLst>
+                                      </p:cBhvr>
+                                      <p:to>
+                                        <p:strVal val="visible"/>
+                                      </p:to>
+                                    </p:set>
+                                    <p:animEffect transition="in" filter="fade">
+                                      <p:cBhvr>
+                                        <p:cTn id="34" dur="500"/>
+                                        <p:tgtEl>
+                                          <p:spTgt spid="16"/>
+                                        </p:tgtEl>
+                                      </p:cBhvr>
+                                    </p:animEffect>
+                                  </p:childTnLst>
+                                </p:cTn>
+                              </p:par>
+                            </p:childTnLst>
+                          </p:cTn>
+                        </p:par>
+                        <p:par>
+                          <p:cTn id="35" fill="hold">
+                            <p:stCondLst>
+                              <p:cond delay="8000"/>
+                            </p:stCondLst>
+                            <p:childTnLst>
+                              <p:par>
+                                <p:cTn id="36" presetID="1" presetClass="emph" presetSubtype="2" fill="hold" nodeType="afterEffect">
+                                  <p:stCondLst>
+                                    <p:cond delay="0"/>
+                                  </p:stCondLst>
+                                  <p:childTnLst>
+                                    <p:animClr clrSpc="rgb" dir="cw">
+                                      <p:cBhvr>
+                                        <p:cTn id="37" dur="2000" fill="hold"/>
+                                        <p:tgtEl>
+                                          <p:spTgt spid="16"/>
+                                        </p:tgtEl>
+                                        <p:attrNameLst>
+                                          <p:attrName>fillcolor</p:attrName>
+                                        </p:attrNameLst>
+                                      </p:cBhvr>
+                                      <p:to>
+                                        <a:srgbClr val="11FD11"/>
+                                      </p:to>
+                                    </p:animClr>
+                                    <p:set>
+                                      <p:cBhvr>
+                                        <p:cTn id="38" dur="2000" fill="hold"/>
+                                        <p:tgtEl>
+                                          <p:spTgt spid="16"/>
+                                        </p:tgtEl>
+                                        <p:attrNameLst>
+                                          <p:attrName>fill.type</p:attrName>
+                                        </p:attrNameLst>
+                                      </p:cBhvr>
+                                      <p:to>
+                                        <p:strVal val="solid"/>
+                                      </p:to>
+                                    </p:set>
+                                    <p:set>
+                                      <p:cBhvr>
+                                        <p:cTn id="39" dur="2000" fill="hold"/>
+                                        <p:tgtEl>
+                                          <p:spTgt spid="16"/>
+                                        </p:tgtEl>
+                                        <p:attrNameLst>
+                                          <p:attrName>fill.on</p:attrName>
+                                        </p:attrNameLst>
+                                      </p:cBhvr>
+                                      <p:to>
+                                        <p:strVal val="true"/>
+                                      </p:to>
+                                    </p:set>
+                                  </p:childTnLst>
+                                </p:cTn>
+                              </p:par>
+                            </p:childTnLst>
+                          </p:cTn>
+                        </p:par>
+                        <p:par>
+                          <p:cTn id="40" fill="hold">
+                            <p:stCondLst>
+                              <p:cond delay="10000"/>
+                            </p:stCondLst>
+                            <p:childTnLst>
+                              <p:par>
+                                <p:cTn id="41" presetID="10" presetClass="entr" presetSubtype="0" fill="hold" grpId="0" nodeType="afterEffect">
+                                  <p:stCondLst>
+                                    <p:cond delay="0"/>
+                                  </p:stCondLst>
+                                  <p:childTnLst>
+                                    <p:set>
+                                      <p:cBhvr>
+                                        <p:cTn id="42" dur="1" fill="hold">
+                                          <p:stCondLst>
+                                            <p:cond delay="0"/>
+                                          </p:stCondLst>
+                                        </p:cTn>
+                                        <p:tgtEl>
+                                          <p:spTgt spid="14"/>
+                                        </p:tgtEl>
+                                        <p:attrNameLst>
+                                          <p:attrName>style.visibility</p:attrName>
+                                        </p:attrNameLst>
+                                      </p:cBhvr>
+                                      <p:to>
+                                        <p:strVal val="visible"/>
+                                      </p:to>
+                                    </p:set>
+                                    <p:animEffect transition="in" filter="fade">
+                                      <p:cBhvr>
+                                        <p:cTn id="43" dur="500"/>
+                                        <p:tgtEl>
+                                          <p:spTgt spid="14"/>
+                                        </p:tgtEl>
+                                      </p:cBhvr>
+                                    </p:animEffect>
+                                  </p:childTnLst>
+                                </p:cTn>
+                              </p:par>
+                            </p:childTnLst>
+                          </p:cTn>
+                        </p:par>
+                        <p:par>
+                          <p:cTn id="44" fill="hold">
+                            <p:stCondLst>
+                              <p:cond delay="10500"/>
+                            </p:stCondLst>
+                            <p:childTnLst>
+                              <p:par>
+                                <p:cTn id="45" presetID="1" presetClass="emph" presetSubtype="2" fill="hold" nodeType="afterEffect">
+                                  <p:stCondLst>
+                                    <p:cond delay="0"/>
+                                  </p:stCondLst>
+                                  <p:childTnLst>
+                                    <p:animClr clrSpc="rgb" dir="cw">
+                                      <p:cBhvr>
+                                        <p:cTn id="46" dur="2000" fill="hold"/>
+                                        <p:tgtEl>
+                                          <p:spTgt spid="14"/>
+                                        </p:tgtEl>
+                                        <p:attrNameLst>
+                                          <p:attrName>fillcolor</p:attrName>
+                                        </p:attrNameLst>
+                                      </p:cBhvr>
+                                      <p:to>
+                                        <a:srgbClr val="11FD11"/>
+                                      </p:to>
+                                    </p:animClr>
+                                    <p:set>
+                                      <p:cBhvr>
+                                        <p:cTn id="47" dur="2000" fill="hold"/>
+                                        <p:tgtEl>
+                                          <p:spTgt spid="14"/>
+                                        </p:tgtEl>
+                                        <p:attrNameLst>
+                                          <p:attrName>fill.type</p:attrName>
+                                        </p:attrNameLst>
+                                      </p:cBhvr>
+                                      <p:to>
+                                        <p:strVal val="solid"/>
+                                      </p:to>
+                                    </p:set>
+                                    <p:set>
+                                      <p:cBhvr>
+                                        <p:cTn id="48" dur="2000" fill="hold"/>
+                                        <p:tgtEl>
+                                          <p:spTgt spid="14"/>
+                                        </p:tgtEl>
+                                        <p:attrNameLst>
+                                          <p:attrName>fill.on</p:attrName>
+                                        </p:attrNameLst>
+                                      </p:cBhvr>
+                                      <p:to>
+                                        <p:strVal val="true"/>
+                                      </p:to>
+                                    </p:set>
+                                  </p:childTnLst>
+                                </p:cTn>
+                              </p:par>
+                            </p:childTnLst>
+                          </p:cTn>
+                        </p:par>
+                        <p:par>
+                          <p:cTn id="49" fill="hold">
+                            <p:stCondLst>
+                              <p:cond delay="12500"/>
+                            </p:stCondLst>
+                            <p:childTnLst>
+                              <p:par>
+                                <p:cTn id="50" presetID="10" presetClass="entr" presetSubtype="0" fill="hold" grpId="0" nodeType="afterEffect">
+                                  <p:stCondLst>
+                                    <p:cond delay="0"/>
+                                  </p:stCondLst>
+                                  <p:childTnLst>
+                                    <p:set>
+                                      <p:cBhvr>
+                                        <p:cTn id="51" dur="1" fill="hold">
+                                          <p:stCondLst>
+                                            <p:cond delay="0"/>
+                                          </p:stCondLst>
+                                        </p:cTn>
+                                        <p:tgtEl>
+                                          <p:spTgt spid="15"/>
+                                        </p:tgtEl>
+                                        <p:attrNameLst>
+                                          <p:attrName>style.visibility</p:attrName>
+                                        </p:attrNameLst>
+                                      </p:cBhvr>
+                                      <p:to>
+                                        <p:strVal val="visible"/>
+                                      </p:to>
+                                    </p:set>
+                                    <p:animEffect transition="in" filter="fade">
+                                      <p:cBhvr>
+                                        <p:cTn id="52" dur="500"/>
+                                        <p:tgtEl>
+                                          <p:spTgt spid="15"/>
+                                        </p:tgtEl>
+                                      </p:cBhvr>
+                                    </p:animEffect>
+                                  </p:childTnLst>
+                                </p:cTn>
+                              </p:par>
+                            </p:childTnLst>
+                          </p:cTn>
+                        </p:par>
+                        <p:par>
+                          <p:cTn id="53" fill="hold">
+                            <p:stCondLst>
+                              <p:cond delay="13000"/>
+                            </p:stCondLst>
+                            <p:childTnLst>
+                              <p:par>
+                                <p:cTn id="54" presetID="1" presetClass="emph" presetSubtype="2" fill="hold" nodeType="afterEffect">
+                                  <p:stCondLst>
+                                    <p:cond delay="0"/>
+                                  </p:stCondLst>
+                                  <p:childTnLst>
+                                    <p:animClr clrSpc="rgb" dir="cw">
+                                      <p:cBhvr>
+                                        <p:cTn id="55" dur="2000" fill="hold"/>
+                                        <p:tgtEl>
+                                          <p:spTgt spid="15"/>
+                                        </p:tgtEl>
+                                        <p:attrNameLst>
+                                          <p:attrName>fillcolor</p:attrName>
+                                        </p:attrNameLst>
+                                      </p:cBhvr>
+                                      <p:to>
+                                        <a:srgbClr val="EF1F1F"/>
+                                      </p:to>
+                                    </p:animClr>
+                                    <p:set>
+                                      <p:cBhvr>
+                                        <p:cTn id="56" dur="2000" fill="hold"/>
+                                        <p:tgtEl>
+                                          <p:spTgt spid="15"/>
+                                        </p:tgtEl>
+                                        <p:attrNameLst>
+                                          <p:attrName>fill.type</p:attrName>
+                                        </p:attrNameLst>
+                                      </p:cBhvr>
+                                      <p:to>
+                                        <p:strVal val="solid"/>
+                                      </p:to>
+                                    </p:set>
+                                    <p:set>
+                                      <p:cBhvr>
+                                        <p:cTn id="57" dur="2000" fill="hold"/>
+                                        <p:tgtEl>
+                                          <p:spTgt spid="15"/>
+                                        </p:tgtEl>
+                                        <p:attrNameLst>
+                                          <p:attrName>fill.on</p:attrName>
+                                        </p:attrNameLst>
+                                      </p:cBhvr>
+                                      <p:to>
+                                        <p:strVal val="true"/>
+                                      </p:to>
+                                    </p:set>
+                                  </p:childTnLst>
+                                </p:cTn>
+                              </p:par>
+                            </p:childTnLst>
+                          </p:cTn>
+                        </p:par>
+                        <p:par>
+                          <p:cTn id="58" fill="hold">
+                            <p:stCondLst>
+                              <p:cond delay="15000"/>
+                            </p:stCondLst>
+                            <p:childTnLst>
+                              <p:par>
+                                <p:cTn id="59" presetID="10" presetClass="entr" presetSubtype="0" fill="hold" grpId="0" nodeType="afterEffect">
+                                  <p:stCondLst>
+                                    <p:cond delay="0"/>
+                                  </p:stCondLst>
+                                  <p:childTnLst>
+                                    <p:set>
+                                      <p:cBhvr>
+                                        <p:cTn id="60" dur="1" fill="hold">
+                                          <p:stCondLst>
+                                            <p:cond delay="0"/>
+                                          </p:stCondLst>
+                                        </p:cTn>
+                                        <p:tgtEl>
+                                          <p:spTgt spid="17"/>
+                                        </p:tgtEl>
+                                        <p:attrNameLst>
+                                          <p:attrName>style.visibility</p:attrName>
+                                        </p:attrNameLst>
+                                      </p:cBhvr>
+                                      <p:to>
+                                        <p:strVal val="visible"/>
+                                      </p:to>
+                                    </p:set>
+                                    <p:animEffect transition="in" filter="fade">
+                                      <p:cBhvr>
+                                        <p:cTn id="61" dur="500"/>
+                                        <p:tgtEl>
+                                          <p:spTgt spid="17"/>
+                                        </p:tgtEl>
+                                      </p:cBhvr>
+                                    </p:animEffect>
+                                  </p:childTnLst>
+                                </p:cTn>
+                              </p:par>
+                            </p:childTnLst>
+                          </p:cTn>
+                        </p:par>
+                        <p:par>
+                          <p:cTn id="62" fill="hold">
+                            <p:stCondLst>
+                              <p:cond delay="15500"/>
+                            </p:stCondLst>
+                            <p:childTnLst>
+                              <p:par>
+                                <p:cTn id="63" presetID="1" presetClass="emph" presetSubtype="2" fill="hold" nodeType="afterEffect">
+                                  <p:stCondLst>
+                                    <p:cond delay="0"/>
+                                  </p:stCondLst>
+                                  <p:childTnLst>
+                                    <p:animClr clrSpc="rgb" dir="cw">
+                                      <p:cBhvr>
+                                        <p:cTn id="64" dur="2000" fill="hold"/>
+                                        <p:tgtEl>
+                                          <p:spTgt spid="17"/>
+                                        </p:tgtEl>
+                                        <p:attrNameLst>
+                                          <p:attrName>fillcolor</p:attrName>
+                                        </p:attrNameLst>
+                                      </p:cBhvr>
+                                      <p:to>
+                                        <a:srgbClr val="EF1F1F"/>
+                                      </p:to>
+                                    </p:animClr>
+                                    <p:set>
+                                      <p:cBhvr>
+                                        <p:cTn id="65" dur="2000" fill="hold"/>
+                                        <p:tgtEl>
+                                          <p:spTgt spid="17"/>
+                                        </p:tgtEl>
+                                        <p:attrNameLst>
+                                          <p:attrName>fill.type</p:attrName>
+                                        </p:attrNameLst>
+                                      </p:cBhvr>
+                                      <p:to>
+                                        <p:strVal val="solid"/>
+                                      </p:to>
+                                    </p:set>
+                                    <p:set>
+                                      <p:cBhvr>
+                                        <p:cTn id="66" dur="2000" fill="hold"/>
+                                        <p:tgtEl>
+                                          <p:spTgt spid="17"/>
+                                        </p:tgtEl>
+                                        <p:attrNameLst>
+                                          <p:attrName>fill.on</p:attrName>
+                                        </p:attrNameLst>
+                                      </p:cBhvr>
+                                      <p:to>
+                                        <p:strVal val="true"/>
+                                      </p:to>
+                                    </p:set>
+                                  </p:childTnLst>
+                                </p:cTn>
+                              </p:par>
+                            </p:childTnLst>
+                          </p:cTn>
+                        </p:par>
+                      </p:childTnLst>
+                    </p:cTn>
+                  </p:par>
+                </p:childTnLst>
+              </p:cTn>
+              <p:prevCondLst>
+                <p:cond evt="onPrev" delay="0">
+                  <p:tgtEl>
+                    <p:sldTgt/>
+                  </p:tgtEl>
+                </p:cond>
+              </p:prevCondLst>
+              <p:nextCondLst>
+                <p:cond evt="onNext" delay="0">
+                  <p:tgtEl>
+                    <p:sldTgt/>
+                  </p:tgtEl>
+                </p:cond>
+              </p:nextCondLst>
+            </p:seq>
+          </p:childTnLst>
+        </p:cTn>
       </p:par>
     </p:tnLst>
+    <p:bldLst>
+      <p:bldP spid="14" grpId="0" animBg="1"/>
+      <p:bldP spid="15" grpId="0" animBg="1"/>
+      <p:bldP spid="16" grpId="0" animBg="1"/>
+      <p:bldP spid="8" grpId="0" animBg="1"/>
+      <p:bldP spid="9" grpId="0" animBg="1"/>
+      <p:bldP spid="3" grpId="0" animBg="1"/>
+      <p:bldP spid="17" grpId="0" animBg="1"/>
+    </p:bldLst>
   </p:timing>
 </p:sld>
 </file>
@@ -26939,19 +27987,7 @@
                 <a:latin typeface="Helvetica" panose="020B0604020202020204" pitchFamily="34" charset="0"/>
                 <a:cs typeface="Helvetica" panose="020B0604020202020204" pitchFamily="34" charset="0"/>
               </a:rPr>
-              <a:t>3. </a:t>
-            </a:r>
-            <a:r>
-              <a:rPr lang="de-DE" sz="2000" b="1" dirty="0" smtClean="0">
-                <a:solidFill>
-                  <a:schemeClr val="bg1">
-                    <a:lumMod val="65000"/>
-                  </a:schemeClr>
-                </a:solidFill>
-                <a:latin typeface="Helvetica" panose="020B0604020202020204" pitchFamily="34" charset="0"/>
-                <a:cs typeface="Helvetica" panose="020B0604020202020204" pitchFamily="34" charset="0"/>
-              </a:rPr>
-              <a:t>Plugin Umfang</a:t>
+              <a:t>3. Plugin Umfang</a:t>
             </a:r>
             <a:endParaRPr lang="de-DE" sz="2000" b="1" dirty="0">
               <a:solidFill>

--- a/presentation/Jahresprojekt Endpräsentation.pptx
+++ b/presentation/Jahresprojekt Endpräsentation.pptx
@@ -2665,7 +2665,7 @@
       <dsp:spPr>
         <a:xfrm rot="16200000">
           <a:off x="508000" y="-508000"/>
-          <a:ext cx="2031999" cy="3048000"/>
+          <a:ext cx="2032000" cy="3048000"/>
         </a:xfrm>
         <a:prstGeom prst="round1Rect">
           <a:avLst/>
@@ -2757,7 +2757,7 @@
       <dsp:spPr>
         <a:xfrm>
           <a:off x="3048000" y="0"/>
-          <a:ext cx="3048000" cy="2031999"/>
+          <a:ext cx="3048000" cy="2032000"/>
         </a:xfrm>
         <a:prstGeom prst="round1Rect">
           <a:avLst/>
@@ -2848,8 +2848,8 @@
       </dsp:nvSpPr>
       <dsp:spPr>
         <a:xfrm rot="10800000">
-          <a:off x="0" y="2031999"/>
-          <a:ext cx="3048000" cy="2031999"/>
+          <a:off x="0" y="2032000"/>
+          <a:ext cx="3048000" cy="2032000"/>
         </a:xfrm>
         <a:prstGeom prst="round1Rect">
           <a:avLst/>
@@ -2951,7 +2951,7 @@
       <dsp:spPr>
         <a:xfrm rot="5400000">
           <a:off x="3556000" y="1523999"/>
-          <a:ext cx="2031999" cy="3048000"/>
+          <a:ext cx="2032000" cy="3048000"/>
         </a:xfrm>
         <a:prstGeom prst="round1Rect">
           <a:avLst/>
@@ -3052,8 +3052,8 @@
       </dsp:nvSpPr>
       <dsp:spPr>
         <a:xfrm>
-          <a:off x="2133599" y="1523999"/>
-          <a:ext cx="1828800" cy="1015999"/>
+          <a:off x="2133600" y="1523999"/>
+          <a:ext cx="1828800" cy="1016000"/>
         </a:xfrm>
         <a:prstGeom prst="roundRect">
           <a:avLst/>
@@ -3115,8 +3115,8 @@
         </a:p>
       </dsp:txBody>
       <dsp:txXfrm>
-        <a:off x="2183196" y="1573596"/>
-        <a:ext cx="1729606" cy="916805"/>
+        <a:off x="2183197" y="1573596"/>
+        <a:ext cx="1729606" cy="916806"/>
       </dsp:txXfrm>
     </dsp:sp>
   </dsp:spTree>
@@ -3139,7 +3139,7 @@
       <dsp:spPr>
         <a:xfrm rot="16200000">
           <a:off x="508000" y="-508000"/>
-          <a:ext cx="2031999" cy="3048000"/>
+          <a:ext cx="2032000" cy="3048000"/>
         </a:xfrm>
         <a:prstGeom prst="round1Rect">
           <a:avLst/>
@@ -3231,7 +3231,7 @@
       <dsp:spPr>
         <a:xfrm>
           <a:off x="3048000" y="0"/>
-          <a:ext cx="3048000" cy="2031999"/>
+          <a:ext cx="3048000" cy="2032000"/>
         </a:xfrm>
         <a:prstGeom prst="round1Rect">
           <a:avLst/>
@@ -3322,8 +3322,8 @@
       </dsp:nvSpPr>
       <dsp:spPr>
         <a:xfrm rot="10800000">
-          <a:off x="0" y="2031999"/>
-          <a:ext cx="3048000" cy="2031999"/>
+          <a:off x="0" y="2032000"/>
+          <a:ext cx="3048000" cy="2032000"/>
         </a:xfrm>
         <a:prstGeom prst="round1Rect">
           <a:avLst/>
@@ -3425,7 +3425,7 @@
       <dsp:spPr>
         <a:xfrm rot="5400000">
           <a:off x="3556000" y="1523999"/>
-          <a:ext cx="2031999" cy="3048000"/>
+          <a:ext cx="2032000" cy="3048000"/>
         </a:xfrm>
         <a:prstGeom prst="round1Rect">
           <a:avLst/>
@@ -3526,8 +3526,8 @@
       </dsp:nvSpPr>
       <dsp:spPr>
         <a:xfrm>
-          <a:off x="2133599" y="1523999"/>
-          <a:ext cx="1828800" cy="1015999"/>
+          <a:off x="2133600" y="1523999"/>
+          <a:ext cx="1828800" cy="1016000"/>
         </a:xfrm>
         <a:prstGeom prst="roundRect">
           <a:avLst/>
@@ -3589,8 +3589,8 @@
         </a:p>
       </dsp:txBody>
       <dsp:txXfrm>
-        <a:off x="2183196" y="1573596"/>
-        <a:ext cx="1729606" cy="916805"/>
+        <a:off x="2183197" y="1573596"/>
+        <a:ext cx="1729606" cy="916806"/>
       </dsp:txXfrm>
     </dsp:sp>
   </dsp:spTree>
@@ -6501,7 +6501,7 @@
           <a:p>
             <a:fld id="{4299B327-2CE6-4272-AFAA-7494721F78A1}" type="datetimeFigureOut">
               <a:rPr lang="de-DE" smtClean="0"/>
-              <a:t>22.06.2014</a:t>
+              <a:t>02.07.2014</a:t>
             </a:fld>
             <a:endParaRPr lang="de-DE"/>
           </a:p>
@@ -8272,11 +8272,7 @@
           <a:p>
             <a:r>
               <a:rPr lang="de-DE" dirty="0" smtClean="0"/>
-              <a:t>An dieser </a:t>
-            </a:r>
-            <a:r>
-              <a:rPr lang="de-DE" dirty="0" smtClean="0"/>
-              <a:t>Stelle </a:t>
+              <a:t>An dieser Stelle </a:t>
             </a:r>
             <a:r>
               <a:rPr lang="de-DE" dirty="0" err="1" smtClean="0"/>
@@ -8296,11 +8292,7 @@
             </a:r>
             <a:r>
               <a:rPr lang="de-DE" baseline="0" dirty="0" smtClean="0"/>
-              <a:t> bisher funktioniert, damit man sich auch etwas vorstellen </a:t>
-            </a:r>
-            <a:r>
-              <a:rPr lang="de-DE" baseline="0" dirty="0" smtClean="0"/>
-              <a:t>kann</a:t>
+              <a:t> bisher funktioniert, damit man sich auch etwas vorstellen kann</a:t>
             </a:r>
           </a:p>
           <a:p>
@@ -11732,7 +11724,7 @@
           <a:p>
             <a:fld id="{29DD2713-24AB-4543-8F19-DC5B80EB3AA3}" type="datetime1">
               <a:rPr lang="de-DE" smtClean="0"/>
-              <a:t>22.06.2014</a:t>
+              <a:t>02.07.2014</a:t>
             </a:fld>
             <a:endParaRPr lang="de-DE" dirty="0"/>
           </a:p>
@@ -11913,7 +11905,7 @@
           <a:p>
             <a:fld id="{26F833BB-7093-4DAB-BCE3-65DF9AA20469}" type="datetime1">
               <a:rPr lang="de-DE" smtClean="0"/>
-              <a:t>22.06.2014</a:t>
+              <a:t>02.07.2014</a:t>
             </a:fld>
             <a:endParaRPr lang="de-DE"/>
           </a:p>
@@ -12097,7 +12089,7 @@
           <a:p>
             <a:fld id="{CBDE480B-24ED-4B4B-991F-1CE193275643}" type="datetime1">
               <a:rPr lang="de-DE" smtClean="0"/>
-              <a:t>22.06.2014</a:t>
+              <a:t>02.07.2014</a:t>
             </a:fld>
             <a:endParaRPr lang="de-DE"/>
           </a:p>
@@ -12271,7 +12263,7 @@
           <a:p>
             <a:fld id="{72C3D25D-0767-4F2C-9B99-7C455020BD2F}" type="datetime1">
               <a:rPr lang="de-DE" smtClean="0"/>
-              <a:t>22.06.2014</a:t>
+              <a:t>02.07.2014</a:t>
             </a:fld>
             <a:endParaRPr lang="de-DE"/>
           </a:p>
@@ -12724,7 +12716,7 @@
           <a:p>
             <a:fld id="{99EA7462-C25E-4796-813E-C5415848D56B}" type="datetime1">
               <a:rPr lang="de-DE" smtClean="0"/>
-              <a:t>22.06.2014</a:t>
+              <a:t>02.07.2014</a:t>
             </a:fld>
             <a:endParaRPr lang="de-DE"/>
           </a:p>
@@ -13016,7 +13008,7 @@
           <a:p>
             <a:fld id="{1E5B7C85-E8B4-4D5F-B261-0FA9E710857C}" type="datetime1">
               <a:rPr lang="de-DE" smtClean="0"/>
-              <a:t>22.06.2014</a:t>
+              <a:t>02.07.2014</a:t>
             </a:fld>
             <a:endParaRPr lang="de-DE"/>
           </a:p>
@@ -13442,7 +13434,7 @@
           <a:p>
             <a:fld id="{183CF53D-749F-4EF4-B1A9-A074892459C3}" type="datetime1">
               <a:rPr lang="de-DE" smtClean="0"/>
-              <a:t>22.06.2014</a:t>
+              <a:t>02.07.2014</a:t>
             </a:fld>
             <a:endParaRPr lang="de-DE"/>
           </a:p>
@@ -13564,7 +13556,7 @@
           <a:p>
             <a:fld id="{03EA49C7-9C8A-4E46-9147-B44984850B6D}" type="datetime1">
               <a:rPr lang="de-DE" smtClean="0"/>
-              <a:t>22.06.2014</a:t>
+              <a:t>02.07.2014</a:t>
             </a:fld>
             <a:endParaRPr lang="de-DE"/>
           </a:p>
@@ -13663,7 +13655,7 @@
           <a:p>
             <a:fld id="{C46473E6-DBD3-4EFE-8E7E-47AF7CC7253E}" type="datetime1">
               <a:rPr lang="de-DE" smtClean="0"/>
-              <a:t>22.06.2014</a:t>
+              <a:t>02.07.2014</a:t>
             </a:fld>
             <a:endParaRPr lang="de-DE"/>
           </a:p>
@@ -13944,7 +13936,7 @@
           <a:p>
             <a:fld id="{460B3C74-DBA5-4C6F-81DD-39286F5FCA60}" type="datetime1">
               <a:rPr lang="de-DE" smtClean="0"/>
-              <a:t>22.06.2014</a:t>
+              <a:t>02.07.2014</a:t>
             </a:fld>
             <a:endParaRPr lang="de-DE"/>
           </a:p>
@@ -14201,7 +14193,7 @@
           <a:p>
             <a:fld id="{471A0868-92D4-4FF9-A0E5-DAB61D0E3EC1}" type="datetime1">
               <a:rPr lang="de-DE" smtClean="0"/>
-              <a:t>22.06.2014</a:t>
+              <a:t>02.07.2014</a:t>
             </a:fld>
             <a:endParaRPr lang="de-DE"/>
           </a:p>
@@ -14418,7 +14410,7 @@
           <a:p>
             <a:fld id="{F29EB60B-DDB2-4174-A5B0-D89DAA85AC4A}" type="datetime1">
               <a:rPr lang="de-DE" smtClean="0"/>
-              <a:t>22.06.2014</a:t>
+              <a:t>02.07.2014</a:t>
             </a:fld>
             <a:endParaRPr lang="de-DE" dirty="0"/>
           </a:p>
@@ -15218,19 +15210,7 @@
                 <a:latin typeface="Helvetica" panose="020B0604020202020204" pitchFamily="34" charset="0"/>
                 <a:cs typeface="Helvetica" panose="020B0604020202020204" pitchFamily="34" charset="0"/>
               </a:rPr>
-              <a:t>3. </a:t>
-            </a:r>
-            <a:r>
-              <a:rPr lang="de-DE" sz="2000" b="1" dirty="0" smtClean="0">
-                <a:solidFill>
-                  <a:schemeClr val="bg1">
-                    <a:lumMod val="65000"/>
-                  </a:schemeClr>
-                </a:solidFill>
-                <a:latin typeface="Helvetica" panose="020B0604020202020204" pitchFamily="34" charset="0"/>
-                <a:cs typeface="Helvetica" panose="020B0604020202020204" pitchFamily="34" charset="0"/>
-              </a:rPr>
-              <a:t>Plugin Umfang</a:t>
+              <a:t>3. Plugin Umfang</a:t>
             </a:r>
             <a:endParaRPr lang="de-DE" sz="2000" b="1" dirty="0">
               <a:solidFill>
@@ -15384,19 +15364,7 @@
                 <a:latin typeface="Helvetica" panose="020B0604020202020204" pitchFamily="34" charset="0"/>
                 <a:cs typeface="Helvetica" panose="020B0604020202020204" pitchFamily="34" charset="0"/>
               </a:rPr>
-              <a:t>4. </a:t>
-            </a:r>
-            <a:r>
-              <a:rPr lang="de-DE" sz="2000" b="1" dirty="0" smtClean="0">
-                <a:solidFill>
-                  <a:schemeClr val="bg1">
-                    <a:lumMod val="65000"/>
-                  </a:schemeClr>
-                </a:solidFill>
-                <a:latin typeface="Helvetica" panose="020B0604020202020204" pitchFamily="34" charset="0"/>
-                <a:cs typeface="Helvetica" panose="020B0604020202020204" pitchFamily="34" charset="0"/>
-              </a:rPr>
-              <a:t>Demo – Grundlagen Maven Plugin</a:t>
+              <a:t>4. Demo – Grundlagen Maven Plugin</a:t>
             </a:r>
             <a:endParaRPr lang="de-DE" sz="2000" b="1" dirty="0">
               <a:solidFill>
@@ -15904,19 +15872,7 @@
                 <a:latin typeface="Helvetica" panose="020B0604020202020204" pitchFamily="34" charset="0"/>
                 <a:cs typeface="Helvetica" panose="020B0604020202020204" pitchFamily="34" charset="0"/>
               </a:rPr>
-              <a:t>. </a:t>
-            </a:r>
-            <a:r>
-              <a:rPr lang="de-DE" sz="2000" b="1" dirty="0" smtClean="0">
-                <a:solidFill>
-                  <a:schemeClr val="bg1">
-                    <a:lumMod val="65000"/>
-                  </a:schemeClr>
-                </a:solidFill>
-                <a:latin typeface="Helvetica" panose="020B0604020202020204" pitchFamily="34" charset="0"/>
-                <a:cs typeface="Helvetica" panose="020B0604020202020204" pitchFamily="34" charset="0"/>
-              </a:rPr>
-              <a:t>Projekt-Fazit</a:t>
+              <a:t>. Projekt-Fazit</a:t>
             </a:r>
             <a:endParaRPr lang="de-DE" sz="2000" b="1" dirty="0">
               <a:solidFill>
@@ -18077,10 +18033,6 @@
               </a:rPr>
               <a:t> frühestens mit Java 9 (evtl. 2016)</a:t>
             </a:r>
-            <a:endParaRPr lang="de-DE" dirty="0" smtClean="0">
-              <a:latin typeface="Helvetica" panose="020B0604020202020204" pitchFamily="34" charset="0"/>
-              <a:cs typeface="Helvetica" panose="020B0604020202020204" pitchFamily="34" charset="0"/>
-            </a:endParaRPr>
           </a:p>
           <a:p>
             <a:pPr marL="285750" indent="-285750">
@@ -18125,21 +18077,7 @@
                 <a:latin typeface="Helvetica" panose="020B0604020202020204" pitchFamily="34" charset="0"/>
                 <a:cs typeface="Helvetica" panose="020B0604020202020204" pitchFamily="34" charset="0"/>
               </a:rPr>
-              <a:t>“module </a:t>
-            </a:r>
-            <a:r>
-              <a:rPr lang="en-US" dirty="0">
-                <a:latin typeface="Helvetica" panose="020B0604020202020204" pitchFamily="34" charset="0"/>
-                <a:cs typeface="Helvetica" panose="020B0604020202020204" pitchFamily="34" charset="0"/>
-              </a:rPr>
-              <a:t>A depends on version 1.0 of module C, and module B depends on version 2.0 of module C, the java runtime can figure out which version of the classes in module C to be seen by either module A or module </a:t>
-            </a:r>
-            <a:r>
-              <a:rPr lang="en-US" dirty="0">
-                <a:latin typeface="Helvetica" panose="020B0604020202020204" pitchFamily="34" charset="0"/>
-                <a:cs typeface="Helvetica" panose="020B0604020202020204" pitchFamily="34" charset="0"/>
-              </a:rPr>
-              <a:t>B</a:t>
+              <a:t>“module A depends on version 1.0 of module C, and module B depends on version 2.0 of module C, the java runtime can figure out which version of the classes in module C to be seen by either module A or module B</a:t>
             </a:r>
             <a:r>
               <a:rPr lang="en-US" dirty="0" smtClean="0">
@@ -18833,19 +18771,7 @@
                 <a:latin typeface="Helvetica" panose="020B0604020202020204" pitchFamily="34" charset="0"/>
                 <a:cs typeface="Helvetica" panose="020B0604020202020204" pitchFamily="34" charset="0"/>
               </a:rPr>
-              <a:t>Verwendete </a:t>
-            </a:r>
-            <a:r>
-              <a:rPr lang="de-DE" sz="2000" b="1" dirty="0" smtClean="0">
-                <a:solidFill>
-                  <a:schemeClr val="bg1">
-                    <a:lumMod val="65000"/>
-                  </a:schemeClr>
-                </a:solidFill>
-                <a:latin typeface="Helvetica" panose="020B0604020202020204" pitchFamily="34" charset="0"/>
-                <a:cs typeface="Helvetica" panose="020B0604020202020204" pitchFamily="34" charset="0"/>
-              </a:rPr>
-              <a:t>Werkzeuge</a:t>
+              <a:t>Verwendete Werkzeuge</a:t>
             </a:r>
             <a:endParaRPr lang="de-DE" sz="2000" b="1" dirty="0">
               <a:solidFill>
@@ -19440,19 +19366,7 @@
                 <a:latin typeface="Helvetica" panose="020B0604020202020204" pitchFamily="34" charset="0"/>
                 <a:cs typeface="Helvetica" panose="020B0604020202020204" pitchFamily="34" charset="0"/>
               </a:rPr>
-              <a:t>Einblick </a:t>
-            </a:r>
-            <a:r>
-              <a:rPr lang="de-DE" sz="2000" b="1" dirty="0" smtClean="0">
-                <a:solidFill>
-                  <a:schemeClr val="bg1">
-                    <a:lumMod val="65000"/>
-                  </a:schemeClr>
-                </a:solidFill>
-                <a:latin typeface="Helvetica" panose="020B0604020202020204" pitchFamily="34" charset="0"/>
-                <a:cs typeface="Helvetica" panose="020B0604020202020204" pitchFamily="34" charset="0"/>
-              </a:rPr>
-              <a:t>Umsetzung – Grobes Vorgehen</a:t>
+              <a:t>Einblick Umsetzung – Grobes Vorgehen</a:t>
             </a:r>
             <a:endParaRPr lang="de-DE" sz="2000" b="1" dirty="0">
               <a:solidFill>
@@ -21798,19 +21712,7 @@
                 <a:latin typeface="Helvetica" panose="020B0604020202020204" pitchFamily="34" charset="0"/>
                 <a:cs typeface="Helvetica" panose="020B0604020202020204" pitchFamily="34" charset="0"/>
               </a:rPr>
-              <a:t>Einblick </a:t>
-            </a:r>
-            <a:r>
-              <a:rPr lang="de-DE" sz="2000" b="1" dirty="0" smtClean="0">
-                <a:solidFill>
-                  <a:schemeClr val="bg1">
-                    <a:lumMod val="65000"/>
-                  </a:schemeClr>
-                </a:solidFill>
-                <a:latin typeface="Helvetica" panose="020B0604020202020204" pitchFamily="34" charset="0"/>
-                <a:cs typeface="Helvetica" panose="020B0604020202020204" pitchFamily="34" charset="0"/>
-              </a:rPr>
-              <a:t>Umsetzung – Grobes Vorgehen</a:t>
+              <a:t>Einblick Umsetzung – Grobes Vorgehen</a:t>
             </a:r>
             <a:endParaRPr lang="de-DE" sz="2000" b="1" dirty="0">
               <a:solidFill>
@@ -22486,13 +22388,6 @@
               </a:rPr>
               <a:t>Umfang des Plugins</a:t>
             </a:r>
-            <a:endParaRPr lang="de-DE" sz="2800" b="1" dirty="0" smtClean="0">
-              <a:solidFill>
-                <a:srgbClr val="262626"/>
-              </a:solidFill>
-              <a:latin typeface="Helvetica" panose="020B0604020202020204" pitchFamily="34" charset="0"/>
-              <a:cs typeface="Helvetica" panose="020B0604020202020204" pitchFamily="34" charset="0"/>
-            </a:endParaRPr>
           </a:p>
           <a:p>
             <a:pPr marL="514350" indent="-514350" algn="l">
@@ -22550,13 +22445,6 @@
               </a:rPr>
               <a:t>Fazit &amp; Ausblick</a:t>
             </a:r>
-            <a:endParaRPr lang="de-DE" sz="2800" b="1" dirty="0" smtClean="0">
-              <a:solidFill>
-                <a:srgbClr val="262626"/>
-              </a:solidFill>
-              <a:latin typeface="Helvetica" panose="020B0604020202020204" pitchFamily="34" charset="0"/>
-              <a:cs typeface="Helvetica" panose="020B0604020202020204" pitchFamily="34" charset="0"/>
-            </a:endParaRPr>
           </a:p>
         </p:txBody>
       </p:sp>
@@ -22902,19 +22790,7 @@
                 <a:latin typeface="Helvetica" panose="020B0604020202020204" pitchFamily="34" charset="0"/>
                 <a:cs typeface="Helvetica" panose="020B0604020202020204" pitchFamily="34" charset="0"/>
               </a:rPr>
-              <a:t>Einblick </a:t>
-            </a:r>
-            <a:r>
-              <a:rPr lang="de-DE" sz="2000" b="1" dirty="0" smtClean="0">
-                <a:solidFill>
-                  <a:schemeClr val="bg1">
-                    <a:lumMod val="65000"/>
-                  </a:schemeClr>
-                </a:solidFill>
-                <a:latin typeface="Helvetica" panose="020B0604020202020204" pitchFamily="34" charset="0"/>
-                <a:cs typeface="Helvetica" panose="020B0604020202020204" pitchFamily="34" charset="0"/>
-              </a:rPr>
-              <a:t>Umsetzung – Goal: </a:t>
+              <a:t>Einblick Umsetzung – Goal: </a:t>
             </a:r>
             <a:r>
               <a:rPr lang="de-DE" sz="2000" b="1" dirty="0" err="1">
@@ -23124,19 +23000,7 @@
                 <a:latin typeface="Helvetica" panose="020B0604020202020204" pitchFamily="34" charset="0"/>
                 <a:cs typeface="Helvetica" panose="020B0604020202020204" pitchFamily="34" charset="0"/>
               </a:rPr>
-              <a:t>Einblick </a:t>
-            </a:r>
-            <a:r>
-              <a:rPr lang="de-DE" sz="2000" b="1" dirty="0" smtClean="0">
-                <a:solidFill>
-                  <a:schemeClr val="bg1">
-                    <a:lumMod val="65000"/>
-                  </a:schemeClr>
-                </a:solidFill>
-                <a:latin typeface="Helvetica" panose="020B0604020202020204" pitchFamily="34" charset="0"/>
-                <a:cs typeface="Helvetica" panose="020B0604020202020204" pitchFamily="34" charset="0"/>
-              </a:rPr>
-              <a:t>Umsetzung – Goal: </a:t>
+              <a:t>Einblick Umsetzung – Goal: </a:t>
             </a:r>
             <a:r>
               <a:rPr lang="de-DE" sz="2000" b="1" dirty="0" err="1">
@@ -26939,19 +26803,7 @@
                 <a:latin typeface="Helvetica" panose="020B0604020202020204" pitchFamily="34" charset="0"/>
                 <a:cs typeface="Helvetica" panose="020B0604020202020204" pitchFamily="34" charset="0"/>
               </a:rPr>
-              <a:t>3. </a:t>
-            </a:r>
-            <a:r>
-              <a:rPr lang="de-DE" sz="2000" b="1" dirty="0" smtClean="0">
-                <a:solidFill>
-                  <a:schemeClr val="bg1">
-                    <a:lumMod val="65000"/>
-                  </a:schemeClr>
-                </a:solidFill>
-                <a:latin typeface="Helvetica" panose="020B0604020202020204" pitchFamily="34" charset="0"/>
-                <a:cs typeface="Helvetica" panose="020B0604020202020204" pitchFamily="34" charset="0"/>
-              </a:rPr>
-              <a:t>Plugin Umfang</a:t>
+              <a:t>3. Plugin Umfang</a:t>
             </a:r>
             <a:endParaRPr lang="de-DE" sz="2000" b="1" dirty="0">
               <a:solidFill>
